--- a/Programming2/CH8.pptx
+++ b/Programming2/CH8.pptx
@@ -3,39 +3,41 @@
 <p:presentation xmlns:a="http://schemas.openxmlformats.org/drawingml/2006/main" xmlns:r="http://schemas.openxmlformats.org/officeDocument/2006/relationships" xmlns:p="http://schemas.openxmlformats.org/presentationml/2006/main" showSpecialPlsOnTitleSld="0" saveSubsetFonts="1">
   <p:sldMasterIdLst>
     <p:sldMasterId id="2147483695" r:id="rId1"/>
+    <p:sldMasterId id="2147483707" r:id="rId2"/>
   </p:sldMasterIdLst>
   <p:notesMasterIdLst>
-    <p:notesMasterId r:id="rId27"/>
+    <p:notesMasterId r:id="rId29"/>
   </p:notesMasterIdLst>
   <p:handoutMasterIdLst>
-    <p:handoutMasterId r:id="rId28"/>
+    <p:handoutMasterId r:id="rId30"/>
   </p:handoutMasterIdLst>
   <p:sldIdLst>
-    <p:sldId id="349" r:id="rId2"/>
-    <p:sldId id="278" r:id="rId3"/>
-    <p:sldId id="279" r:id="rId4"/>
-    <p:sldId id="337" r:id="rId5"/>
-    <p:sldId id="338" r:id="rId6"/>
-    <p:sldId id="320" r:id="rId7"/>
-    <p:sldId id="340" r:id="rId8"/>
-    <p:sldId id="342" r:id="rId9"/>
-    <p:sldId id="343" r:id="rId10"/>
-    <p:sldId id="344" r:id="rId11"/>
-    <p:sldId id="345" r:id="rId12"/>
-    <p:sldId id="346" r:id="rId13"/>
-    <p:sldId id="348" r:id="rId14"/>
-    <p:sldId id="341" r:id="rId15"/>
-    <p:sldId id="329" r:id="rId16"/>
-    <p:sldId id="330" r:id="rId17"/>
-    <p:sldId id="331" r:id="rId18"/>
-    <p:sldId id="332" r:id="rId19"/>
-    <p:sldId id="350" r:id="rId20"/>
-    <p:sldId id="351" r:id="rId21"/>
-    <p:sldId id="352" r:id="rId22"/>
-    <p:sldId id="333" r:id="rId23"/>
-    <p:sldId id="334" r:id="rId24"/>
-    <p:sldId id="335" r:id="rId25"/>
-    <p:sldId id="336" r:id="rId26"/>
+    <p:sldId id="349" r:id="rId3"/>
+    <p:sldId id="364" r:id="rId4"/>
+    <p:sldId id="278" r:id="rId5"/>
+    <p:sldId id="279" r:id="rId6"/>
+    <p:sldId id="337" r:id="rId7"/>
+    <p:sldId id="338" r:id="rId8"/>
+    <p:sldId id="320" r:id="rId9"/>
+    <p:sldId id="340" r:id="rId10"/>
+    <p:sldId id="342" r:id="rId11"/>
+    <p:sldId id="343" r:id="rId12"/>
+    <p:sldId id="344" r:id="rId13"/>
+    <p:sldId id="345" r:id="rId14"/>
+    <p:sldId id="346" r:id="rId15"/>
+    <p:sldId id="348" r:id="rId16"/>
+    <p:sldId id="341" r:id="rId17"/>
+    <p:sldId id="329" r:id="rId18"/>
+    <p:sldId id="330" r:id="rId19"/>
+    <p:sldId id="331" r:id="rId20"/>
+    <p:sldId id="332" r:id="rId21"/>
+    <p:sldId id="350" r:id="rId22"/>
+    <p:sldId id="351" r:id="rId23"/>
+    <p:sldId id="352" r:id="rId24"/>
+    <p:sldId id="333" r:id="rId25"/>
+    <p:sldId id="334" r:id="rId26"/>
+    <p:sldId id="335" r:id="rId27"/>
+    <p:sldId id="336" r:id="rId28"/>
   </p:sldIdLst>
   <p:sldSz cx="9144000" cy="6858000" type="screen4x3"/>
   <p:notesSz cx="7010400" cy="9296400"/>
@@ -266,7 +268,7 @@
             <a:fld id="{92E213FA-0685-4517-BAA4-37482BBD172B}" type="datetimeFigureOut">
               <a:rPr lang="en-US" smtClean="0"/>
               <a:pPr/>
-              <a:t>12/4/2022</a:t>
+              <a:t>12/7/22</a:t>
             </a:fld>
             <a:endParaRPr lang="en-US"/>
           </a:p>
@@ -983,7 +985,7 @@
               <a:pPr>
                 <a:defRPr/>
               </a:pPr>
-              <a:t>12/4/2022</a:t>
+              <a:t>12/7/22</a:t>
             </a:fld>
             <a:endParaRPr lang="en-US"/>
           </a:p>
@@ -1173,7 +1175,7 @@
               <a:pPr>
                 <a:defRPr/>
               </a:pPr>
-              <a:t>12/4/2022</a:t>
+              <a:t>12/7/22</a:t>
             </a:fld>
             <a:endParaRPr lang="en-US"/>
           </a:p>
@@ -1373,7 +1375,7 @@
               <a:pPr>
                 <a:defRPr/>
               </a:pPr>
-              <a:t>12/4/2022</a:t>
+              <a:t>12/7/22</a:t>
             </a:fld>
             <a:endParaRPr lang="en-US"/>
           </a:p>
@@ -1446,7 +1448,270 @@
 </p:sldLayout>
 </file>
 
-<file path=ppt/slideLayouts/slideLayout2.xml><?xml version="1.0" encoding="utf-8"?>
+<file path=ppt/slideLayouts/slideLayout12.xml><?xml version="1.0" encoding="utf-8"?>
+<p:sldLayout xmlns:a="http://schemas.openxmlformats.org/drawingml/2006/main" xmlns:r="http://schemas.openxmlformats.org/officeDocument/2006/relationships" xmlns:p="http://schemas.openxmlformats.org/presentationml/2006/main" type="title" preserve="1">
+  <p:cSld name="Title Slide">
+    <p:spTree>
+      <p:nvGrpSpPr>
+        <p:cNvPr id="1" name=""/>
+        <p:cNvGrpSpPr/>
+        <p:nvPr/>
+      </p:nvGrpSpPr>
+      <p:grpSpPr>
+        <a:xfrm>
+          <a:off x="0" y="0"/>
+          <a:ext cx="0" cy="0"/>
+          <a:chOff x="0" y="0"/>
+          <a:chExt cx="0" cy="0"/>
+        </a:xfrm>
+      </p:grpSpPr>
+      <p:sp>
+        <p:nvSpPr>
+          <p:cNvPr id="2" name="Title 1"/>
+          <p:cNvSpPr>
+            <a:spLocks noGrp="1"/>
+          </p:cNvSpPr>
+          <p:nvPr>
+            <p:ph type="ctrTitle"/>
+          </p:nvPr>
+        </p:nvSpPr>
+        <p:spPr>
+          <a:xfrm>
+            <a:off x="685800" y="2130425"/>
+            <a:ext cx="7772400" cy="1470025"/>
+          </a:xfrm>
+        </p:spPr>
+        <p:txBody>
+          <a:bodyPr/>
+          <a:lstStyle/>
+          <a:p>
+            <a:r>
+              <a:rPr lang="en-US"/>
+              <a:t>Click to edit Master title style</a:t>
+            </a:r>
+          </a:p>
+        </p:txBody>
+      </p:sp>
+      <p:sp>
+        <p:nvSpPr>
+          <p:cNvPr id="3" name="Subtitle 2"/>
+          <p:cNvSpPr>
+            <a:spLocks noGrp="1"/>
+          </p:cNvSpPr>
+          <p:nvPr>
+            <p:ph type="subTitle" idx="1"/>
+          </p:nvPr>
+        </p:nvSpPr>
+        <p:spPr>
+          <a:xfrm>
+            <a:off x="1371600" y="3886200"/>
+            <a:ext cx="6400800" cy="1752600"/>
+          </a:xfrm>
+        </p:spPr>
+        <p:txBody>
+          <a:bodyPr/>
+          <a:lstStyle>
+            <a:lvl1pPr marL="0" indent="0" algn="ctr">
+              <a:buNone/>
+              <a:defRPr>
+                <a:solidFill>
+                  <a:schemeClr val="tx1">
+                    <a:tint val="75000"/>
+                  </a:schemeClr>
+                </a:solidFill>
+              </a:defRPr>
+            </a:lvl1pPr>
+            <a:lvl2pPr marL="457200" indent="0" algn="ctr">
+              <a:buNone/>
+              <a:defRPr>
+                <a:solidFill>
+                  <a:schemeClr val="tx1">
+                    <a:tint val="75000"/>
+                  </a:schemeClr>
+                </a:solidFill>
+              </a:defRPr>
+            </a:lvl2pPr>
+            <a:lvl3pPr marL="914400" indent="0" algn="ctr">
+              <a:buNone/>
+              <a:defRPr>
+                <a:solidFill>
+                  <a:schemeClr val="tx1">
+                    <a:tint val="75000"/>
+                  </a:schemeClr>
+                </a:solidFill>
+              </a:defRPr>
+            </a:lvl3pPr>
+            <a:lvl4pPr marL="1371600" indent="0" algn="ctr">
+              <a:buNone/>
+              <a:defRPr>
+                <a:solidFill>
+                  <a:schemeClr val="tx1">
+                    <a:tint val="75000"/>
+                  </a:schemeClr>
+                </a:solidFill>
+              </a:defRPr>
+            </a:lvl4pPr>
+            <a:lvl5pPr marL="1828800" indent="0" algn="ctr">
+              <a:buNone/>
+              <a:defRPr>
+                <a:solidFill>
+                  <a:schemeClr val="tx1">
+                    <a:tint val="75000"/>
+                  </a:schemeClr>
+                </a:solidFill>
+              </a:defRPr>
+            </a:lvl5pPr>
+            <a:lvl6pPr marL="2286000" indent="0" algn="ctr">
+              <a:buNone/>
+              <a:defRPr>
+                <a:solidFill>
+                  <a:schemeClr val="tx1">
+                    <a:tint val="75000"/>
+                  </a:schemeClr>
+                </a:solidFill>
+              </a:defRPr>
+            </a:lvl6pPr>
+            <a:lvl7pPr marL="2743200" indent="0" algn="ctr">
+              <a:buNone/>
+              <a:defRPr>
+                <a:solidFill>
+                  <a:schemeClr val="tx1">
+                    <a:tint val="75000"/>
+                  </a:schemeClr>
+                </a:solidFill>
+              </a:defRPr>
+            </a:lvl7pPr>
+            <a:lvl8pPr marL="3200400" indent="0" algn="ctr">
+              <a:buNone/>
+              <a:defRPr>
+                <a:solidFill>
+                  <a:schemeClr val="tx1">
+                    <a:tint val="75000"/>
+                  </a:schemeClr>
+                </a:solidFill>
+              </a:defRPr>
+            </a:lvl8pPr>
+            <a:lvl9pPr marL="3657600" indent="0" algn="ctr">
+              <a:buNone/>
+              <a:defRPr>
+                <a:solidFill>
+                  <a:schemeClr val="tx1">
+                    <a:tint val="75000"/>
+                  </a:schemeClr>
+                </a:solidFill>
+              </a:defRPr>
+            </a:lvl9pPr>
+          </a:lstStyle>
+          <a:p>
+            <a:r>
+              <a:rPr lang="en-US"/>
+              <a:t>Click to edit Master subtitle style</a:t>
+            </a:r>
+          </a:p>
+        </p:txBody>
+      </p:sp>
+      <p:sp>
+        <p:nvSpPr>
+          <p:cNvPr id="4" name="Date Placeholder 3"/>
+          <p:cNvSpPr>
+            <a:spLocks noGrp="1"/>
+          </p:cNvSpPr>
+          <p:nvPr>
+            <p:ph type="dt" sz="half" idx="10"/>
+          </p:nvPr>
+        </p:nvSpPr>
+        <p:spPr/>
+        <p:txBody>
+          <a:bodyPr/>
+          <a:lstStyle>
+            <a:lvl1pPr>
+              <a:defRPr/>
+            </a:lvl1pPr>
+          </a:lstStyle>
+          <a:p>
+            <a:pPr>
+              <a:defRPr/>
+            </a:pPr>
+            <a:endParaRPr lang="en-US"/>
+          </a:p>
+        </p:txBody>
+      </p:sp>
+      <p:sp>
+        <p:nvSpPr>
+          <p:cNvPr id="5" name="Footer Placeholder 4"/>
+          <p:cNvSpPr>
+            <a:spLocks noGrp="1"/>
+          </p:cNvSpPr>
+          <p:nvPr>
+            <p:ph type="ftr" sz="quarter" idx="11"/>
+          </p:nvPr>
+        </p:nvSpPr>
+        <p:spPr/>
+        <p:txBody>
+          <a:bodyPr/>
+          <a:lstStyle>
+            <a:lvl1pPr>
+              <a:defRPr/>
+            </a:lvl1pPr>
+          </a:lstStyle>
+          <a:p>
+            <a:pPr>
+              <a:defRPr/>
+            </a:pPr>
+            <a:r>
+              <a:rPr lang="en-US"/>
+              <a:t>C++ Programming: From Problem Analysis to Program Design, Fifth Edition</a:t>
+            </a:r>
+          </a:p>
+        </p:txBody>
+      </p:sp>
+      <p:sp>
+        <p:nvSpPr>
+          <p:cNvPr id="6" name="Slide Number Placeholder 5"/>
+          <p:cNvSpPr>
+            <a:spLocks noGrp="1"/>
+          </p:cNvSpPr>
+          <p:nvPr>
+            <p:ph type="sldNum" sz="quarter" idx="12"/>
+          </p:nvPr>
+        </p:nvSpPr>
+        <p:spPr/>
+        <p:txBody>
+          <a:bodyPr/>
+          <a:lstStyle>
+            <a:lvl1pPr>
+              <a:defRPr/>
+            </a:lvl1pPr>
+          </a:lstStyle>
+          <a:p>
+            <a:pPr>
+              <a:defRPr/>
+            </a:pPr>
+            <a:fld id="{B406E3AB-F5F4-48C2-8FED-051FD581910E}" type="slidenum">
+              <a:rPr lang="en-US"/>
+              <a:pPr>
+                <a:defRPr/>
+              </a:pPr>
+              <a:t>‹#›</a:t>
+            </a:fld>
+            <a:endParaRPr lang="en-US" dirty="0"/>
+          </a:p>
+        </p:txBody>
+      </p:sp>
+    </p:spTree>
+    <p:extLst>
+      <p:ext uri="{BB962C8B-B14F-4D97-AF65-F5344CB8AC3E}">
+        <p14:creationId xmlns:p14="http://schemas.microsoft.com/office/powerpoint/2010/main" val="887965436"/>
+      </p:ext>
+    </p:extLst>
+  </p:cSld>
+  <p:clrMapOvr>
+    <a:masterClrMapping/>
+  </p:clrMapOvr>
+</p:sldLayout>
+</file>
+
+<file path=ppt/slideLayouts/slideLayout13.xml><?xml version="1.0" encoding="utf-8"?>
 <p:sldLayout xmlns:a="http://schemas.openxmlformats.org/drawingml/2006/main" xmlns:r="http://schemas.openxmlformats.org/officeDocument/2006/relationships" xmlns:p="http://schemas.openxmlformats.org/presentationml/2006/main" type="obj" preserve="1">
   <p:cSld name="Title and Content">
     <p:spTree>
@@ -1558,13 +1823,6 @@
             <a:pPr>
               <a:defRPr/>
             </a:pPr>
-            <a:fld id="{91AD7264-651F-4D5A-81BB-0AE96ADBD24D}" type="datetimeFigureOut">
-              <a:rPr lang="en-US"/>
-              <a:pPr>
-                <a:defRPr/>
-              </a:pPr>
-              <a:t>12/4/2022</a:t>
-            </a:fld>
             <a:endParaRPr lang="en-US"/>
           </a:p>
         </p:txBody>
@@ -1591,7 +1849,10 @@
             <a:pPr>
               <a:defRPr/>
             </a:pPr>
-            <a:endParaRPr lang="en-US"/>
+            <a:r>
+              <a:rPr lang="en-US"/>
+              <a:t>C++ Programming: From Problem Analysis to Program Design, Fifth Edition</a:t>
+            </a:r>
           </a:p>
         </p:txBody>
       </p:sp>
@@ -1617,18 +1878,23 @@
             <a:pPr>
               <a:defRPr/>
             </a:pPr>
-            <a:fld id="{4956EA28-9FF3-4590-9653-B415D6E99FAD}" type="slidenum">
+            <a:fld id="{CB549782-E993-4678-AD50-464F77BA5BFB}" type="slidenum">
               <a:rPr lang="en-US"/>
               <a:pPr>
                 <a:defRPr/>
               </a:pPr>
               <a:t>‹#›</a:t>
             </a:fld>
-            <a:endParaRPr lang="en-US"/>
+            <a:endParaRPr lang="en-US" dirty="0"/>
           </a:p>
         </p:txBody>
       </p:sp>
     </p:spTree>
+    <p:extLst>
+      <p:ext uri="{BB962C8B-B14F-4D97-AF65-F5344CB8AC3E}">
+        <p14:creationId xmlns:p14="http://schemas.microsoft.com/office/powerpoint/2010/main" val="2586463489"/>
+      </p:ext>
+    </p:extLst>
   </p:cSld>
   <p:clrMapOvr>
     <a:masterClrMapping/>
@@ -1636,7 +1902,7 @@
 </p:sldLayout>
 </file>
 
-<file path=ppt/slideLayouts/slideLayout3.xml><?xml version="1.0" encoding="utf-8"?>
+<file path=ppt/slideLayouts/slideLayout14.xml><?xml version="1.0" encoding="utf-8"?>
 <p:sldLayout xmlns:a="http://schemas.openxmlformats.org/drawingml/2006/main" xmlns:r="http://schemas.openxmlformats.org/officeDocument/2006/relationships" xmlns:p="http://schemas.openxmlformats.org/presentationml/2006/main" type="secHead" preserve="1">
   <p:cSld name="Section Header">
     <p:spTree>
@@ -1825,13 +2091,6 @@
             <a:pPr>
               <a:defRPr/>
             </a:pPr>
-            <a:fld id="{DCBC5E68-1CA2-4F51-B216-275A1559E0F4}" type="datetimeFigureOut">
-              <a:rPr lang="en-US"/>
-              <a:pPr>
-                <a:defRPr/>
-              </a:pPr>
-              <a:t>12/4/2022</a:t>
-            </a:fld>
             <a:endParaRPr lang="en-US"/>
           </a:p>
         </p:txBody>
@@ -1858,7 +2117,10 @@
             <a:pPr>
               <a:defRPr/>
             </a:pPr>
-            <a:endParaRPr lang="en-US"/>
+            <a:r>
+              <a:rPr lang="en-US"/>
+              <a:t>C++ Programming: From Problem Analysis to Program Design, Fifth Edition</a:t>
+            </a:r>
           </a:p>
         </p:txBody>
       </p:sp>
@@ -1884,18 +2146,23 @@
             <a:pPr>
               <a:defRPr/>
             </a:pPr>
-            <a:fld id="{EA65A0D0-A085-4791-9A71-9E16B75EEEDA}" type="slidenum">
+            <a:fld id="{D3B238CF-14B8-4D13-AFA7-805B8AE498B8}" type="slidenum">
               <a:rPr lang="en-US"/>
               <a:pPr>
                 <a:defRPr/>
               </a:pPr>
               <a:t>‹#›</a:t>
             </a:fld>
-            <a:endParaRPr lang="en-US"/>
+            <a:endParaRPr lang="en-US" dirty="0"/>
           </a:p>
         </p:txBody>
       </p:sp>
     </p:spTree>
+    <p:extLst>
+      <p:ext uri="{BB962C8B-B14F-4D97-AF65-F5344CB8AC3E}">
+        <p14:creationId xmlns:p14="http://schemas.microsoft.com/office/powerpoint/2010/main" val="3274370152"/>
+      </p:ext>
+    </p:extLst>
   </p:cSld>
   <p:clrMapOvr>
     <a:masterClrMapping/>
@@ -1903,7 +2170,7 @@
 </p:sldLayout>
 </file>
 
-<file path=ppt/slideLayouts/slideLayout4.xml><?xml version="1.0" encoding="utf-8"?>
+<file path=ppt/slideLayouts/slideLayout15.xml><?xml version="1.0" encoding="utf-8"?>
 <p:sldLayout xmlns:a="http://schemas.openxmlformats.org/drawingml/2006/main" xmlns:r="http://schemas.openxmlformats.org/officeDocument/2006/relationships" xmlns:p="http://schemas.openxmlformats.org/presentationml/2006/main" type="twoObj" preserve="1">
   <p:cSld name="Two Content">
     <p:spTree>
@@ -2132,13 +2399,6 @@
             <a:pPr>
               <a:defRPr/>
             </a:pPr>
-            <a:fld id="{BC2F447C-850F-41C1-8913-6FFCA510D6CB}" type="datetimeFigureOut">
-              <a:rPr lang="en-US"/>
-              <a:pPr>
-                <a:defRPr/>
-              </a:pPr>
-              <a:t>12/4/2022</a:t>
-            </a:fld>
             <a:endParaRPr lang="en-US"/>
           </a:p>
         </p:txBody>
@@ -2165,7 +2425,10 @@
             <a:pPr>
               <a:defRPr/>
             </a:pPr>
-            <a:endParaRPr lang="en-US"/>
+            <a:r>
+              <a:rPr lang="en-US"/>
+              <a:t>C++ Programming: From Problem Analysis to Program Design, Fifth Edition</a:t>
+            </a:r>
           </a:p>
         </p:txBody>
       </p:sp>
@@ -2191,18 +2454,23 @@
             <a:pPr>
               <a:defRPr/>
             </a:pPr>
-            <a:fld id="{F56D2891-58A1-45AB-B547-A129261D407E}" type="slidenum">
+            <a:fld id="{2CBD1959-5B2B-40DD-9B7B-49D2E4726D47}" type="slidenum">
               <a:rPr lang="en-US"/>
               <a:pPr>
                 <a:defRPr/>
               </a:pPr>
               <a:t>‹#›</a:t>
             </a:fld>
-            <a:endParaRPr lang="en-US"/>
+            <a:endParaRPr lang="en-US" dirty="0"/>
           </a:p>
         </p:txBody>
       </p:sp>
     </p:spTree>
+    <p:extLst>
+      <p:ext uri="{BB962C8B-B14F-4D97-AF65-F5344CB8AC3E}">
+        <p14:creationId xmlns:p14="http://schemas.microsoft.com/office/powerpoint/2010/main" val="3576873642"/>
+      </p:ext>
+    </p:extLst>
   </p:cSld>
   <p:clrMapOvr>
     <a:masterClrMapping/>
@@ -2210,7 +2478,7 @@
 </p:sldLayout>
 </file>
 
-<file path=ppt/slideLayouts/slideLayout5.xml><?xml version="1.0" encoding="utf-8"?>
+<file path=ppt/slideLayouts/slideLayout16.xml><?xml version="1.0" encoding="utf-8"?>
 <p:sldLayout xmlns:a="http://schemas.openxmlformats.org/drawingml/2006/main" xmlns:r="http://schemas.openxmlformats.org/officeDocument/2006/relationships" xmlns:p="http://schemas.openxmlformats.org/presentationml/2006/main" type="twoTxTwoObj" preserve="1">
   <p:cSld name="Comparison">
     <p:spTree>
@@ -2573,13 +2841,6 @@
             <a:pPr>
               <a:defRPr/>
             </a:pPr>
-            <a:fld id="{01A8D4CC-AA2B-4507-8D2C-AA823C73D6EE}" type="datetimeFigureOut">
-              <a:rPr lang="en-US"/>
-              <a:pPr>
-                <a:defRPr/>
-              </a:pPr>
-              <a:t>12/4/2022</a:t>
-            </a:fld>
             <a:endParaRPr lang="en-US"/>
           </a:p>
         </p:txBody>
@@ -2606,7 +2867,10 @@
             <a:pPr>
               <a:defRPr/>
             </a:pPr>
-            <a:endParaRPr lang="en-US"/>
+            <a:r>
+              <a:rPr lang="en-US"/>
+              <a:t>C++ Programming: From Problem Analysis to Program Design, Fifth Edition</a:t>
+            </a:r>
           </a:p>
         </p:txBody>
       </p:sp>
@@ -2632,18 +2896,23 @@
             <a:pPr>
               <a:defRPr/>
             </a:pPr>
-            <a:fld id="{6505B9C1-8A09-45D0-BB8D-CDA7B0A59222}" type="slidenum">
+            <a:fld id="{A585971A-72D9-476A-9CF7-1C8C19534DBE}" type="slidenum">
               <a:rPr lang="en-US"/>
               <a:pPr>
                 <a:defRPr/>
               </a:pPr>
               <a:t>‹#›</a:t>
             </a:fld>
-            <a:endParaRPr lang="en-US"/>
+            <a:endParaRPr lang="en-US" dirty="0"/>
           </a:p>
         </p:txBody>
       </p:sp>
     </p:spTree>
+    <p:extLst>
+      <p:ext uri="{BB962C8B-B14F-4D97-AF65-F5344CB8AC3E}">
+        <p14:creationId xmlns:p14="http://schemas.microsoft.com/office/powerpoint/2010/main" val="1694810052"/>
+      </p:ext>
+    </p:extLst>
   </p:cSld>
   <p:clrMapOvr>
     <a:masterClrMapping/>
@@ -2651,7 +2920,7 @@
 </p:sldLayout>
 </file>
 
-<file path=ppt/slideLayouts/slideLayout6.xml><?xml version="1.0" encoding="utf-8"?>
+<file path=ppt/slideLayouts/slideLayout17.xml><?xml version="1.0" encoding="utf-8"?>
 <p:sldLayout xmlns:a="http://schemas.openxmlformats.org/drawingml/2006/main" xmlns:r="http://schemas.openxmlformats.org/officeDocument/2006/relationships" xmlns:p="http://schemas.openxmlformats.org/presentationml/2006/main" type="titleOnly" preserve="1">
   <p:cSld name="Title Only">
     <p:spTree>
@@ -2712,13 +2981,6 @@
             <a:pPr>
               <a:defRPr/>
             </a:pPr>
-            <a:fld id="{3E141621-23C1-4095-9D30-10453966A3FD}" type="datetimeFigureOut">
-              <a:rPr lang="en-US"/>
-              <a:pPr>
-                <a:defRPr/>
-              </a:pPr>
-              <a:t>12/4/2022</a:t>
-            </a:fld>
             <a:endParaRPr lang="en-US"/>
           </a:p>
         </p:txBody>
@@ -2745,7 +3007,10 @@
             <a:pPr>
               <a:defRPr/>
             </a:pPr>
-            <a:endParaRPr lang="en-US"/>
+            <a:r>
+              <a:rPr lang="en-US"/>
+              <a:t>C++ Programming: From Problem Analysis to Program Design, Fifth Edition</a:t>
+            </a:r>
           </a:p>
         </p:txBody>
       </p:sp>
@@ -2771,18 +3036,23 @@
             <a:pPr>
               <a:defRPr/>
             </a:pPr>
-            <a:fld id="{29B83B67-ED47-46AF-8459-626A91C3FF65}" type="slidenum">
+            <a:fld id="{883D4B72-9B35-408A-9890-EB598038FD10}" type="slidenum">
               <a:rPr lang="en-US"/>
               <a:pPr>
                 <a:defRPr/>
               </a:pPr>
               <a:t>‹#›</a:t>
             </a:fld>
-            <a:endParaRPr lang="en-US"/>
+            <a:endParaRPr lang="en-US" dirty="0"/>
           </a:p>
         </p:txBody>
       </p:sp>
     </p:spTree>
+    <p:extLst>
+      <p:ext uri="{BB962C8B-B14F-4D97-AF65-F5344CB8AC3E}">
+        <p14:creationId xmlns:p14="http://schemas.microsoft.com/office/powerpoint/2010/main" val="3753797929"/>
+      </p:ext>
+    </p:extLst>
   </p:cSld>
   <p:clrMapOvr>
     <a:masterClrMapping/>
@@ -2790,7 +3060,7 @@
 </p:sldLayout>
 </file>
 
-<file path=ppt/slideLayouts/slideLayout7.xml><?xml version="1.0" encoding="utf-8"?>
+<file path=ppt/slideLayouts/slideLayout18.xml><?xml version="1.0" encoding="utf-8"?>
 <p:sldLayout xmlns:a="http://schemas.openxmlformats.org/drawingml/2006/main" xmlns:r="http://schemas.openxmlformats.org/officeDocument/2006/relationships" xmlns:p="http://schemas.openxmlformats.org/presentationml/2006/main" type="blank" preserve="1">
   <p:cSld name="Blank">
     <p:spTree>
@@ -2829,13 +3099,6 @@
             <a:pPr>
               <a:defRPr/>
             </a:pPr>
-            <a:fld id="{808C4E8E-44B6-46EC-BDED-79635318A4BD}" type="datetimeFigureOut">
-              <a:rPr lang="en-US"/>
-              <a:pPr>
-                <a:defRPr/>
-              </a:pPr>
-              <a:t>12/4/2022</a:t>
-            </a:fld>
             <a:endParaRPr lang="en-US"/>
           </a:p>
         </p:txBody>
@@ -2862,7 +3125,10 @@
             <a:pPr>
               <a:defRPr/>
             </a:pPr>
-            <a:endParaRPr lang="en-US"/>
+            <a:r>
+              <a:rPr lang="en-US"/>
+              <a:t>C++ Programming: From Problem Analysis to Program Design, Fifth Edition</a:t>
+            </a:r>
           </a:p>
         </p:txBody>
       </p:sp>
@@ -2888,18 +3154,23 @@
             <a:pPr>
               <a:defRPr/>
             </a:pPr>
-            <a:fld id="{27CC838C-65A8-48CF-A521-5F1B24D0DAD5}" type="slidenum">
+            <a:fld id="{B12E161B-820F-42B2-BB49-BD39D0912652}" type="slidenum">
               <a:rPr lang="en-US"/>
               <a:pPr>
                 <a:defRPr/>
               </a:pPr>
               <a:t>‹#›</a:t>
             </a:fld>
-            <a:endParaRPr lang="en-US"/>
+            <a:endParaRPr lang="en-US" dirty="0"/>
           </a:p>
         </p:txBody>
       </p:sp>
     </p:spTree>
+    <p:extLst>
+      <p:ext uri="{BB962C8B-B14F-4D97-AF65-F5344CB8AC3E}">
+        <p14:creationId xmlns:p14="http://schemas.microsoft.com/office/powerpoint/2010/main" val="102344525"/>
+      </p:ext>
+    </p:extLst>
   </p:cSld>
   <p:clrMapOvr>
     <a:masterClrMapping/>
@@ -2907,7 +3178,7 @@
 </p:sldLayout>
 </file>
 
-<file path=ppt/slideLayouts/slideLayout8.xml><?xml version="1.0" encoding="utf-8"?>
+<file path=ppt/slideLayouts/slideLayout19.xml><?xml version="1.0" encoding="utf-8"?>
 <p:sldLayout xmlns:a="http://schemas.openxmlformats.org/drawingml/2006/main" xmlns:r="http://schemas.openxmlformats.org/officeDocument/2006/relationships" xmlns:p="http://schemas.openxmlformats.org/presentationml/2006/main" type="objTx" preserve="1">
   <p:cSld name="Content with Caption">
     <p:spTree>
@@ -3126,12 +3397,2441 @@
             <a:pPr>
               <a:defRPr/>
             </a:pPr>
-            <a:fld id="{0255A49E-4B45-4544-8183-D3C1849FD3C4}" type="datetimeFigureOut">
+            <a:endParaRPr lang="en-US"/>
+          </a:p>
+        </p:txBody>
+      </p:sp>
+      <p:sp>
+        <p:nvSpPr>
+          <p:cNvPr id="6" name="Footer Placeholder 4"/>
+          <p:cNvSpPr>
+            <a:spLocks noGrp="1"/>
+          </p:cNvSpPr>
+          <p:nvPr>
+            <p:ph type="ftr" sz="quarter" idx="11"/>
+          </p:nvPr>
+        </p:nvSpPr>
+        <p:spPr/>
+        <p:txBody>
+          <a:bodyPr/>
+          <a:lstStyle>
+            <a:lvl1pPr>
+              <a:defRPr/>
+            </a:lvl1pPr>
+          </a:lstStyle>
+          <a:p>
+            <a:pPr>
+              <a:defRPr/>
+            </a:pPr>
+            <a:r>
+              <a:rPr lang="en-US"/>
+              <a:t>C++ Programming: From Problem Analysis to Program Design, Fifth Edition</a:t>
+            </a:r>
+          </a:p>
+        </p:txBody>
+      </p:sp>
+      <p:sp>
+        <p:nvSpPr>
+          <p:cNvPr id="7" name="Slide Number Placeholder 5"/>
+          <p:cNvSpPr>
+            <a:spLocks noGrp="1"/>
+          </p:cNvSpPr>
+          <p:nvPr>
+            <p:ph type="sldNum" sz="quarter" idx="12"/>
+          </p:nvPr>
+        </p:nvSpPr>
+        <p:spPr/>
+        <p:txBody>
+          <a:bodyPr/>
+          <a:lstStyle>
+            <a:lvl1pPr>
+              <a:defRPr/>
+            </a:lvl1pPr>
+          </a:lstStyle>
+          <a:p>
+            <a:pPr>
+              <a:defRPr/>
+            </a:pPr>
+            <a:fld id="{BF50C9DB-E421-4990-8917-C40D3DB67EC6}" type="slidenum">
               <a:rPr lang="en-US"/>
               <a:pPr>
                 <a:defRPr/>
               </a:pPr>
-              <a:t>12/4/2022</a:t>
+              <a:t>‹#›</a:t>
+            </a:fld>
+            <a:endParaRPr lang="en-US" dirty="0"/>
+          </a:p>
+        </p:txBody>
+      </p:sp>
+    </p:spTree>
+    <p:extLst>
+      <p:ext uri="{BB962C8B-B14F-4D97-AF65-F5344CB8AC3E}">
+        <p14:creationId xmlns:p14="http://schemas.microsoft.com/office/powerpoint/2010/main" val="3970566970"/>
+      </p:ext>
+    </p:extLst>
+  </p:cSld>
+  <p:clrMapOvr>
+    <a:masterClrMapping/>
+  </p:clrMapOvr>
+</p:sldLayout>
+</file>
+
+<file path=ppt/slideLayouts/slideLayout2.xml><?xml version="1.0" encoding="utf-8"?>
+<p:sldLayout xmlns:a="http://schemas.openxmlformats.org/drawingml/2006/main" xmlns:r="http://schemas.openxmlformats.org/officeDocument/2006/relationships" xmlns:p="http://schemas.openxmlformats.org/presentationml/2006/main" type="obj" preserve="1">
+  <p:cSld name="Title and Content">
+    <p:spTree>
+      <p:nvGrpSpPr>
+        <p:cNvPr id="1" name=""/>
+        <p:cNvGrpSpPr/>
+        <p:nvPr/>
+      </p:nvGrpSpPr>
+      <p:grpSpPr>
+        <a:xfrm>
+          <a:off x="0" y="0"/>
+          <a:ext cx="0" cy="0"/>
+          <a:chOff x="0" y="0"/>
+          <a:chExt cx="0" cy="0"/>
+        </a:xfrm>
+      </p:grpSpPr>
+      <p:sp>
+        <p:nvSpPr>
+          <p:cNvPr id="2" name="Title 1"/>
+          <p:cNvSpPr>
+            <a:spLocks noGrp="1"/>
+          </p:cNvSpPr>
+          <p:nvPr>
+            <p:ph type="title"/>
+          </p:nvPr>
+        </p:nvSpPr>
+        <p:spPr/>
+        <p:txBody>
+          <a:bodyPr/>
+          <a:lstStyle/>
+          <a:p>
+            <a:r>
+              <a:rPr lang="en-US"/>
+              <a:t>Click to edit Master title style</a:t>
+            </a:r>
+          </a:p>
+        </p:txBody>
+      </p:sp>
+      <p:sp>
+        <p:nvSpPr>
+          <p:cNvPr id="3" name="Content Placeholder 2"/>
+          <p:cNvSpPr>
+            <a:spLocks noGrp="1"/>
+          </p:cNvSpPr>
+          <p:nvPr>
+            <p:ph idx="1"/>
+          </p:nvPr>
+        </p:nvSpPr>
+        <p:spPr/>
+        <p:txBody>
+          <a:bodyPr/>
+          <a:lstStyle/>
+          <a:p>
+            <a:pPr lvl="0"/>
+            <a:r>
+              <a:rPr lang="en-US"/>
+              <a:t>Click to edit Master text styles</a:t>
+            </a:r>
+          </a:p>
+          <a:p>
+            <a:pPr lvl="1"/>
+            <a:r>
+              <a:rPr lang="en-US"/>
+              <a:t>Second level</a:t>
+            </a:r>
+          </a:p>
+          <a:p>
+            <a:pPr lvl="2"/>
+            <a:r>
+              <a:rPr lang="en-US"/>
+              <a:t>Third level</a:t>
+            </a:r>
+          </a:p>
+          <a:p>
+            <a:pPr lvl="3"/>
+            <a:r>
+              <a:rPr lang="en-US"/>
+              <a:t>Fourth level</a:t>
+            </a:r>
+          </a:p>
+          <a:p>
+            <a:pPr lvl="4"/>
+            <a:r>
+              <a:rPr lang="en-US"/>
+              <a:t>Fifth level</a:t>
+            </a:r>
+          </a:p>
+        </p:txBody>
+      </p:sp>
+      <p:sp>
+        <p:nvSpPr>
+          <p:cNvPr id="4" name="Date Placeholder 3"/>
+          <p:cNvSpPr>
+            <a:spLocks noGrp="1"/>
+          </p:cNvSpPr>
+          <p:nvPr>
+            <p:ph type="dt" sz="half" idx="10"/>
+          </p:nvPr>
+        </p:nvSpPr>
+        <p:spPr/>
+        <p:txBody>
+          <a:bodyPr/>
+          <a:lstStyle>
+            <a:lvl1pPr>
+              <a:defRPr/>
+            </a:lvl1pPr>
+          </a:lstStyle>
+          <a:p>
+            <a:pPr>
+              <a:defRPr/>
+            </a:pPr>
+            <a:fld id="{91AD7264-651F-4D5A-81BB-0AE96ADBD24D}" type="datetimeFigureOut">
+              <a:rPr lang="en-US"/>
+              <a:pPr>
+                <a:defRPr/>
+              </a:pPr>
+              <a:t>12/7/22</a:t>
+            </a:fld>
+            <a:endParaRPr lang="en-US"/>
+          </a:p>
+        </p:txBody>
+      </p:sp>
+      <p:sp>
+        <p:nvSpPr>
+          <p:cNvPr id="5" name="Footer Placeholder 4"/>
+          <p:cNvSpPr>
+            <a:spLocks noGrp="1"/>
+          </p:cNvSpPr>
+          <p:nvPr>
+            <p:ph type="ftr" sz="quarter" idx="11"/>
+          </p:nvPr>
+        </p:nvSpPr>
+        <p:spPr/>
+        <p:txBody>
+          <a:bodyPr/>
+          <a:lstStyle>
+            <a:lvl1pPr>
+              <a:defRPr/>
+            </a:lvl1pPr>
+          </a:lstStyle>
+          <a:p>
+            <a:pPr>
+              <a:defRPr/>
+            </a:pPr>
+            <a:endParaRPr lang="en-US"/>
+          </a:p>
+        </p:txBody>
+      </p:sp>
+      <p:sp>
+        <p:nvSpPr>
+          <p:cNvPr id="6" name="Slide Number Placeholder 5"/>
+          <p:cNvSpPr>
+            <a:spLocks noGrp="1"/>
+          </p:cNvSpPr>
+          <p:nvPr>
+            <p:ph type="sldNum" sz="quarter" idx="12"/>
+          </p:nvPr>
+        </p:nvSpPr>
+        <p:spPr/>
+        <p:txBody>
+          <a:bodyPr/>
+          <a:lstStyle>
+            <a:lvl1pPr>
+              <a:defRPr/>
+            </a:lvl1pPr>
+          </a:lstStyle>
+          <a:p>
+            <a:pPr>
+              <a:defRPr/>
+            </a:pPr>
+            <a:fld id="{4956EA28-9FF3-4590-9653-B415D6E99FAD}" type="slidenum">
+              <a:rPr lang="en-US"/>
+              <a:pPr>
+                <a:defRPr/>
+              </a:pPr>
+              <a:t>‹#›</a:t>
+            </a:fld>
+            <a:endParaRPr lang="en-US"/>
+          </a:p>
+        </p:txBody>
+      </p:sp>
+    </p:spTree>
+  </p:cSld>
+  <p:clrMapOvr>
+    <a:masterClrMapping/>
+  </p:clrMapOvr>
+</p:sldLayout>
+</file>
+
+<file path=ppt/slideLayouts/slideLayout20.xml><?xml version="1.0" encoding="utf-8"?>
+<p:sldLayout xmlns:a="http://schemas.openxmlformats.org/drawingml/2006/main" xmlns:r="http://schemas.openxmlformats.org/officeDocument/2006/relationships" xmlns:p="http://schemas.openxmlformats.org/presentationml/2006/main" type="picTx" preserve="1">
+  <p:cSld name="Picture with Caption">
+    <p:spTree>
+      <p:nvGrpSpPr>
+        <p:cNvPr id="1" name=""/>
+        <p:cNvGrpSpPr/>
+        <p:nvPr/>
+      </p:nvGrpSpPr>
+      <p:grpSpPr>
+        <a:xfrm>
+          <a:off x="0" y="0"/>
+          <a:ext cx="0" cy="0"/>
+          <a:chOff x="0" y="0"/>
+          <a:chExt cx="0" cy="0"/>
+        </a:xfrm>
+      </p:grpSpPr>
+      <p:sp>
+        <p:nvSpPr>
+          <p:cNvPr id="2" name="Title 1"/>
+          <p:cNvSpPr>
+            <a:spLocks noGrp="1"/>
+          </p:cNvSpPr>
+          <p:nvPr>
+            <p:ph type="title"/>
+          </p:nvPr>
+        </p:nvSpPr>
+        <p:spPr>
+          <a:xfrm>
+            <a:off x="1792288" y="4800600"/>
+            <a:ext cx="5486400" cy="566738"/>
+          </a:xfrm>
+        </p:spPr>
+        <p:txBody>
+          <a:bodyPr anchor="b"/>
+          <a:lstStyle>
+            <a:lvl1pPr algn="l">
+              <a:defRPr sz="2000" b="1"/>
+            </a:lvl1pPr>
+          </a:lstStyle>
+          <a:p>
+            <a:r>
+              <a:rPr lang="en-US"/>
+              <a:t>Click to edit Master title style</a:t>
+            </a:r>
+          </a:p>
+        </p:txBody>
+      </p:sp>
+      <p:sp>
+        <p:nvSpPr>
+          <p:cNvPr id="3" name="Picture Placeholder 2"/>
+          <p:cNvSpPr>
+            <a:spLocks noGrp="1"/>
+          </p:cNvSpPr>
+          <p:nvPr>
+            <p:ph type="pic" idx="1"/>
+          </p:nvPr>
+        </p:nvSpPr>
+        <p:spPr>
+          <a:xfrm>
+            <a:off x="1792288" y="612775"/>
+            <a:ext cx="5486400" cy="4114800"/>
+          </a:xfrm>
+        </p:spPr>
+        <p:txBody>
+          <a:bodyPr rtlCol="0">
+            <a:normAutofit/>
+          </a:bodyPr>
+          <a:lstStyle>
+            <a:lvl1pPr marL="0" indent="0">
+              <a:buNone/>
+              <a:defRPr sz="3200"/>
+            </a:lvl1pPr>
+            <a:lvl2pPr marL="457200" indent="0">
+              <a:buNone/>
+              <a:defRPr sz="2800"/>
+            </a:lvl2pPr>
+            <a:lvl3pPr marL="914400" indent="0">
+              <a:buNone/>
+              <a:defRPr sz="2400"/>
+            </a:lvl3pPr>
+            <a:lvl4pPr marL="1371600" indent="0">
+              <a:buNone/>
+              <a:defRPr sz="2000"/>
+            </a:lvl4pPr>
+            <a:lvl5pPr marL="1828800" indent="0">
+              <a:buNone/>
+              <a:defRPr sz="2000"/>
+            </a:lvl5pPr>
+            <a:lvl6pPr marL="2286000" indent="0">
+              <a:buNone/>
+              <a:defRPr sz="2000"/>
+            </a:lvl6pPr>
+            <a:lvl7pPr marL="2743200" indent="0">
+              <a:buNone/>
+              <a:defRPr sz="2000"/>
+            </a:lvl7pPr>
+            <a:lvl8pPr marL="3200400" indent="0">
+              <a:buNone/>
+              <a:defRPr sz="2000"/>
+            </a:lvl8pPr>
+            <a:lvl9pPr marL="3657600" indent="0">
+              <a:buNone/>
+              <a:defRPr sz="2000"/>
+            </a:lvl9pPr>
+          </a:lstStyle>
+          <a:p>
+            <a:pPr lvl="0"/>
+            <a:endParaRPr lang="en-US" noProof="0"/>
+          </a:p>
+        </p:txBody>
+      </p:sp>
+      <p:sp>
+        <p:nvSpPr>
+          <p:cNvPr id="4" name="Text Placeholder 3"/>
+          <p:cNvSpPr>
+            <a:spLocks noGrp="1"/>
+          </p:cNvSpPr>
+          <p:nvPr>
+            <p:ph type="body" sz="half" idx="2"/>
+          </p:nvPr>
+        </p:nvSpPr>
+        <p:spPr>
+          <a:xfrm>
+            <a:off x="1792288" y="5367338"/>
+            <a:ext cx="5486400" cy="804862"/>
+          </a:xfrm>
+        </p:spPr>
+        <p:txBody>
+          <a:bodyPr/>
+          <a:lstStyle>
+            <a:lvl1pPr marL="0" indent="0">
+              <a:buNone/>
+              <a:defRPr sz="1400"/>
+            </a:lvl1pPr>
+            <a:lvl2pPr marL="457200" indent="0">
+              <a:buNone/>
+              <a:defRPr sz="1200"/>
+            </a:lvl2pPr>
+            <a:lvl3pPr marL="914400" indent="0">
+              <a:buNone/>
+              <a:defRPr sz="1000"/>
+            </a:lvl3pPr>
+            <a:lvl4pPr marL="1371600" indent="0">
+              <a:buNone/>
+              <a:defRPr sz="900"/>
+            </a:lvl4pPr>
+            <a:lvl5pPr marL="1828800" indent="0">
+              <a:buNone/>
+              <a:defRPr sz="900"/>
+            </a:lvl5pPr>
+            <a:lvl6pPr marL="2286000" indent="0">
+              <a:buNone/>
+              <a:defRPr sz="900"/>
+            </a:lvl6pPr>
+            <a:lvl7pPr marL="2743200" indent="0">
+              <a:buNone/>
+              <a:defRPr sz="900"/>
+            </a:lvl7pPr>
+            <a:lvl8pPr marL="3200400" indent="0">
+              <a:buNone/>
+              <a:defRPr sz="900"/>
+            </a:lvl8pPr>
+            <a:lvl9pPr marL="3657600" indent="0">
+              <a:buNone/>
+              <a:defRPr sz="900"/>
+            </a:lvl9pPr>
+          </a:lstStyle>
+          <a:p>
+            <a:pPr lvl="0"/>
+            <a:r>
+              <a:rPr lang="en-US"/>
+              <a:t>Click to edit Master text styles</a:t>
+            </a:r>
+          </a:p>
+        </p:txBody>
+      </p:sp>
+      <p:sp>
+        <p:nvSpPr>
+          <p:cNvPr id="5" name="Date Placeholder 3"/>
+          <p:cNvSpPr>
+            <a:spLocks noGrp="1"/>
+          </p:cNvSpPr>
+          <p:nvPr>
+            <p:ph type="dt" sz="half" idx="10"/>
+          </p:nvPr>
+        </p:nvSpPr>
+        <p:spPr/>
+        <p:txBody>
+          <a:bodyPr/>
+          <a:lstStyle>
+            <a:lvl1pPr>
+              <a:defRPr/>
+            </a:lvl1pPr>
+          </a:lstStyle>
+          <a:p>
+            <a:pPr>
+              <a:defRPr/>
+            </a:pPr>
+            <a:endParaRPr lang="en-US"/>
+          </a:p>
+        </p:txBody>
+      </p:sp>
+      <p:sp>
+        <p:nvSpPr>
+          <p:cNvPr id="6" name="Footer Placeholder 4"/>
+          <p:cNvSpPr>
+            <a:spLocks noGrp="1"/>
+          </p:cNvSpPr>
+          <p:nvPr>
+            <p:ph type="ftr" sz="quarter" idx="11"/>
+          </p:nvPr>
+        </p:nvSpPr>
+        <p:spPr/>
+        <p:txBody>
+          <a:bodyPr/>
+          <a:lstStyle>
+            <a:lvl1pPr>
+              <a:defRPr/>
+            </a:lvl1pPr>
+          </a:lstStyle>
+          <a:p>
+            <a:pPr>
+              <a:defRPr/>
+            </a:pPr>
+            <a:r>
+              <a:rPr lang="en-US"/>
+              <a:t>C++ Programming: From Problem Analysis to Program Design, Fifth Edition</a:t>
+            </a:r>
+          </a:p>
+        </p:txBody>
+      </p:sp>
+      <p:sp>
+        <p:nvSpPr>
+          <p:cNvPr id="7" name="Slide Number Placeholder 5"/>
+          <p:cNvSpPr>
+            <a:spLocks noGrp="1"/>
+          </p:cNvSpPr>
+          <p:nvPr>
+            <p:ph type="sldNum" sz="quarter" idx="12"/>
+          </p:nvPr>
+        </p:nvSpPr>
+        <p:spPr/>
+        <p:txBody>
+          <a:bodyPr/>
+          <a:lstStyle>
+            <a:lvl1pPr>
+              <a:defRPr/>
+            </a:lvl1pPr>
+          </a:lstStyle>
+          <a:p>
+            <a:pPr>
+              <a:defRPr/>
+            </a:pPr>
+            <a:fld id="{15817FF1-17AE-4AD9-ACC9-00E6A79347CF}" type="slidenum">
+              <a:rPr lang="en-US"/>
+              <a:pPr>
+                <a:defRPr/>
+              </a:pPr>
+              <a:t>‹#›</a:t>
+            </a:fld>
+            <a:endParaRPr lang="en-US" dirty="0"/>
+          </a:p>
+        </p:txBody>
+      </p:sp>
+    </p:spTree>
+    <p:extLst>
+      <p:ext uri="{BB962C8B-B14F-4D97-AF65-F5344CB8AC3E}">
+        <p14:creationId xmlns:p14="http://schemas.microsoft.com/office/powerpoint/2010/main" val="3767317911"/>
+      </p:ext>
+    </p:extLst>
+  </p:cSld>
+  <p:clrMapOvr>
+    <a:masterClrMapping/>
+  </p:clrMapOvr>
+</p:sldLayout>
+</file>
+
+<file path=ppt/slideLayouts/slideLayout21.xml><?xml version="1.0" encoding="utf-8"?>
+<p:sldLayout xmlns:a="http://schemas.openxmlformats.org/drawingml/2006/main" xmlns:r="http://schemas.openxmlformats.org/officeDocument/2006/relationships" xmlns:p="http://schemas.openxmlformats.org/presentationml/2006/main" type="vertTx" preserve="1">
+  <p:cSld name="Title and Vertical Text">
+    <p:spTree>
+      <p:nvGrpSpPr>
+        <p:cNvPr id="1" name=""/>
+        <p:cNvGrpSpPr/>
+        <p:nvPr/>
+      </p:nvGrpSpPr>
+      <p:grpSpPr>
+        <a:xfrm>
+          <a:off x="0" y="0"/>
+          <a:ext cx="0" cy="0"/>
+          <a:chOff x="0" y="0"/>
+          <a:chExt cx="0" cy="0"/>
+        </a:xfrm>
+      </p:grpSpPr>
+      <p:sp>
+        <p:nvSpPr>
+          <p:cNvPr id="2" name="Title 1"/>
+          <p:cNvSpPr>
+            <a:spLocks noGrp="1"/>
+          </p:cNvSpPr>
+          <p:nvPr>
+            <p:ph type="title"/>
+          </p:nvPr>
+        </p:nvSpPr>
+        <p:spPr/>
+        <p:txBody>
+          <a:bodyPr/>
+          <a:lstStyle/>
+          <a:p>
+            <a:r>
+              <a:rPr lang="en-US"/>
+              <a:t>Click to edit Master title style</a:t>
+            </a:r>
+          </a:p>
+        </p:txBody>
+      </p:sp>
+      <p:sp>
+        <p:nvSpPr>
+          <p:cNvPr id="3" name="Vertical Text Placeholder 2"/>
+          <p:cNvSpPr>
+            <a:spLocks noGrp="1"/>
+          </p:cNvSpPr>
+          <p:nvPr>
+            <p:ph type="body" orient="vert" idx="1"/>
+          </p:nvPr>
+        </p:nvSpPr>
+        <p:spPr/>
+        <p:txBody>
+          <a:bodyPr vert="eaVert"/>
+          <a:lstStyle/>
+          <a:p>
+            <a:pPr lvl="0"/>
+            <a:r>
+              <a:rPr lang="en-US"/>
+              <a:t>Click to edit Master text styles</a:t>
+            </a:r>
+          </a:p>
+          <a:p>
+            <a:pPr lvl="1"/>
+            <a:r>
+              <a:rPr lang="en-US"/>
+              <a:t>Second level</a:t>
+            </a:r>
+          </a:p>
+          <a:p>
+            <a:pPr lvl="2"/>
+            <a:r>
+              <a:rPr lang="en-US"/>
+              <a:t>Third level</a:t>
+            </a:r>
+          </a:p>
+          <a:p>
+            <a:pPr lvl="3"/>
+            <a:r>
+              <a:rPr lang="en-US"/>
+              <a:t>Fourth level</a:t>
+            </a:r>
+          </a:p>
+          <a:p>
+            <a:pPr lvl="4"/>
+            <a:r>
+              <a:rPr lang="en-US"/>
+              <a:t>Fifth level</a:t>
+            </a:r>
+          </a:p>
+        </p:txBody>
+      </p:sp>
+      <p:sp>
+        <p:nvSpPr>
+          <p:cNvPr id="4" name="Date Placeholder 3"/>
+          <p:cNvSpPr>
+            <a:spLocks noGrp="1"/>
+          </p:cNvSpPr>
+          <p:nvPr>
+            <p:ph type="dt" sz="half" idx="10"/>
+          </p:nvPr>
+        </p:nvSpPr>
+        <p:spPr/>
+        <p:txBody>
+          <a:bodyPr/>
+          <a:lstStyle>
+            <a:lvl1pPr>
+              <a:defRPr/>
+            </a:lvl1pPr>
+          </a:lstStyle>
+          <a:p>
+            <a:pPr>
+              <a:defRPr/>
+            </a:pPr>
+            <a:endParaRPr lang="en-US"/>
+          </a:p>
+        </p:txBody>
+      </p:sp>
+      <p:sp>
+        <p:nvSpPr>
+          <p:cNvPr id="5" name="Footer Placeholder 4"/>
+          <p:cNvSpPr>
+            <a:spLocks noGrp="1"/>
+          </p:cNvSpPr>
+          <p:nvPr>
+            <p:ph type="ftr" sz="quarter" idx="11"/>
+          </p:nvPr>
+        </p:nvSpPr>
+        <p:spPr/>
+        <p:txBody>
+          <a:bodyPr/>
+          <a:lstStyle>
+            <a:lvl1pPr>
+              <a:defRPr/>
+            </a:lvl1pPr>
+          </a:lstStyle>
+          <a:p>
+            <a:pPr>
+              <a:defRPr/>
+            </a:pPr>
+            <a:r>
+              <a:rPr lang="en-US"/>
+              <a:t>C++ Programming: From Problem Analysis to Program Design, Fifth Edition</a:t>
+            </a:r>
+          </a:p>
+        </p:txBody>
+      </p:sp>
+      <p:sp>
+        <p:nvSpPr>
+          <p:cNvPr id="6" name="Slide Number Placeholder 5"/>
+          <p:cNvSpPr>
+            <a:spLocks noGrp="1"/>
+          </p:cNvSpPr>
+          <p:nvPr>
+            <p:ph type="sldNum" sz="quarter" idx="12"/>
+          </p:nvPr>
+        </p:nvSpPr>
+        <p:spPr/>
+        <p:txBody>
+          <a:bodyPr/>
+          <a:lstStyle>
+            <a:lvl1pPr>
+              <a:defRPr/>
+            </a:lvl1pPr>
+          </a:lstStyle>
+          <a:p>
+            <a:pPr>
+              <a:defRPr/>
+            </a:pPr>
+            <a:fld id="{EDC156E6-579D-4404-879E-6DF059A53857}" type="slidenum">
+              <a:rPr lang="en-US"/>
+              <a:pPr>
+                <a:defRPr/>
+              </a:pPr>
+              <a:t>‹#›</a:t>
+            </a:fld>
+            <a:endParaRPr lang="en-US" dirty="0"/>
+          </a:p>
+        </p:txBody>
+      </p:sp>
+    </p:spTree>
+    <p:extLst>
+      <p:ext uri="{BB962C8B-B14F-4D97-AF65-F5344CB8AC3E}">
+        <p14:creationId xmlns:p14="http://schemas.microsoft.com/office/powerpoint/2010/main" val="2495680178"/>
+      </p:ext>
+    </p:extLst>
+  </p:cSld>
+  <p:clrMapOvr>
+    <a:masterClrMapping/>
+  </p:clrMapOvr>
+</p:sldLayout>
+</file>
+
+<file path=ppt/slideLayouts/slideLayout22.xml><?xml version="1.0" encoding="utf-8"?>
+<p:sldLayout xmlns:a="http://schemas.openxmlformats.org/drawingml/2006/main" xmlns:r="http://schemas.openxmlformats.org/officeDocument/2006/relationships" xmlns:p="http://schemas.openxmlformats.org/presentationml/2006/main" type="vertTitleAndTx" preserve="1">
+  <p:cSld name="Vertical Title and Text">
+    <p:spTree>
+      <p:nvGrpSpPr>
+        <p:cNvPr id="1" name=""/>
+        <p:cNvGrpSpPr/>
+        <p:nvPr/>
+      </p:nvGrpSpPr>
+      <p:grpSpPr>
+        <a:xfrm>
+          <a:off x="0" y="0"/>
+          <a:ext cx="0" cy="0"/>
+          <a:chOff x="0" y="0"/>
+          <a:chExt cx="0" cy="0"/>
+        </a:xfrm>
+      </p:grpSpPr>
+      <p:sp>
+        <p:nvSpPr>
+          <p:cNvPr id="2" name="Vertical Title 1"/>
+          <p:cNvSpPr>
+            <a:spLocks noGrp="1"/>
+          </p:cNvSpPr>
+          <p:nvPr>
+            <p:ph type="title" orient="vert"/>
+          </p:nvPr>
+        </p:nvSpPr>
+        <p:spPr>
+          <a:xfrm>
+            <a:off x="6629400" y="274638"/>
+            <a:ext cx="2057400" cy="5851525"/>
+          </a:xfrm>
+        </p:spPr>
+        <p:txBody>
+          <a:bodyPr vert="eaVert"/>
+          <a:lstStyle/>
+          <a:p>
+            <a:r>
+              <a:rPr lang="en-US"/>
+              <a:t>Click to edit Master title style</a:t>
+            </a:r>
+          </a:p>
+        </p:txBody>
+      </p:sp>
+      <p:sp>
+        <p:nvSpPr>
+          <p:cNvPr id="3" name="Vertical Text Placeholder 2"/>
+          <p:cNvSpPr>
+            <a:spLocks noGrp="1"/>
+          </p:cNvSpPr>
+          <p:nvPr>
+            <p:ph type="body" orient="vert" idx="1"/>
+          </p:nvPr>
+        </p:nvSpPr>
+        <p:spPr>
+          <a:xfrm>
+            <a:off x="457200" y="274638"/>
+            <a:ext cx="6019800" cy="5851525"/>
+          </a:xfrm>
+        </p:spPr>
+        <p:txBody>
+          <a:bodyPr vert="eaVert"/>
+          <a:lstStyle/>
+          <a:p>
+            <a:pPr lvl="0"/>
+            <a:r>
+              <a:rPr lang="en-US"/>
+              <a:t>Click to edit Master text styles</a:t>
+            </a:r>
+          </a:p>
+          <a:p>
+            <a:pPr lvl="1"/>
+            <a:r>
+              <a:rPr lang="en-US"/>
+              <a:t>Second level</a:t>
+            </a:r>
+          </a:p>
+          <a:p>
+            <a:pPr lvl="2"/>
+            <a:r>
+              <a:rPr lang="en-US"/>
+              <a:t>Third level</a:t>
+            </a:r>
+          </a:p>
+          <a:p>
+            <a:pPr lvl="3"/>
+            <a:r>
+              <a:rPr lang="en-US"/>
+              <a:t>Fourth level</a:t>
+            </a:r>
+          </a:p>
+          <a:p>
+            <a:pPr lvl="4"/>
+            <a:r>
+              <a:rPr lang="en-US"/>
+              <a:t>Fifth level</a:t>
+            </a:r>
+          </a:p>
+        </p:txBody>
+      </p:sp>
+      <p:sp>
+        <p:nvSpPr>
+          <p:cNvPr id="4" name="Date Placeholder 3"/>
+          <p:cNvSpPr>
+            <a:spLocks noGrp="1"/>
+          </p:cNvSpPr>
+          <p:nvPr>
+            <p:ph type="dt" sz="half" idx="10"/>
+          </p:nvPr>
+        </p:nvSpPr>
+        <p:spPr/>
+        <p:txBody>
+          <a:bodyPr/>
+          <a:lstStyle>
+            <a:lvl1pPr>
+              <a:defRPr/>
+            </a:lvl1pPr>
+          </a:lstStyle>
+          <a:p>
+            <a:pPr>
+              <a:defRPr/>
+            </a:pPr>
+            <a:endParaRPr lang="en-US"/>
+          </a:p>
+        </p:txBody>
+      </p:sp>
+      <p:sp>
+        <p:nvSpPr>
+          <p:cNvPr id="5" name="Footer Placeholder 4"/>
+          <p:cNvSpPr>
+            <a:spLocks noGrp="1"/>
+          </p:cNvSpPr>
+          <p:nvPr>
+            <p:ph type="ftr" sz="quarter" idx="11"/>
+          </p:nvPr>
+        </p:nvSpPr>
+        <p:spPr/>
+        <p:txBody>
+          <a:bodyPr/>
+          <a:lstStyle>
+            <a:lvl1pPr>
+              <a:defRPr/>
+            </a:lvl1pPr>
+          </a:lstStyle>
+          <a:p>
+            <a:pPr>
+              <a:defRPr/>
+            </a:pPr>
+            <a:r>
+              <a:rPr lang="en-US"/>
+              <a:t>C++ Programming: From Problem Analysis to Program Design, Fifth Edition</a:t>
+            </a:r>
+          </a:p>
+        </p:txBody>
+      </p:sp>
+      <p:sp>
+        <p:nvSpPr>
+          <p:cNvPr id="6" name="Slide Number Placeholder 5"/>
+          <p:cNvSpPr>
+            <a:spLocks noGrp="1"/>
+          </p:cNvSpPr>
+          <p:nvPr>
+            <p:ph type="sldNum" sz="quarter" idx="12"/>
+          </p:nvPr>
+        </p:nvSpPr>
+        <p:spPr/>
+        <p:txBody>
+          <a:bodyPr/>
+          <a:lstStyle>
+            <a:lvl1pPr>
+              <a:defRPr/>
+            </a:lvl1pPr>
+          </a:lstStyle>
+          <a:p>
+            <a:pPr>
+              <a:defRPr/>
+            </a:pPr>
+            <a:fld id="{ABF253D2-9CDB-4D0E-980F-AACE6C0D2405}" type="slidenum">
+              <a:rPr lang="en-US"/>
+              <a:pPr>
+                <a:defRPr/>
+              </a:pPr>
+              <a:t>‹#›</a:t>
+            </a:fld>
+            <a:endParaRPr lang="en-US" dirty="0"/>
+          </a:p>
+        </p:txBody>
+      </p:sp>
+    </p:spTree>
+    <p:extLst>
+      <p:ext uri="{BB962C8B-B14F-4D97-AF65-F5344CB8AC3E}">
+        <p14:creationId xmlns:p14="http://schemas.microsoft.com/office/powerpoint/2010/main" val="3353210365"/>
+      </p:ext>
+    </p:extLst>
+  </p:cSld>
+  <p:clrMapOvr>
+    <a:masterClrMapping/>
+  </p:clrMapOvr>
+</p:sldLayout>
+</file>
+
+<file path=ppt/slideLayouts/slideLayout3.xml><?xml version="1.0" encoding="utf-8"?>
+<p:sldLayout xmlns:a="http://schemas.openxmlformats.org/drawingml/2006/main" xmlns:r="http://schemas.openxmlformats.org/officeDocument/2006/relationships" xmlns:p="http://schemas.openxmlformats.org/presentationml/2006/main" type="secHead" preserve="1">
+  <p:cSld name="Section Header">
+    <p:spTree>
+      <p:nvGrpSpPr>
+        <p:cNvPr id="1" name=""/>
+        <p:cNvGrpSpPr/>
+        <p:nvPr/>
+      </p:nvGrpSpPr>
+      <p:grpSpPr>
+        <a:xfrm>
+          <a:off x="0" y="0"/>
+          <a:ext cx="0" cy="0"/>
+          <a:chOff x="0" y="0"/>
+          <a:chExt cx="0" cy="0"/>
+        </a:xfrm>
+      </p:grpSpPr>
+      <p:sp>
+        <p:nvSpPr>
+          <p:cNvPr id="2" name="Title 1"/>
+          <p:cNvSpPr>
+            <a:spLocks noGrp="1"/>
+          </p:cNvSpPr>
+          <p:nvPr>
+            <p:ph type="title"/>
+          </p:nvPr>
+        </p:nvSpPr>
+        <p:spPr>
+          <a:xfrm>
+            <a:off x="722313" y="4406900"/>
+            <a:ext cx="7772400" cy="1362075"/>
+          </a:xfrm>
+        </p:spPr>
+        <p:txBody>
+          <a:bodyPr anchor="t"/>
+          <a:lstStyle>
+            <a:lvl1pPr algn="l">
+              <a:defRPr sz="4000" b="1" cap="all"/>
+            </a:lvl1pPr>
+          </a:lstStyle>
+          <a:p>
+            <a:r>
+              <a:rPr lang="en-US"/>
+              <a:t>Click to edit Master title style</a:t>
+            </a:r>
+          </a:p>
+        </p:txBody>
+      </p:sp>
+      <p:sp>
+        <p:nvSpPr>
+          <p:cNvPr id="3" name="Text Placeholder 2"/>
+          <p:cNvSpPr>
+            <a:spLocks noGrp="1"/>
+          </p:cNvSpPr>
+          <p:nvPr>
+            <p:ph type="body" idx="1"/>
+          </p:nvPr>
+        </p:nvSpPr>
+        <p:spPr>
+          <a:xfrm>
+            <a:off x="722313" y="2906713"/>
+            <a:ext cx="7772400" cy="1500187"/>
+          </a:xfrm>
+        </p:spPr>
+        <p:txBody>
+          <a:bodyPr anchor="b"/>
+          <a:lstStyle>
+            <a:lvl1pPr marL="0" indent="0">
+              <a:buNone/>
+              <a:defRPr sz="2000">
+                <a:solidFill>
+                  <a:schemeClr val="tx1">
+                    <a:tint val="75000"/>
+                  </a:schemeClr>
+                </a:solidFill>
+              </a:defRPr>
+            </a:lvl1pPr>
+            <a:lvl2pPr marL="457200" indent="0">
+              <a:buNone/>
+              <a:defRPr sz="1800">
+                <a:solidFill>
+                  <a:schemeClr val="tx1">
+                    <a:tint val="75000"/>
+                  </a:schemeClr>
+                </a:solidFill>
+              </a:defRPr>
+            </a:lvl2pPr>
+            <a:lvl3pPr marL="914400" indent="0">
+              <a:buNone/>
+              <a:defRPr sz="1600">
+                <a:solidFill>
+                  <a:schemeClr val="tx1">
+                    <a:tint val="75000"/>
+                  </a:schemeClr>
+                </a:solidFill>
+              </a:defRPr>
+            </a:lvl3pPr>
+            <a:lvl4pPr marL="1371600" indent="0">
+              <a:buNone/>
+              <a:defRPr sz="1400">
+                <a:solidFill>
+                  <a:schemeClr val="tx1">
+                    <a:tint val="75000"/>
+                  </a:schemeClr>
+                </a:solidFill>
+              </a:defRPr>
+            </a:lvl4pPr>
+            <a:lvl5pPr marL="1828800" indent="0">
+              <a:buNone/>
+              <a:defRPr sz="1400">
+                <a:solidFill>
+                  <a:schemeClr val="tx1">
+                    <a:tint val="75000"/>
+                  </a:schemeClr>
+                </a:solidFill>
+              </a:defRPr>
+            </a:lvl5pPr>
+            <a:lvl6pPr marL="2286000" indent="0">
+              <a:buNone/>
+              <a:defRPr sz="1400">
+                <a:solidFill>
+                  <a:schemeClr val="tx1">
+                    <a:tint val="75000"/>
+                  </a:schemeClr>
+                </a:solidFill>
+              </a:defRPr>
+            </a:lvl6pPr>
+            <a:lvl7pPr marL="2743200" indent="0">
+              <a:buNone/>
+              <a:defRPr sz="1400">
+                <a:solidFill>
+                  <a:schemeClr val="tx1">
+                    <a:tint val="75000"/>
+                  </a:schemeClr>
+                </a:solidFill>
+              </a:defRPr>
+            </a:lvl7pPr>
+            <a:lvl8pPr marL="3200400" indent="0">
+              <a:buNone/>
+              <a:defRPr sz="1400">
+                <a:solidFill>
+                  <a:schemeClr val="tx1">
+                    <a:tint val="75000"/>
+                  </a:schemeClr>
+                </a:solidFill>
+              </a:defRPr>
+            </a:lvl8pPr>
+            <a:lvl9pPr marL="3657600" indent="0">
+              <a:buNone/>
+              <a:defRPr sz="1400">
+                <a:solidFill>
+                  <a:schemeClr val="tx1">
+                    <a:tint val="75000"/>
+                  </a:schemeClr>
+                </a:solidFill>
+              </a:defRPr>
+            </a:lvl9pPr>
+          </a:lstStyle>
+          <a:p>
+            <a:pPr lvl="0"/>
+            <a:r>
+              <a:rPr lang="en-US"/>
+              <a:t>Click to edit Master text styles</a:t>
+            </a:r>
+          </a:p>
+        </p:txBody>
+      </p:sp>
+      <p:sp>
+        <p:nvSpPr>
+          <p:cNvPr id="4" name="Date Placeholder 3"/>
+          <p:cNvSpPr>
+            <a:spLocks noGrp="1"/>
+          </p:cNvSpPr>
+          <p:nvPr>
+            <p:ph type="dt" sz="half" idx="10"/>
+          </p:nvPr>
+        </p:nvSpPr>
+        <p:spPr/>
+        <p:txBody>
+          <a:bodyPr/>
+          <a:lstStyle>
+            <a:lvl1pPr>
+              <a:defRPr/>
+            </a:lvl1pPr>
+          </a:lstStyle>
+          <a:p>
+            <a:pPr>
+              <a:defRPr/>
+            </a:pPr>
+            <a:fld id="{DCBC5E68-1CA2-4F51-B216-275A1559E0F4}" type="datetimeFigureOut">
+              <a:rPr lang="en-US"/>
+              <a:pPr>
+                <a:defRPr/>
+              </a:pPr>
+              <a:t>12/7/22</a:t>
+            </a:fld>
+            <a:endParaRPr lang="en-US"/>
+          </a:p>
+        </p:txBody>
+      </p:sp>
+      <p:sp>
+        <p:nvSpPr>
+          <p:cNvPr id="5" name="Footer Placeholder 4"/>
+          <p:cNvSpPr>
+            <a:spLocks noGrp="1"/>
+          </p:cNvSpPr>
+          <p:nvPr>
+            <p:ph type="ftr" sz="quarter" idx="11"/>
+          </p:nvPr>
+        </p:nvSpPr>
+        <p:spPr/>
+        <p:txBody>
+          <a:bodyPr/>
+          <a:lstStyle>
+            <a:lvl1pPr>
+              <a:defRPr/>
+            </a:lvl1pPr>
+          </a:lstStyle>
+          <a:p>
+            <a:pPr>
+              <a:defRPr/>
+            </a:pPr>
+            <a:endParaRPr lang="en-US"/>
+          </a:p>
+        </p:txBody>
+      </p:sp>
+      <p:sp>
+        <p:nvSpPr>
+          <p:cNvPr id="6" name="Slide Number Placeholder 5"/>
+          <p:cNvSpPr>
+            <a:spLocks noGrp="1"/>
+          </p:cNvSpPr>
+          <p:nvPr>
+            <p:ph type="sldNum" sz="quarter" idx="12"/>
+          </p:nvPr>
+        </p:nvSpPr>
+        <p:spPr/>
+        <p:txBody>
+          <a:bodyPr/>
+          <a:lstStyle>
+            <a:lvl1pPr>
+              <a:defRPr/>
+            </a:lvl1pPr>
+          </a:lstStyle>
+          <a:p>
+            <a:pPr>
+              <a:defRPr/>
+            </a:pPr>
+            <a:fld id="{EA65A0D0-A085-4791-9A71-9E16B75EEEDA}" type="slidenum">
+              <a:rPr lang="en-US"/>
+              <a:pPr>
+                <a:defRPr/>
+              </a:pPr>
+              <a:t>‹#›</a:t>
+            </a:fld>
+            <a:endParaRPr lang="en-US"/>
+          </a:p>
+        </p:txBody>
+      </p:sp>
+    </p:spTree>
+  </p:cSld>
+  <p:clrMapOvr>
+    <a:masterClrMapping/>
+  </p:clrMapOvr>
+</p:sldLayout>
+</file>
+
+<file path=ppt/slideLayouts/slideLayout4.xml><?xml version="1.0" encoding="utf-8"?>
+<p:sldLayout xmlns:a="http://schemas.openxmlformats.org/drawingml/2006/main" xmlns:r="http://schemas.openxmlformats.org/officeDocument/2006/relationships" xmlns:p="http://schemas.openxmlformats.org/presentationml/2006/main" type="twoObj" preserve="1">
+  <p:cSld name="Two Content">
+    <p:spTree>
+      <p:nvGrpSpPr>
+        <p:cNvPr id="1" name=""/>
+        <p:cNvGrpSpPr/>
+        <p:nvPr/>
+      </p:nvGrpSpPr>
+      <p:grpSpPr>
+        <a:xfrm>
+          <a:off x="0" y="0"/>
+          <a:ext cx="0" cy="0"/>
+          <a:chOff x="0" y="0"/>
+          <a:chExt cx="0" cy="0"/>
+        </a:xfrm>
+      </p:grpSpPr>
+      <p:sp>
+        <p:nvSpPr>
+          <p:cNvPr id="2" name="Title 1"/>
+          <p:cNvSpPr>
+            <a:spLocks noGrp="1"/>
+          </p:cNvSpPr>
+          <p:nvPr>
+            <p:ph type="title"/>
+          </p:nvPr>
+        </p:nvSpPr>
+        <p:spPr/>
+        <p:txBody>
+          <a:bodyPr/>
+          <a:lstStyle/>
+          <a:p>
+            <a:r>
+              <a:rPr lang="en-US"/>
+              <a:t>Click to edit Master title style</a:t>
+            </a:r>
+          </a:p>
+        </p:txBody>
+      </p:sp>
+      <p:sp>
+        <p:nvSpPr>
+          <p:cNvPr id="3" name="Content Placeholder 2"/>
+          <p:cNvSpPr>
+            <a:spLocks noGrp="1"/>
+          </p:cNvSpPr>
+          <p:nvPr>
+            <p:ph sz="half" idx="1"/>
+          </p:nvPr>
+        </p:nvSpPr>
+        <p:spPr>
+          <a:xfrm>
+            <a:off x="457200" y="1600200"/>
+            <a:ext cx="4038600" cy="4525963"/>
+          </a:xfrm>
+        </p:spPr>
+        <p:txBody>
+          <a:bodyPr/>
+          <a:lstStyle>
+            <a:lvl1pPr>
+              <a:defRPr sz="2800"/>
+            </a:lvl1pPr>
+            <a:lvl2pPr>
+              <a:defRPr sz="2400"/>
+            </a:lvl2pPr>
+            <a:lvl3pPr>
+              <a:defRPr sz="2000"/>
+            </a:lvl3pPr>
+            <a:lvl4pPr>
+              <a:defRPr sz="1800"/>
+            </a:lvl4pPr>
+            <a:lvl5pPr>
+              <a:defRPr sz="1800"/>
+            </a:lvl5pPr>
+            <a:lvl6pPr>
+              <a:defRPr sz="1800"/>
+            </a:lvl6pPr>
+            <a:lvl7pPr>
+              <a:defRPr sz="1800"/>
+            </a:lvl7pPr>
+            <a:lvl8pPr>
+              <a:defRPr sz="1800"/>
+            </a:lvl8pPr>
+            <a:lvl9pPr>
+              <a:defRPr sz="1800"/>
+            </a:lvl9pPr>
+          </a:lstStyle>
+          <a:p>
+            <a:pPr lvl="0"/>
+            <a:r>
+              <a:rPr lang="en-US"/>
+              <a:t>Click to edit Master text styles</a:t>
+            </a:r>
+          </a:p>
+          <a:p>
+            <a:pPr lvl="1"/>
+            <a:r>
+              <a:rPr lang="en-US"/>
+              <a:t>Second level</a:t>
+            </a:r>
+          </a:p>
+          <a:p>
+            <a:pPr lvl="2"/>
+            <a:r>
+              <a:rPr lang="en-US"/>
+              <a:t>Third level</a:t>
+            </a:r>
+          </a:p>
+          <a:p>
+            <a:pPr lvl="3"/>
+            <a:r>
+              <a:rPr lang="en-US"/>
+              <a:t>Fourth level</a:t>
+            </a:r>
+          </a:p>
+          <a:p>
+            <a:pPr lvl="4"/>
+            <a:r>
+              <a:rPr lang="en-US"/>
+              <a:t>Fifth level</a:t>
+            </a:r>
+          </a:p>
+        </p:txBody>
+      </p:sp>
+      <p:sp>
+        <p:nvSpPr>
+          <p:cNvPr id="4" name="Content Placeholder 3"/>
+          <p:cNvSpPr>
+            <a:spLocks noGrp="1"/>
+          </p:cNvSpPr>
+          <p:nvPr>
+            <p:ph sz="half" idx="2"/>
+          </p:nvPr>
+        </p:nvSpPr>
+        <p:spPr>
+          <a:xfrm>
+            <a:off x="4648200" y="1600200"/>
+            <a:ext cx="4038600" cy="4525963"/>
+          </a:xfrm>
+        </p:spPr>
+        <p:txBody>
+          <a:bodyPr/>
+          <a:lstStyle>
+            <a:lvl1pPr>
+              <a:defRPr sz="2800"/>
+            </a:lvl1pPr>
+            <a:lvl2pPr>
+              <a:defRPr sz="2400"/>
+            </a:lvl2pPr>
+            <a:lvl3pPr>
+              <a:defRPr sz="2000"/>
+            </a:lvl3pPr>
+            <a:lvl4pPr>
+              <a:defRPr sz="1800"/>
+            </a:lvl4pPr>
+            <a:lvl5pPr>
+              <a:defRPr sz="1800"/>
+            </a:lvl5pPr>
+            <a:lvl6pPr>
+              <a:defRPr sz="1800"/>
+            </a:lvl6pPr>
+            <a:lvl7pPr>
+              <a:defRPr sz="1800"/>
+            </a:lvl7pPr>
+            <a:lvl8pPr>
+              <a:defRPr sz="1800"/>
+            </a:lvl8pPr>
+            <a:lvl9pPr>
+              <a:defRPr sz="1800"/>
+            </a:lvl9pPr>
+          </a:lstStyle>
+          <a:p>
+            <a:pPr lvl="0"/>
+            <a:r>
+              <a:rPr lang="en-US"/>
+              <a:t>Click to edit Master text styles</a:t>
+            </a:r>
+          </a:p>
+          <a:p>
+            <a:pPr lvl="1"/>
+            <a:r>
+              <a:rPr lang="en-US"/>
+              <a:t>Second level</a:t>
+            </a:r>
+          </a:p>
+          <a:p>
+            <a:pPr lvl="2"/>
+            <a:r>
+              <a:rPr lang="en-US"/>
+              <a:t>Third level</a:t>
+            </a:r>
+          </a:p>
+          <a:p>
+            <a:pPr lvl="3"/>
+            <a:r>
+              <a:rPr lang="en-US"/>
+              <a:t>Fourth level</a:t>
+            </a:r>
+          </a:p>
+          <a:p>
+            <a:pPr lvl="4"/>
+            <a:r>
+              <a:rPr lang="en-US"/>
+              <a:t>Fifth level</a:t>
+            </a:r>
+          </a:p>
+        </p:txBody>
+      </p:sp>
+      <p:sp>
+        <p:nvSpPr>
+          <p:cNvPr id="5" name="Date Placeholder 3"/>
+          <p:cNvSpPr>
+            <a:spLocks noGrp="1"/>
+          </p:cNvSpPr>
+          <p:nvPr>
+            <p:ph type="dt" sz="half" idx="10"/>
+          </p:nvPr>
+        </p:nvSpPr>
+        <p:spPr/>
+        <p:txBody>
+          <a:bodyPr/>
+          <a:lstStyle>
+            <a:lvl1pPr>
+              <a:defRPr/>
+            </a:lvl1pPr>
+          </a:lstStyle>
+          <a:p>
+            <a:pPr>
+              <a:defRPr/>
+            </a:pPr>
+            <a:fld id="{BC2F447C-850F-41C1-8913-6FFCA510D6CB}" type="datetimeFigureOut">
+              <a:rPr lang="en-US"/>
+              <a:pPr>
+                <a:defRPr/>
+              </a:pPr>
+              <a:t>12/7/22</a:t>
+            </a:fld>
+            <a:endParaRPr lang="en-US"/>
+          </a:p>
+        </p:txBody>
+      </p:sp>
+      <p:sp>
+        <p:nvSpPr>
+          <p:cNvPr id="6" name="Footer Placeholder 4"/>
+          <p:cNvSpPr>
+            <a:spLocks noGrp="1"/>
+          </p:cNvSpPr>
+          <p:nvPr>
+            <p:ph type="ftr" sz="quarter" idx="11"/>
+          </p:nvPr>
+        </p:nvSpPr>
+        <p:spPr/>
+        <p:txBody>
+          <a:bodyPr/>
+          <a:lstStyle>
+            <a:lvl1pPr>
+              <a:defRPr/>
+            </a:lvl1pPr>
+          </a:lstStyle>
+          <a:p>
+            <a:pPr>
+              <a:defRPr/>
+            </a:pPr>
+            <a:endParaRPr lang="en-US"/>
+          </a:p>
+        </p:txBody>
+      </p:sp>
+      <p:sp>
+        <p:nvSpPr>
+          <p:cNvPr id="7" name="Slide Number Placeholder 5"/>
+          <p:cNvSpPr>
+            <a:spLocks noGrp="1"/>
+          </p:cNvSpPr>
+          <p:nvPr>
+            <p:ph type="sldNum" sz="quarter" idx="12"/>
+          </p:nvPr>
+        </p:nvSpPr>
+        <p:spPr/>
+        <p:txBody>
+          <a:bodyPr/>
+          <a:lstStyle>
+            <a:lvl1pPr>
+              <a:defRPr/>
+            </a:lvl1pPr>
+          </a:lstStyle>
+          <a:p>
+            <a:pPr>
+              <a:defRPr/>
+            </a:pPr>
+            <a:fld id="{F56D2891-58A1-45AB-B547-A129261D407E}" type="slidenum">
+              <a:rPr lang="en-US"/>
+              <a:pPr>
+                <a:defRPr/>
+              </a:pPr>
+              <a:t>‹#›</a:t>
+            </a:fld>
+            <a:endParaRPr lang="en-US"/>
+          </a:p>
+        </p:txBody>
+      </p:sp>
+    </p:spTree>
+  </p:cSld>
+  <p:clrMapOvr>
+    <a:masterClrMapping/>
+  </p:clrMapOvr>
+</p:sldLayout>
+</file>
+
+<file path=ppt/slideLayouts/slideLayout5.xml><?xml version="1.0" encoding="utf-8"?>
+<p:sldLayout xmlns:a="http://schemas.openxmlformats.org/drawingml/2006/main" xmlns:r="http://schemas.openxmlformats.org/officeDocument/2006/relationships" xmlns:p="http://schemas.openxmlformats.org/presentationml/2006/main" type="twoTxTwoObj" preserve="1">
+  <p:cSld name="Comparison">
+    <p:spTree>
+      <p:nvGrpSpPr>
+        <p:cNvPr id="1" name=""/>
+        <p:cNvGrpSpPr/>
+        <p:nvPr/>
+      </p:nvGrpSpPr>
+      <p:grpSpPr>
+        <a:xfrm>
+          <a:off x="0" y="0"/>
+          <a:ext cx="0" cy="0"/>
+          <a:chOff x="0" y="0"/>
+          <a:chExt cx="0" cy="0"/>
+        </a:xfrm>
+      </p:grpSpPr>
+      <p:sp>
+        <p:nvSpPr>
+          <p:cNvPr id="2" name="Title 1"/>
+          <p:cNvSpPr>
+            <a:spLocks noGrp="1"/>
+          </p:cNvSpPr>
+          <p:nvPr>
+            <p:ph type="title"/>
+          </p:nvPr>
+        </p:nvSpPr>
+        <p:spPr/>
+        <p:txBody>
+          <a:bodyPr/>
+          <a:lstStyle>
+            <a:lvl1pPr>
+              <a:defRPr/>
+            </a:lvl1pPr>
+          </a:lstStyle>
+          <a:p>
+            <a:r>
+              <a:rPr lang="en-US"/>
+              <a:t>Click to edit Master title style</a:t>
+            </a:r>
+          </a:p>
+        </p:txBody>
+      </p:sp>
+      <p:sp>
+        <p:nvSpPr>
+          <p:cNvPr id="3" name="Text Placeholder 2"/>
+          <p:cNvSpPr>
+            <a:spLocks noGrp="1"/>
+          </p:cNvSpPr>
+          <p:nvPr>
+            <p:ph type="body" idx="1"/>
+          </p:nvPr>
+        </p:nvSpPr>
+        <p:spPr>
+          <a:xfrm>
+            <a:off x="457200" y="1535113"/>
+            <a:ext cx="4040188" cy="639762"/>
+          </a:xfrm>
+        </p:spPr>
+        <p:txBody>
+          <a:bodyPr anchor="b"/>
+          <a:lstStyle>
+            <a:lvl1pPr marL="0" indent="0">
+              <a:buNone/>
+              <a:defRPr sz="2400" b="1"/>
+            </a:lvl1pPr>
+            <a:lvl2pPr marL="457200" indent="0">
+              <a:buNone/>
+              <a:defRPr sz="2000" b="1"/>
+            </a:lvl2pPr>
+            <a:lvl3pPr marL="914400" indent="0">
+              <a:buNone/>
+              <a:defRPr sz="1800" b="1"/>
+            </a:lvl3pPr>
+            <a:lvl4pPr marL="1371600" indent="0">
+              <a:buNone/>
+              <a:defRPr sz="1600" b="1"/>
+            </a:lvl4pPr>
+            <a:lvl5pPr marL="1828800" indent="0">
+              <a:buNone/>
+              <a:defRPr sz="1600" b="1"/>
+            </a:lvl5pPr>
+            <a:lvl6pPr marL="2286000" indent="0">
+              <a:buNone/>
+              <a:defRPr sz="1600" b="1"/>
+            </a:lvl6pPr>
+            <a:lvl7pPr marL="2743200" indent="0">
+              <a:buNone/>
+              <a:defRPr sz="1600" b="1"/>
+            </a:lvl7pPr>
+            <a:lvl8pPr marL="3200400" indent="0">
+              <a:buNone/>
+              <a:defRPr sz="1600" b="1"/>
+            </a:lvl8pPr>
+            <a:lvl9pPr marL="3657600" indent="0">
+              <a:buNone/>
+              <a:defRPr sz="1600" b="1"/>
+            </a:lvl9pPr>
+          </a:lstStyle>
+          <a:p>
+            <a:pPr lvl="0"/>
+            <a:r>
+              <a:rPr lang="en-US"/>
+              <a:t>Click to edit Master text styles</a:t>
+            </a:r>
+          </a:p>
+        </p:txBody>
+      </p:sp>
+      <p:sp>
+        <p:nvSpPr>
+          <p:cNvPr id="4" name="Content Placeholder 3"/>
+          <p:cNvSpPr>
+            <a:spLocks noGrp="1"/>
+          </p:cNvSpPr>
+          <p:nvPr>
+            <p:ph sz="half" idx="2"/>
+          </p:nvPr>
+        </p:nvSpPr>
+        <p:spPr>
+          <a:xfrm>
+            <a:off x="457200" y="2174875"/>
+            <a:ext cx="4040188" cy="3951288"/>
+          </a:xfrm>
+        </p:spPr>
+        <p:txBody>
+          <a:bodyPr/>
+          <a:lstStyle>
+            <a:lvl1pPr>
+              <a:defRPr sz="2400"/>
+            </a:lvl1pPr>
+            <a:lvl2pPr>
+              <a:defRPr sz="2000"/>
+            </a:lvl2pPr>
+            <a:lvl3pPr>
+              <a:defRPr sz="1800"/>
+            </a:lvl3pPr>
+            <a:lvl4pPr>
+              <a:defRPr sz="1600"/>
+            </a:lvl4pPr>
+            <a:lvl5pPr>
+              <a:defRPr sz="1600"/>
+            </a:lvl5pPr>
+            <a:lvl6pPr>
+              <a:defRPr sz="1600"/>
+            </a:lvl6pPr>
+            <a:lvl7pPr>
+              <a:defRPr sz="1600"/>
+            </a:lvl7pPr>
+            <a:lvl8pPr>
+              <a:defRPr sz="1600"/>
+            </a:lvl8pPr>
+            <a:lvl9pPr>
+              <a:defRPr sz="1600"/>
+            </a:lvl9pPr>
+          </a:lstStyle>
+          <a:p>
+            <a:pPr lvl="0"/>
+            <a:r>
+              <a:rPr lang="en-US"/>
+              <a:t>Click to edit Master text styles</a:t>
+            </a:r>
+          </a:p>
+          <a:p>
+            <a:pPr lvl="1"/>
+            <a:r>
+              <a:rPr lang="en-US"/>
+              <a:t>Second level</a:t>
+            </a:r>
+          </a:p>
+          <a:p>
+            <a:pPr lvl="2"/>
+            <a:r>
+              <a:rPr lang="en-US"/>
+              <a:t>Third level</a:t>
+            </a:r>
+          </a:p>
+          <a:p>
+            <a:pPr lvl="3"/>
+            <a:r>
+              <a:rPr lang="en-US"/>
+              <a:t>Fourth level</a:t>
+            </a:r>
+          </a:p>
+          <a:p>
+            <a:pPr lvl="4"/>
+            <a:r>
+              <a:rPr lang="en-US"/>
+              <a:t>Fifth level</a:t>
+            </a:r>
+          </a:p>
+        </p:txBody>
+      </p:sp>
+      <p:sp>
+        <p:nvSpPr>
+          <p:cNvPr id="5" name="Text Placeholder 4"/>
+          <p:cNvSpPr>
+            <a:spLocks noGrp="1"/>
+          </p:cNvSpPr>
+          <p:nvPr>
+            <p:ph type="body" sz="quarter" idx="3"/>
+          </p:nvPr>
+        </p:nvSpPr>
+        <p:spPr>
+          <a:xfrm>
+            <a:off x="4645025" y="1535113"/>
+            <a:ext cx="4041775" cy="639762"/>
+          </a:xfrm>
+        </p:spPr>
+        <p:txBody>
+          <a:bodyPr anchor="b"/>
+          <a:lstStyle>
+            <a:lvl1pPr marL="0" indent="0">
+              <a:buNone/>
+              <a:defRPr sz="2400" b="1"/>
+            </a:lvl1pPr>
+            <a:lvl2pPr marL="457200" indent="0">
+              <a:buNone/>
+              <a:defRPr sz="2000" b="1"/>
+            </a:lvl2pPr>
+            <a:lvl3pPr marL="914400" indent="0">
+              <a:buNone/>
+              <a:defRPr sz="1800" b="1"/>
+            </a:lvl3pPr>
+            <a:lvl4pPr marL="1371600" indent="0">
+              <a:buNone/>
+              <a:defRPr sz="1600" b="1"/>
+            </a:lvl4pPr>
+            <a:lvl5pPr marL="1828800" indent="0">
+              <a:buNone/>
+              <a:defRPr sz="1600" b="1"/>
+            </a:lvl5pPr>
+            <a:lvl6pPr marL="2286000" indent="0">
+              <a:buNone/>
+              <a:defRPr sz="1600" b="1"/>
+            </a:lvl6pPr>
+            <a:lvl7pPr marL="2743200" indent="0">
+              <a:buNone/>
+              <a:defRPr sz="1600" b="1"/>
+            </a:lvl7pPr>
+            <a:lvl8pPr marL="3200400" indent="0">
+              <a:buNone/>
+              <a:defRPr sz="1600" b="1"/>
+            </a:lvl8pPr>
+            <a:lvl9pPr marL="3657600" indent="0">
+              <a:buNone/>
+              <a:defRPr sz="1600" b="1"/>
+            </a:lvl9pPr>
+          </a:lstStyle>
+          <a:p>
+            <a:pPr lvl="0"/>
+            <a:r>
+              <a:rPr lang="en-US"/>
+              <a:t>Click to edit Master text styles</a:t>
+            </a:r>
+          </a:p>
+        </p:txBody>
+      </p:sp>
+      <p:sp>
+        <p:nvSpPr>
+          <p:cNvPr id="6" name="Content Placeholder 5"/>
+          <p:cNvSpPr>
+            <a:spLocks noGrp="1"/>
+          </p:cNvSpPr>
+          <p:nvPr>
+            <p:ph sz="quarter" idx="4"/>
+          </p:nvPr>
+        </p:nvSpPr>
+        <p:spPr>
+          <a:xfrm>
+            <a:off x="4645025" y="2174875"/>
+            <a:ext cx="4041775" cy="3951288"/>
+          </a:xfrm>
+        </p:spPr>
+        <p:txBody>
+          <a:bodyPr/>
+          <a:lstStyle>
+            <a:lvl1pPr>
+              <a:defRPr sz="2400"/>
+            </a:lvl1pPr>
+            <a:lvl2pPr>
+              <a:defRPr sz="2000"/>
+            </a:lvl2pPr>
+            <a:lvl3pPr>
+              <a:defRPr sz="1800"/>
+            </a:lvl3pPr>
+            <a:lvl4pPr>
+              <a:defRPr sz="1600"/>
+            </a:lvl4pPr>
+            <a:lvl5pPr>
+              <a:defRPr sz="1600"/>
+            </a:lvl5pPr>
+            <a:lvl6pPr>
+              <a:defRPr sz="1600"/>
+            </a:lvl6pPr>
+            <a:lvl7pPr>
+              <a:defRPr sz="1600"/>
+            </a:lvl7pPr>
+            <a:lvl8pPr>
+              <a:defRPr sz="1600"/>
+            </a:lvl8pPr>
+            <a:lvl9pPr>
+              <a:defRPr sz="1600"/>
+            </a:lvl9pPr>
+          </a:lstStyle>
+          <a:p>
+            <a:pPr lvl="0"/>
+            <a:r>
+              <a:rPr lang="en-US"/>
+              <a:t>Click to edit Master text styles</a:t>
+            </a:r>
+          </a:p>
+          <a:p>
+            <a:pPr lvl="1"/>
+            <a:r>
+              <a:rPr lang="en-US"/>
+              <a:t>Second level</a:t>
+            </a:r>
+          </a:p>
+          <a:p>
+            <a:pPr lvl="2"/>
+            <a:r>
+              <a:rPr lang="en-US"/>
+              <a:t>Third level</a:t>
+            </a:r>
+          </a:p>
+          <a:p>
+            <a:pPr lvl="3"/>
+            <a:r>
+              <a:rPr lang="en-US"/>
+              <a:t>Fourth level</a:t>
+            </a:r>
+          </a:p>
+          <a:p>
+            <a:pPr lvl="4"/>
+            <a:r>
+              <a:rPr lang="en-US"/>
+              <a:t>Fifth level</a:t>
+            </a:r>
+          </a:p>
+        </p:txBody>
+      </p:sp>
+      <p:sp>
+        <p:nvSpPr>
+          <p:cNvPr id="7" name="Date Placeholder 3"/>
+          <p:cNvSpPr>
+            <a:spLocks noGrp="1"/>
+          </p:cNvSpPr>
+          <p:nvPr>
+            <p:ph type="dt" sz="half" idx="10"/>
+          </p:nvPr>
+        </p:nvSpPr>
+        <p:spPr/>
+        <p:txBody>
+          <a:bodyPr/>
+          <a:lstStyle>
+            <a:lvl1pPr>
+              <a:defRPr/>
+            </a:lvl1pPr>
+          </a:lstStyle>
+          <a:p>
+            <a:pPr>
+              <a:defRPr/>
+            </a:pPr>
+            <a:fld id="{01A8D4CC-AA2B-4507-8D2C-AA823C73D6EE}" type="datetimeFigureOut">
+              <a:rPr lang="en-US"/>
+              <a:pPr>
+                <a:defRPr/>
+              </a:pPr>
+              <a:t>12/7/22</a:t>
+            </a:fld>
+            <a:endParaRPr lang="en-US"/>
+          </a:p>
+        </p:txBody>
+      </p:sp>
+      <p:sp>
+        <p:nvSpPr>
+          <p:cNvPr id="8" name="Footer Placeholder 4"/>
+          <p:cNvSpPr>
+            <a:spLocks noGrp="1"/>
+          </p:cNvSpPr>
+          <p:nvPr>
+            <p:ph type="ftr" sz="quarter" idx="11"/>
+          </p:nvPr>
+        </p:nvSpPr>
+        <p:spPr/>
+        <p:txBody>
+          <a:bodyPr/>
+          <a:lstStyle>
+            <a:lvl1pPr>
+              <a:defRPr/>
+            </a:lvl1pPr>
+          </a:lstStyle>
+          <a:p>
+            <a:pPr>
+              <a:defRPr/>
+            </a:pPr>
+            <a:endParaRPr lang="en-US"/>
+          </a:p>
+        </p:txBody>
+      </p:sp>
+      <p:sp>
+        <p:nvSpPr>
+          <p:cNvPr id="9" name="Slide Number Placeholder 5"/>
+          <p:cNvSpPr>
+            <a:spLocks noGrp="1"/>
+          </p:cNvSpPr>
+          <p:nvPr>
+            <p:ph type="sldNum" sz="quarter" idx="12"/>
+          </p:nvPr>
+        </p:nvSpPr>
+        <p:spPr/>
+        <p:txBody>
+          <a:bodyPr/>
+          <a:lstStyle>
+            <a:lvl1pPr>
+              <a:defRPr/>
+            </a:lvl1pPr>
+          </a:lstStyle>
+          <a:p>
+            <a:pPr>
+              <a:defRPr/>
+            </a:pPr>
+            <a:fld id="{6505B9C1-8A09-45D0-BB8D-CDA7B0A59222}" type="slidenum">
+              <a:rPr lang="en-US"/>
+              <a:pPr>
+                <a:defRPr/>
+              </a:pPr>
+              <a:t>‹#›</a:t>
+            </a:fld>
+            <a:endParaRPr lang="en-US"/>
+          </a:p>
+        </p:txBody>
+      </p:sp>
+    </p:spTree>
+  </p:cSld>
+  <p:clrMapOvr>
+    <a:masterClrMapping/>
+  </p:clrMapOvr>
+</p:sldLayout>
+</file>
+
+<file path=ppt/slideLayouts/slideLayout6.xml><?xml version="1.0" encoding="utf-8"?>
+<p:sldLayout xmlns:a="http://schemas.openxmlformats.org/drawingml/2006/main" xmlns:r="http://schemas.openxmlformats.org/officeDocument/2006/relationships" xmlns:p="http://schemas.openxmlformats.org/presentationml/2006/main" type="titleOnly" preserve="1">
+  <p:cSld name="Title Only">
+    <p:spTree>
+      <p:nvGrpSpPr>
+        <p:cNvPr id="1" name=""/>
+        <p:cNvGrpSpPr/>
+        <p:nvPr/>
+      </p:nvGrpSpPr>
+      <p:grpSpPr>
+        <a:xfrm>
+          <a:off x="0" y="0"/>
+          <a:ext cx="0" cy="0"/>
+          <a:chOff x="0" y="0"/>
+          <a:chExt cx="0" cy="0"/>
+        </a:xfrm>
+      </p:grpSpPr>
+      <p:sp>
+        <p:nvSpPr>
+          <p:cNvPr id="2" name="Title 1"/>
+          <p:cNvSpPr>
+            <a:spLocks noGrp="1"/>
+          </p:cNvSpPr>
+          <p:nvPr>
+            <p:ph type="title"/>
+          </p:nvPr>
+        </p:nvSpPr>
+        <p:spPr/>
+        <p:txBody>
+          <a:bodyPr/>
+          <a:lstStyle/>
+          <a:p>
+            <a:r>
+              <a:rPr lang="en-US"/>
+              <a:t>Click to edit Master title style</a:t>
+            </a:r>
+          </a:p>
+        </p:txBody>
+      </p:sp>
+      <p:sp>
+        <p:nvSpPr>
+          <p:cNvPr id="3" name="Date Placeholder 3"/>
+          <p:cNvSpPr>
+            <a:spLocks noGrp="1"/>
+          </p:cNvSpPr>
+          <p:nvPr>
+            <p:ph type="dt" sz="half" idx="10"/>
+          </p:nvPr>
+        </p:nvSpPr>
+        <p:spPr/>
+        <p:txBody>
+          <a:bodyPr/>
+          <a:lstStyle>
+            <a:lvl1pPr>
+              <a:defRPr/>
+            </a:lvl1pPr>
+          </a:lstStyle>
+          <a:p>
+            <a:pPr>
+              <a:defRPr/>
+            </a:pPr>
+            <a:fld id="{3E141621-23C1-4095-9D30-10453966A3FD}" type="datetimeFigureOut">
+              <a:rPr lang="en-US"/>
+              <a:pPr>
+                <a:defRPr/>
+              </a:pPr>
+              <a:t>12/7/22</a:t>
+            </a:fld>
+            <a:endParaRPr lang="en-US"/>
+          </a:p>
+        </p:txBody>
+      </p:sp>
+      <p:sp>
+        <p:nvSpPr>
+          <p:cNvPr id="4" name="Footer Placeholder 4"/>
+          <p:cNvSpPr>
+            <a:spLocks noGrp="1"/>
+          </p:cNvSpPr>
+          <p:nvPr>
+            <p:ph type="ftr" sz="quarter" idx="11"/>
+          </p:nvPr>
+        </p:nvSpPr>
+        <p:spPr/>
+        <p:txBody>
+          <a:bodyPr/>
+          <a:lstStyle>
+            <a:lvl1pPr>
+              <a:defRPr/>
+            </a:lvl1pPr>
+          </a:lstStyle>
+          <a:p>
+            <a:pPr>
+              <a:defRPr/>
+            </a:pPr>
+            <a:endParaRPr lang="en-US"/>
+          </a:p>
+        </p:txBody>
+      </p:sp>
+      <p:sp>
+        <p:nvSpPr>
+          <p:cNvPr id="5" name="Slide Number Placeholder 5"/>
+          <p:cNvSpPr>
+            <a:spLocks noGrp="1"/>
+          </p:cNvSpPr>
+          <p:nvPr>
+            <p:ph type="sldNum" sz="quarter" idx="12"/>
+          </p:nvPr>
+        </p:nvSpPr>
+        <p:spPr/>
+        <p:txBody>
+          <a:bodyPr/>
+          <a:lstStyle>
+            <a:lvl1pPr>
+              <a:defRPr/>
+            </a:lvl1pPr>
+          </a:lstStyle>
+          <a:p>
+            <a:pPr>
+              <a:defRPr/>
+            </a:pPr>
+            <a:fld id="{29B83B67-ED47-46AF-8459-626A91C3FF65}" type="slidenum">
+              <a:rPr lang="en-US"/>
+              <a:pPr>
+                <a:defRPr/>
+              </a:pPr>
+              <a:t>‹#›</a:t>
+            </a:fld>
+            <a:endParaRPr lang="en-US"/>
+          </a:p>
+        </p:txBody>
+      </p:sp>
+    </p:spTree>
+  </p:cSld>
+  <p:clrMapOvr>
+    <a:masterClrMapping/>
+  </p:clrMapOvr>
+</p:sldLayout>
+</file>
+
+<file path=ppt/slideLayouts/slideLayout7.xml><?xml version="1.0" encoding="utf-8"?>
+<p:sldLayout xmlns:a="http://schemas.openxmlformats.org/drawingml/2006/main" xmlns:r="http://schemas.openxmlformats.org/officeDocument/2006/relationships" xmlns:p="http://schemas.openxmlformats.org/presentationml/2006/main" type="blank" preserve="1">
+  <p:cSld name="Blank">
+    <p:spTree>
+      <p:nvGrpSpPr>
+        <p:cNvPr id="1" name=""/>
+        <p:cNvGrpSpPr/>
+        <p:nvPr/>
+      </p:nvGrpSpPr>
+      <p:grpSpPr>
+        <a:xfrm>
+          <a:off x="0" y="0"/>
+          <a:ext cx="0" cy="0"/>
+          <a:chOff x="0" y="0"/>
+          <a:chExt cx="0" cy="0"/>
+        </a:xfrm>
+      </p:grpSpPr>
+      <p:sp>
+        <p:nvSpPr>
+          <p:cNvPr id="2" name="Date Placeholder 3"/>
+          <p:cNvSpPr>
+            <a:spLocks noGrp="1"/>
+          </p:cNvSpPr>
+          <p:nvPr>
+            <p:ph type="dt" sz="half" idx="10"/>
+          </p:nvPr>
+        </p:nvSpPr>
+        <p:spPr/>
+        <p:txBody>
+          <a:bodyPr/>
+          <a:lstStyle>
+            <a:lvl1pPr>
+              <a:defRPr/>
+            </a:lvl1pPr>
+          </a:lstStyle>
+          <a:p>
+            <a:pPr>
+              <a:defRPr/>
+            </a:pPr>
+            <a:fld id="{808C4E8E-44B6-46EC-BDED-79635318A4BD}" type="datetimeFigureOut">
+              <a:rPr lang="en-US"/>
+              <a:pPr>
+                <a:defRPr/>
+              </a:pPr>
+              <a:t>12/7/22</a:t>
+            </a:fld>
+            <a:endParaRPr lang="en-US"/>
+          </a:p>
+        </p:txBody>
+      </p:sp>
+      <p:sp>
+        <p:nvSpPr>
+          <p:cNvPr id="3" name="Footer Placeholder 4"/>
+          <p:cNvSpPr>
+            <a:spLocks noGrp="1"/>
+          </p:cNvSpPr>
+          <p:nvPr>
+            <p:ph type="ftr" sz="quarter" idx="11"/>
+          </p:nvPr>
+        </p:nvSpPr>
+        <p:spPr/>
+        <p:txBody>
+          <a:bodyPr/>
+          <a:lstStyle>
+            <a:lvl1pPr>
+              <a:defRPr/>
+            </a:lvl1pPr>
+          </a:lstStyle>
+          <a:p>
+            <a:pPr>
+              <a:defRPr/>
+            </a:pPr>
+            <a:endParaRPr lang="en-US"/>
+          </a:p>
+        </p:txBody>
+      </p:sp>
+      <p:sp>
+        <p:nvSpPr>
+          <p:cNvPr id="4" name="Slide Number Placeholder 5"/>
+          <p:cNvSpPr>
+            <a:spLocks noGrp="1"/>
+          </p:cNvSpPr>
+          <p:nvPr>
+            <p:ph type="sldNum" sz="quarter" idx="12"/>
+          </p:nvPr>
+        </p:nvSpPr>
+        <p:spPr/>
+        <p:txBody>
+          <a:bodyPr/>
+          <a:lstStyle>
+            <a:lvl1pPr>
+              <a:defRPr/>
+            </a:lvl1pPr>
+          </a:lstStyle>
+          <a:p>
+            <a:pPr>
+              <a:defRPr/>
+            </a:pPr>
+            <a:fld id="{27CC838C-65A8-48CF-A521-5F1B24D0DAD5}" type="slidenum">
+              <a:rPr lang="en-US"/>
+              <a:pPr>
+                <a:defRPr/>
+              </a:pPr>
+              <a:t>‹#›</a:t>
+            </a:fld>
+            <a:endParaRPr lang="en-US"/>
+          </a:p>
+        </p:txBody>
+      </p:sp>
+    </p:spTree>
+  </p:cSld>
+  <p:clrMapOvr>
+    <a:masterClrMapping/>
+  </p:clrMapOvr>
+</p:sldLayout>
+</file>
+
+<file path=ppt/slideLayouts/slideLayout8.xml><?xml version="1.0" encoding="utf-8"?>
+<p:sldLayout xmlns:a="http://schemas.openxmlformats.org/drawingml/2006/main" xmlns:r="http://schemas.openxmlformats.org/officeDocument/2006/relationships" xmlns:p="http://schemas.openxmlformats.org/presentationml/2006/main" type="objTx" preserve="1">
+  <p:cSld name="Content with Caption">
+    <p:spTree>
+      <p:nvGrpSpPr>
+        <p:cNvPr id="1" name=""/>
+        <p:cNvGrpSpPr/>
+        <p:nvPr/>
+      </p:nvGrpSpPr>
+      <p:grpSpPr>
+        <a:xfrm>
+          <a:off x="0" y="0"/>
+          <a:ext cx="0" cy="0"/>
+          <a:chOff x="0" y="0"/>
+          <a:chExt cx="0" cy="0"/>
+        </a:xfrm>
+      </p:grpSpPr>
+      <p:sp>
+        <p:nvSpPr>
+          <p:cNvPr id="2" name="Title 1"/>
+          <p:cNvSpPr>
+            <a:spLocks noGrp="1"/>
+          </p:cNvSpPr>
+          <p:nvPr>
+            <p:ph type="title"/>
+          </p:nvPr>
+        </p:nvSpPr>
+        <p:spPr>
+          <a:xfrm>
+            <a:off x="457200" y="273050"/>
+            <a:ext cx="3008313" cy="1162050"/>
+          </a:xfrm>
+        </p:spPr>
+        <p:txBody>
+          <a:bodyPr anchor="b"/>
+          <a:lstStyle>
+            <a:lvl1pPr algn="l">
+              <a:defRPr sz="2000" b="1"/>
+            </a:lvl1pPr>
+          </a:lstStyle>
+          <a:p>
+            <a:r>
+              <a:rPr lang="en-US"/>
+              <a:t>Click to edit Master title style</a:t>
+            </a:r>
+          </a:p>
+        </p:txBody>
+      </p:sp>
+      <p:sp>
+        <p:nvSpPr>
+          <p:cNvPr id="3" name="Content Placeholder 2"/>
+          <p:cNvSpPr>
+            <a:spLocks noGrp="1"/>
+          </p:cNvSpPr>
+          <p:nvPr>
+            <p:ph idx="1"/>
+          </p:nvPr>
+        </p:nvSpPr>
+        <p:spPr>
+          <a:xfrm>
+            <a:off x="3575050" y="273050"/>
+            <a:ext cx="5111750" cy="5853113"/>
+          </a:xfrm>
+        </p:spPr>
+        <p:txBody>
+          <a:bodyPr/>
+          <a:lstStyle>
+            <a:lvl1pPr>
+              <a:defRPr sz="3200"/>
+            </a:lvl1pPr>
+            <a:lvl2pPr>
+              <a:defRPr sz="2800"/>
+            </a:lvl2pPr>
+            <a:lvl3pPr>
+              <a:defRPr sz="2400"/>
+            </a:lvl3pPr>
+            <a:lvl4pPr>
+              <a:defRPr sz="2000"/>
+            </a:lvl4pPr>
+            <a:lvl5pPr>
+              <a:defRPr sz="2000"/>
+            </a:lvl5pPr>
+            <a:lvl6pPr>
+              <a:defRPr sz="2000"/>
+            </a:lvl6pPr>
+            <a:lvl7pPr>
+              <a:defRPr sz="2000"/>
+            </a:lvl7pPr>
+            <a:lvl8pPr>
+              <a:defRPr sz="2000"/>
+            </a:lvl8pPr>
+            <a:lvl9pPr>
+              <a:defRPr sz="2000"/>
+            </a:lvl9pPr>
+          </a:lstStyle>
+          <a:p>
+            <a:pPr lvl="0"/>
+            <a:r>
+              <a:rPr lang="en-US"/>
+              <a:t>Click to edit Master text styles</a:t>
+            </a:r>
+          </a:p>
+          <a:p>
+            <a:pPr lvl="1"/>
+            <a:r>
+              <a:rPr lang="en-US"/>
+              <a:t>Second level</a:t>
+            </a:r>
+          </a:p>
+          <a:p>
+            <a:pPr lvl="2"/>
+            <a:r>
+              <a:rPr lang="en-US"/>
+              <a:t>Third level</a:t>
+            </a:r>
+          </a:p>
+          <a:p>
+            <a:pPr lvl="3"/>
+            <a:r>
+              <a:rPr lang="en-US"/>
+              <a:t>Fourth level</a:t>
+            </a:r>
+          </a:p>
+          <a:p>
+            <a:pPr lvl="4"/>
+            <a:r>
+              <a:rPr lang="en-US"/>
+              <a:t>Fifth level</a:t>
+            </a:r>
+          </a:p>
+        </p:txBody>
+      </p:sp>
+      <p:sp>
+        <p:nvSpPr>
+          <p:cNvPr id="4" name="Text Placeholder 3"/>
+          <p:cNvSpPr>
+            <a:spLocks noGrp="1"/>
+          </p:cNvSpPr>
+          <p:nvPr>
+            <p:ph type="body" sz="half" idx="2"/>
+          </p:nvPr>
+        </p:nvSpPr>
+        <p:spPr>
+          <a:xfrm>
+            <a:off x="457200" y="1435100"/>
+            <a:ext cx="3008313" cy="4691063"/>
+          </a:xfrm>
+        </p:spPr>
+        <p:txBody>
+          <a:bodyPr/>
+          <a:lstStyle>
+            <a:lvl1pPr marL="0" indent="0">
+              <a:buNone/>
+              <a:defRPr sz="1400"/>
+            </a:lvl1pPr>
+            <a:lvl2pPr marL="457200" indent="0">
+              <a:buNone/>
+              <a:defRPr sz="1200"/>
+            </a:lvl2pPr>
+            <a:lvl3pPr marL="914400" indent="0">
+              <a:buNone/>
+              <a:defRPr sz="1000"/>
+            </a:lvl3pPr>
+            <a:lvl4pPr marL="1371600" indent="0">
+              <a:buNone/>
+              <a:defRPr sz="900"/>
+            </a:lvl4pPr>
+            <a:lvl5pPr marL="1828800" indent="0">
+              <a:buNone/>
+              <a:defRPr sz="900"/>
+            </a:lvl5pPr>
+            <a:lvl6pPr marL="2286000" indent="0">
+              <a:buNone/>
+              <a:defRPr sz="900"/>
+            </a:lvl6pPr>
+            <a:lvl7pPr marL="2743200" indent="0">
+              <a:buNone/>
+              <a:defRPr sz="900"/>
+            </a:lvl7pPr>
+            <a:lvl8pPr marL="3200400" indent="0">
+              <a:buNone/>
+              <a:defRPr sz="900"/>
+            </a:lvl8pPr>
+            <a:lvl9pPr marL="3657600" indent="0">
+              <a:buNone/>
+              <a:defRPr sz="900"/>
+            </a:lvl9pPr>
+          </a:lstStyle>
+          <a:p>
+            <a:pPr lvl="0"/>
+            <a:r>
+              <a:rPr lang="en-US"/>
+              <a:t>Click to edit Master text styles</a:t>
+            </a:r>
+          </a:p>
+        </p:txBody>
+      </p:sp>
+      <p:sp>
+        <p:nvSpPr>
+          <p:cNvPr id="5" name="Date Placeholder 3"/>
+          <p:cNvSpPr>
+            <a:spLocks noGrp="1"/>
+          </p:cNvSpPr>
+          <p:nvPr>
+            <p:ph type="dt" sz="half" idx="10"/>
+          </p:nvPr>
+        </p:nvSpPr>
+        <p:spPr/>
+        <p:txBody>
+          <a:bodyPr/>
+          <a:lstStyle>
+            <a:lvl1pPr>
+              <a:defRPr/>
+            </a:lvl1pPr>
+          </a:lstStyle>
+          <a:p>
+            <a:pPr>
+              <a:defRPr/>
+            </a:pPr>
+            <a:fld id="{0255A49E-4B45-4544-8183-D3C1849FD3C4}" type="datetimeFigureOut">
+              <a:rPr lang="en-US"/>
+              <a:pPr>
+                <a:defRPr/>
+              </a:pPr>
+              <a:t>12/7/22</a:t>
             </a:fld>
             <a:endParaRPr lang="en-US"/>
           </a:p>
@@ -3408,7 +6108,7 @@
               <a:pPr>
                 <a:defRPr/>
               </a:pPr>
-              <a:t>12/4/2022</a:t>
+              <a:t>12/7/22</a:t>
             </a:fld>
             <a:endParaRPr lang="en-US"/>
           </a:p>
@@ -3656,7 +6356,7 @@
               <a:pPr>
                 <a:defRPr/>
               </a:pPr>
-              <a:t>12/4/2022</a:t>
+              <a:t>12/7/22</a:t>
             </a:fld>
             <a:endParaRPr lang="en-US"/>
           </a:p>
@@ -3765,6 +6465,682 @@
     <p:sldLayoutId id="2147483705" r:id="rId10"/>
     <p:sldLayoutId id="2147483706" r:id="rId11"/>
   </p:sldLayoutIdLst>
+  <p:txStyles>
+    <p:titleStyle>
+      <a:lvl1pPr algn="ctr" rtl="0" eaLnBrk="0" fontAlgn="base" hangingPunct="0">
+        <a:spcBef>
+          <a:spcPct val="0"/>
+        </a:spcBef>
+        <a:spcAft>
+          <a:spcPct val="0"/>
+        </a:spcAft>
+        <a:defRPr sz="4400" kern="1200">
+          <a:solidFill>
+            <a:schemeClr val="tx1"/>
+          </a:solidFill>
+          <a:latin typeface="+mj-lt"/>
+          <a:ea typeface="+mj-ea"/>
+          <a:cs typeface="+mj-cs"/>
+        </a:defRPr>
+      </a:lvl1pPr>
+      <a:lvl2pPr algn="ctr" rtl="0" eaLnBrk="0" fontAlgn="base" hangingPunct="0">
+        <a:spcBef>
+          <a:spcPct val="0"/>
+        </a:spcBef>
+        <a:spcAft>
+          <a:spcPct val="0"/>
+        </a:spcAft>
+        <a:defRPr sz="4400">
+          <a:solidFill>
+            <a:schemeClr val="tx1"/>
+          </a:solidFill>
+          <a:latin typeface="Arial" charset="0"/>
+        </a:defRPr>
+      </a:lvl2pPr>
+      <a:lvl3pPr algn="ctr" rtl="0" eaLnBrk="0" fontAlgn="base" hangingPunct="0">
+        <a:spcBef>
+          <a:spcPct val="0"/>
+        </a:spcBef>
+        <a:spcAft>
+          <a:spcPct val="0"/>
+        </a:spcAft>
+        <a:defRPr sz="4400">
+          <a:solidFill>
+            <a:schemeClr val="tx1"/>
+          </a:solidFill>
+          <a:latin typeface="Arial" charset="0"/>
+        </a:defRPr>
+      </a:lvl3pPr>
+      <a:lvl4pPr algn="ctr" rtl="0" eaLnBrk="0" fontAlgn="base" hangingPunct="0">
+        <a:spcBef>
+          <a:spcPct val="0"/>
+        </a:spcBef>
+        <a:spcAft>
+          <a:spcPct val="0"/>
+        </a:spcAft>
+        <a:defRPr sz="4400">
+          <a:solidFill>
+            <a:schemeClr val="tx1"/>
+          </a:solidFill>
+          <a:latin typeface="Arial" charset="0"/>
+        </a:defRPr>
+      </a:lvl4pPr>
+      <a:lvl5pPr algn="ctr" rtl="0" eaLnBrk="0" fontAlgn="base" hangingPunct="0">
+        <a:spcBef>
+          <a:spcPct val="0"/>
+        </a:spcBef>
+        <a:spcAft>
+          <a:spcPct val="0"/>
+        </a:spcAft>
+        <a:defRPr sz="4400">
+          <a:solidFill>
+            <a:schemeClr val="tx1"/>
+          </a:solidFill>
+          <a:latin typeface="Arial" charset="0"/>
+        </a:defRPr>
+      </a:lvl5pPr>
+      <a:lvl6pPr marL="457200" algn="ctr" rtl="0" fontAlgn="base">
+        <a:spcBef>
+          <a:spcPct val="0"/>
+        </a:spcBef>
+        <a:spcAft>
+          <a:spcPct val="0"/>
+        </a:spcAft>
+        <a:defRPr sz="4400">
+          <a:solidFill>
+            <a:schemeClr val="tx1"/>
+          </a:solidFill>
+          <a:latin typeface="Calibri" pitchFamily="34" charset="0"/>
+        </a:defRPr>
+      </a:lvl6pPr>
+      <a:lvl7pPr marL="914400" algn="ctr" rtl="0" fontAlgn="base">
+        <a:spcBef>
+          <a:spcPct val="0"/>
+        </a:spcBef>
+        <a:spcAft>
+          <a:spcPct val="0"/>
+        </a:spcAft>
+        <a:defRPr sz="4400">
+          <a:solidFill>
+            <a:schemeClr val="tx1"/>
+          </a:solidFill>
+          <a:latin typeface="Calibri" pitchFamily="34" charset="0"/>
+        </a:defRPr>
+      </a:lvl7pPr>
+      <a:lvl8pPr marL="1371600" algn="ctr" rtl="0" fontAlgn="base">
+        <a:spcBef>
+          <a:spcPct val="0"/>
+        </a:spcBef>
+        <a:spcAft>
+          <a:spcPct val="0"/>
+        </a:spcAft>
+        <a:defRPr sz="4400">
+          <a:solidFill>
+            <a:schemeClr val="tx1"/>
+          </a:solidFill>
+          <a:latin typeface="Calibri" pitchFamily="34" charset="0"/>
+        </a:defRPr>
+      </a:lvl8pPr>
+      <a:lvl9pPr marL="1828800" algn="ctr" rtl="0" fontAlgn="base">
+        <a:spcBef>
+          <a:spcPct val="0"/>
+        </a:spcBef>
+        <a:spcAft>
+          <a:spcPct val="0"/>
+        </a:spcAft>
+        <a:defRPr sz="4400">
+          <a:solidFill>
+            <a:schemeClr val="tx1"/>
+          </a:solidFill>
+          <a:latin typeface="Calibri" pitchFamily="34" charset="0"/>
+        </a:defRPr>
+      </a:lvl9pPr>
+    </p:titleStyle>
+    <p:bodyStyle>
+      <a:lvl1pPr marL="342900" indent="-342900" algn="l" rtl="0" eaLnBrk="0" fontAlgn="base" hangingPunct="0">
+        <a:spcBef>
+          <a:spcPct val="20000"/>
+        </a:spcBef>
+        <a:spcAft>
+          <a:spcPct val="0"/>
+        </a:spcAft>
+        <a:buFont typeface="Arial" charset="0"/>
+        <a:buChar char="•"/>
+        <a:defRPr sz="3200" kern="1200">
+          <a:solidFill>
+            <a:schemeClr val="tx1"/>
+          </a:solidFill>
+          <a:latin typeface="+mn-lt"/>
+          <a:ea typeface="+mn-ea"/>
+          <a:cs typeface="+mn-cs"/>
+        </a:defRPr>
+      </a:lvl1pPr>
+      <a:lvl2pPr marL="742950" indent="-285750" algn="l" rtl="0" eaLnBrk="0" fontAlgn="base" hangingPunct="0">
+        <a:spcBef>
+          <a:spcPct val="20000"/>
+        </a:spcBef>
+        <a:spcAft>
+          <a:spcPct val="0"/>
+        </a:spcAft>
+        <a:buFont typeface="Arial" charset="0"/>
+        <a:buChar char="–"/>
+        <a:defRPr sz="2800" kern="1200">
+          <a:solidFill>
+            <a:schemeClr val="tx1"/>
+          </a:solidFill>
+          <a:latin typeface="+mn-lt"/>
+          <a:ea typeface="+mn-ea"/>
+          <a:cs typeface="+mn-cs"/>
+        </a:defRPr>
+      </a:lvl2pPr>
+      <a:lvl3pPr marL="1143000" indent="-228600" algn="l" rtl="0" eaLnBrk="0" fontAlgn="base" hangingPunct="0">
+        <a:spcBef>
+          <a:spcPct val="20000"/>
+        </a:spcBef>
+        <a:spcAft>
+          <a:spcPct val="0"/>
+        </a:spcAft>
+        <a:buFont typeface="Arial" charset="0"/>
+        <a:buChar char="•"/>
+        <a:defRPr sz="2400" kern="1200">
+          <a:solidFill>
+            <a:schemeClr val="tx1"/>
+          </a:solidFill>
+          <a:latin typeface="+mn-lt"/>
+          <a:ea typeface="+mn-ea"/>
+          <a:cs typeface="+mn-cs"/>
+        </a:defRPr>
+      </a:lvl3pPr>
+      <a:lvl4pPr marL="1600200" indent="-228600" algn="l" rtl="0" eaLnBrk="0" fontAlgn="base" hangingPunct="0">
+        <a:spcBef>
+          <a:spcPct val="20000"/>
+        </a:spcBef>
+        <a:spcAft>
+          <a:spcPct val="0"/>
+        </a:spcAft>
+        <a:buFont typeface="Arial" charset="0"/>
+        <a:buChar char="–"/>
+        <a:defRPr sz="2000" kern="1200">
+          <a:solidFill>
+            <a:schemeClr val="tx1"/>
+          </a:solidFill>
+          <a:latin typeface="+mn-lt"/>
+          <a:ea typeface="+mn-ea"/>
+          <a:cs typeface="+mn-cs"/>
+        </a:defRPr>
+      </a:lvl4pPr>
+      <a:lvl5pPr marL="2057400" indent="-228600" algn="l" rtl="0" eaLnBrk="0" fontAlgn="base" hangingPunct="0">
+        <a:spcBef>
+          <a:spcPct val="20000"/>
+        </a:spcBef>
+        <a:spcAft>
+          <a:spcPct val="0"/>
+        </a:spcAft>
+        <a:buFont typeface="Arial" charset="0"/>
+        <a:buChar char="»"/>
+        <a:defRPr sz="2000" kern="1200">
+          <a:solidFill>
+            <a:schemeClr val="tx1"/>
+          </a:solidFill>
+          <a:latin typeface="+mn-lt"/>
+          <a:ea typeface="+mn-ea"/>
+          <a:cs typeface="+mn-cs"/>
+        </a:defRPr>
+      </a:lvl5pPr>
+      <a:lvl6pPr marL="2514600" indent="-228600" algn="l" defTabSz="914400" rtl="0" eaLnBrk="1" latinLnBrk="0" hangingPunct="1">
+        <a:spcBef>
+          <a:spcPct val="20000"/>
+        </a:spcBef>
+        <a:buFont typeface="Arial" pitchFamily="34" charset="0"/>
+        <a:buChar char="•"/>
+        <a:defRPr sz="2000" kern="1200">
+          <a:solidFill>
+            <a:schemeClr val="tx1"/>
+          </a:solidFill>
+          <a:latin typeface="+mn-lt"/>
+          <a:ea typeface="+mn-ea"/>
+          <a:cs typeface="+mn-cs"/>
+        </a:defRPr>
+      </a:lvl6pPr>
+      <a:lvl7pPr marL="2971800" indent="-228600" algn="l" defTabSz="914400" rtl="0" eaLnBrk="1" latinLnBrk="0" hangingPunct="1">
+        <a:spcBef>
+          <a:spcPct val="20000"/>
+        </a:spcBef>
+        <a:buFont typeface="Arial" pitchFamily="34" charset="0"/>
+        <a:buChar char="•"/>
+        <a:defRPr sz="2000" kern="1200">
+          <a:solidFill>
+            <a:schemeClr val="tx1"/>
+          </a:solidFill>
+          <a:latin typeface="+mn-lt"/>
+          <a:ea typeface="+mn-ea"/>
+          <a:cs typeface="+mn-cs"/>
+        </a:defRPr>
+      </a:lvl7pPr>
+      <a:lvl8pPr marL="3429000" indent="-228600" algn="l" defTabSz="914400" rtl="0" eaLnBrk="1" latinLnBrk="0" hangingPunct="1">
+        <a:spcBef>
+          <a:spcPct val="20000"/>
+        </a:spcBef>
+        <a:buFont typeface="Arial" pitchFamily="34" charset="0"/>
+        <a:buChar char="•"/>
+        <a:defRPr sz="2000" kern="1200">
+          <a:solidFill>
+            <a:schemeClr val="tx1"/>
+          </a:solidFill>
+          <a:latin typeface="+mn-lt"/>
+          <a:ea typeface="+mn-ea"/>
+          <a:cs typeface="+mn-cs"/>
+        </a:defRPr>
+      </a:lvl8pPr>
+      <a:lvl9pPr marL="3886200" indent="-228600" algn="l" defTabSz="914400" rtl="0" eaLnBrk="1" latinLnBrk="0" hangingPunct="1">
+        <a:spcBef>
+          <a:spcPct val="20000"/>
+        </a:spcBef>
+        <a:buFont typeface="Arial" pitchFamily="34" charset="0"/>
+        <a:buChar char="•"/>
+        <a:defRPr sz="2000" kern="1200">
+          <a:solidFill>
+            <a:schemeClr val="tx1"/>
+          </a:solidFill>
+          <a:latin typeface="+mn-lt"/>
+          <a:ea typeface="+mn-ea"/>
+          <a:cs typeface="+mn-cs"/>
+        </a:defRPr>
+      </a:lvl9pPr>
+    </p:bodyStyle>
+    <p:otherStyle>
+      <a:defPPr>
+        <a:defRPr lang="en-US"/>
+      </a:defPPr>
+      <a:lvl1pPr marL="0" algn="l" defTabSz="914400" rtl="0" eaLnBrk="1" latinLnBrk="0" hangingPunct="1">
+        <a:defRPr sz="1800" kern="1200">
+          <a:solidFill>
+            <a:schemeClr val="tx1"/>
+          </a:solidFill>
+          <a:latin typeface="+mn-lt"/>
+          <a:ea typeface="+mn-ea"/>
+          <a:cs typeface="+mn-cs"/>
+        </a:defRPr>
+      </a:lvl1pPr>
+      <a:lvl2pPr marL="457200" algn="l" defTabSz="914400" rtl="0" eaLnBrk="1" latinLnBrk="0" hangingPunct="1">
+        <a:defRPr sz="1800" kern="1200">
+          <a:solidFill>
+            <a:schemeClr val="tx1"/>
+          </a:solidFill>
+          <a:latin typeface="+mn-lt"/>
+          <a:ea typeface="+mn-ea"/>
+          <a:cs typeface="+mn-cs"/>
+        </a:defRPr>
+      </a:lvl2pPr>
+      <a:lvl3pPr marL="914400" algn="l" defTabSz="914400" rtl="0" eaLnBrk="1" latinLnBrk="0" hangingPunct="1">
+        <a:defRPr sz="1800" kern="1200">
+          <a:solidFill>
+            <a:schemeClr val="tx1"/>
+          </a:solidFill>
+          <a:latin typeface="+mn-lt"/>
+          <a:ea typeface="+mn-ea"/>
+          <a:cs typeface="+mn-cs"/>
+        </a:defRPr>
+      </a:lvl3pPr>
+      <a:lvl4pPr marL="1371600" algn="l" defTabSz="914400" rtl="0" eaLnBrk="1" latinLnBrk="0" hangingPunct="1">
+        <a:defRPr sz="1800" kern="1200">
+          <a:solidFill>
+            <a:schemeClr val="tx1"/>
+          </a:solidFill>
+          <a:latin typeface="+mn-lt"/>
+          <a:ea typeface="+mn-ea"/>
+          <a:cs typeface="+mn-cs"/>
+        </a:defRPr>
+      </a:lvl4pPr>
+      <a:lvl5pPr marL="1828800" algn="l" defTabSz="914400" rtl="0" eaLnBrk="1" latinLnBrk="0" hangingPunct="1">
+        <a:defRPr sz="1800" kern="1200">
+          <a:solidFill>
+            <a:schemeClr val="tx1"/>
+          </a:solidFill>
+          <a:latin typeface="+mn-lt"/>
+          <a:ea typeface="+mn-ea"/>
+          <a:cs typeface="+mn-cs"/>
+        </a:defRPr>
+      </a:lvl5pPr>
+      <a:lvl6pPr marL="2286000" algn="l" defTabSz="914400" rtl="0" eaLnBrk="1" latinLnBrk="0" hangingPunct="1">
+        <a:defRPr sz="1800" kern="1200">
+          <a:solidFill>
+            <a:schemeClr val="tx1"/>
+          </a:solidFill>
+          <a:latin typeface="+mn-lt"/>
+          <a:ea typeface="+mn-ea"/>
+          <a:cs typeface="+mn-cs"/>
+        </a:defRPr>
+      </a:lvl6pPr>
+      <a:lvl7pPr marL="2743200" algn="l" defTabSz="914400" rtl="0" eaLnBrk="1" latinLnBrk="0" hangingPunct="1">
+        <a:defRPr sz="1800" kern="1200">
+          <a:solidFill>
+            <a:schemeClr val="tx1"/>
+          </a:solidFill>
+          <a:latin typeface="+mn-lt"/>
+          <a:ea typeface="+mn-ea"/>
+          <a:cs typeface="+mn-cs"/>
+        </a:defRPr>
+      </a:lvl7pPr>
+      <a:lvl8pPr marL="3200400" algn="l" defTabSz="914400" rtl="0" eaLnBrk="1" latinLnBrk="0" hangingPunct="1">
+        <a:defRPr sz="1800" kern="1200">
+          <a:solidFill>
+            <a:schemeClr val="tx1"/>
+          </a:solidFill>
+          <a:latin typeface="+mn-lt"/>
+          <a:ea typeface="+mn-ea"/>
+          <a:cs typeface="+mn-cs"/>
+        </a:defRPr>
+      </a:lvl8pPr>
+      <a:lvl9pPr marL="3657600" algn="l" defTabSz="914400" rtl="0" eaLnBrk="1" latinLnBrk="0" hangingPunct="1">
+        <a:defRPr sz="1800" kern="1200">
+          <a:solidFill>
+            <a:schemeClr val="tx1"/>
+          </a:solidFill>
+          <a:latin typeface="+mn-lt"/>
+          <a:ea typeface="+mn-ea"/>
+          <a:cs typeface="+mn-cs"/>
+        </a:defRPr>
+      </a:lvl9pPr>
+    </p:otherStyle>
+  </p:txStyles>
+</p:sldMaster>
+</file>
+
+<file path=ppt/slideMasters/slideMaster2.xml><?xml version="1.0" encoding="utf-8"?>
+<p:sldMaster xmlns:a="http://schemas.openxmlformats.org/drawingml/2006/main" xmlns:r="http://schemas.openxmlformats.org/officeDocument/2006/relationships" xmlns:p="http://schemas.openxmlformats.org/presentationml/2006/main">
+  <p:cSld>
+    <p:bg>
+      <p:bgPr>
+        <a:solidFill>
+          <a:schemeClr val="bg1"/>
+        </a:solidFill>
+        <a:effectLst/>
+      </p:bgPr>
+    </p:bg>
+    <p:spTree>
+      <p:nvGrpSpPr>
+        <p:cNvPr id="1" name=""/>
+        <p:cNvGrpSpPr/>
+        <p:nvPr/>
+      </p:nvGrpSpPr>
+      <p:grpSpPr>
+        <a:xfrm>
+          <a:off x="0" y="0"/>
+          <a:ext cx="0" cy="0"/>
+          <a:chOff x="0" y="0"/>
+          <a:chExt cx="0" cy="0"/>
+        </a:xfrm>
+      </p:grpSpPr>
+      <p:sp>
+        <p:nvSpPr>
+          <p:cNvPr id="1026" name="Title Placeholder 1"/>
+          <p:cNvSpPr>
+            <a:spLocks noGrp="1"/>
+          </p:cNvSpPr>
+          <p:nvPr>
+            <p:ph type="title"/>
+          </p:nvPr>
+        </p:nvSpPr>
+        <p:spPr bwMode="auto">
+          <a:xfrm>
+            <a:off x="457200" y="274638"/>
+            <a:ext cx="8229600" cy="1143000"/>
+          </a:xfrm>
+          <a:prstGeom prst="rect">
+            <a:avLst/>
+          </a:prstGeom>
+          <a:noFill/>
+          <a:ln w="9525">
+            <a:noFill/>
+            <a:miter lim="800000"/>
+            <a:headEnd/>
+            <a:tailEnd/>
+          </a:ln>
+        </p:spPr>
+        <p:txBody>
+          <a:bodyPr vert="horz" wrap="square" lIns="91440" tIns="45720" rIns="91440" bIns="45720" numCol="1" anchor="ctr" anchorCtr="0" compatLnSpc="1">
+            <a:prstTxWarp prst="textNoShape">
+              <a:avLst/>
+            </a:prstTxWarp>
+          </a:bodyPr>
+          <a:lstStyle/>
+          <a:p>
+            <a:pPr lvl="0"/>
+            <a:r>
+              <a:rPr lang="en-US"/>
+              <a:t>Click to edit Master title style</a:t>
+            </a:r>
+          </a:p>
+        </p:txBody>
+      </p:sp>
+      <p:sp>
+        <p:nvSpPr>
+          <p:cNvPr id="1027" name="Text Placeholder 2"/>
+          <p:cNvSpPr>
+            <a:spLocks noGrp="1"/>
+          </p:cNvSpPr>
+          <p:nvPr>
+            <p:ph type="body" idx="1"/>
+          </p:nvPr>
+        </p:nvSpPr>
+        <p:spPr bwMode="auto">
+          <a:xfrm>
+            <a:off x="457200" y="1600200"/>
+            <a:ext cx="8229600" cy="4525963"/>
+          </a:xfrm>
+          <a:prstGeom prst="rect">
+            <a:avLst/>
+          </a:prstGeom>
+          <a:noFill/>
+          <a:ln w="9525">
+            <a:noFill/>
+            <a:miter lim="800000"/>
+            <a:headEnd/>
+            <a:tailEnd/>
+          </a:ln>
+        </p:spPr>
+        <p:txBody>
+          <a:bodyPr vert="horz" wrap="square" lIns="91440" tIns="45720" rIns="91440" bIns="45720" numCol="1" anchor="t" anchorCtr="0" compatLnSpc="1">
+            <a:prstTxWarp prst="textNoShape">
+              <a:avLst/>
+            </a:prstTxWarp>
+          </a:bodyPr>
+          <a:lstStyle/>
+          <a:p>
+            <a:pPr lvl="0"/>
+            <a:r>
+              <a:rPr lang="en-US"/>
+              <a:t>Click to edit Master text styles</a:t>
+            </a:r>
+          </a:p>
+          <a:p>
+            <a:pPr lvl="1"/>
+            <a:r>
+              <a:rPr lang="en-US"/>
+              <a:t>Second level</a:t>
+            </a:r>
+          </a:p>
+          <a:p>
+            <a:pPr lvl="2"/>
+            <a:r>
+              <a:rPr lang="en-US"/>
+              <a:t>Third level</a:t>
+            </a:r>
+          </a:p>
+          <a:p>
+            <a:pPr lvl="3"/>
+            <a:r>
+              <a:rPr lang="en-US"/>
+              <a:t>Fourth level</a:t>
+            </a:r>
+          </a:p>
+          <a:p>
+            <a:pPr lvl="4"/>
+            <a:r>
+              <a:rPr lang="en-US"/>
+              <a:t>Fifth level</a:t>
+            </a:r>
+          </a:p>
+        </p:txBody>
+      </p:sp>
+      <p:sp>
+        <p:nvSpPr>
+          <p:cNvPr id="4" name="Date Placeholder 3"/>
+          <p:cNvSpPr>
+            <a:spLocks noGrp="1"/>
+          </p:cNvSpPr>
+          <p:nvPr>
+            <p:ph type="dt" sz="half" idx="2"/>
+          </p:nvPr>
+        </p:nvSpPr>
+        <p:spPr>
+          <a:xfrm>
+            <a:off x="457200" y="6356350"/>
+            <a:ext cx="2133600" cy="365125"/>
+          </a:xfrm>
+          <a:prstGeom prst="rect">
+            <a:avLst/>
+          </a:prstGeom>
+        </p:spPr>
+        <p:txBody>
+          <a:bodyPr vert="horz" lIns="91440" tIns="45720" rIns="91440" bIns="45720" rtlCol="0" anchor="ctr"/>
+          <a:lstStyle>
+            <a:lvl1pPr algn="l">
+              <a:defRPr sz="1200">
+                <a:solidFill>
+                  <a:schemeClr val="tx1">
+                    <a:tint val="75000"/>
+                  </a:schemeClr>
+                </a:solidFill>
+                <a:cs typeface="+mn-cs"/>
+              </a:defRPr>
+            </a:lvl1pPr>
+          </a:lstStyle>
+          <a:p>
+            <a:pPr>
+              <a:defRPr/>
+            </a:pPr>
+            <a:endParaRPr lang="en-US"/>
+          </a:p>
+        </p:txBody>
+      </p:sp>
+      <p:sp>
+        <p:nvSpPr>
+          <p:cNvPr id="5" name="Footer Placeholder 4"/>
+          <p:cNvSpPr>
+            <a:spLocks noGrp="1"/>
+          </p:cNvSpPr>
+          <p:nvPr>
+            <p:ph type="ftr" sz="quarter" idx="3"/>
+          </p:nvPr>
+        </p:nvSpPr>
+        <p:spPr>
+          <a:xfrm>
+            <a:off x="457200" y="6356350"/>
+            <a:ext cx="5562600" cy="365125"/>
+          </a:xfrm>
+          <a:prstGeom prst="rect">
+            <a:avLst/>
+          </a:prstGeom>
+        </p:spPr>
+        <p:txBody>
+          <a:bodyPr vert="horz" wrap="square" lIns="91440" tIns="45720" rIns="91440" bIns="45720" numCol="1" anchor="ctr" anchorCtr="0" compatLnSpc="1">
+            <a:prstTxWarp prst="textNoShape">
+              <a:avLst/>
+            </a:prstTxWarp>
+          </a:bodyPr>
+          <a:lstStyle>
+            <a:lvl1pPr>
+              <a:defRPr sz="1200">
+                <a:solidFill>
+                  <a:srgbClr val="898989"/>
+                </a:solidFill>
+                <a:cs typeface="+mn-cs"/>
+              </a:defRPr>
+            </a:lvl1pPr>
+          </a:lstStyle>
+          <a:p>
+            <a:pPr>
+              <a:defRPr/>
+            </a:pPr>
+            <a:r>
+              <a:rPr lang="en-US"/>
+              <a:t>C++ Programming: From Problem Analysis to Program Design, Fifth Edition</a:t>
+            </a:r>
+          </a:p>
+        </p:txBody>
+      </p:sp>
+      <p:sp>
+        <p:nvSpPr>
+          <p:cNvPr id="6" name="Slide Number Placeholder 5"/>
+          <p:cNvSpPr>
+            <a:spLocks noGrp="1"/>
+          </p:cNvSpPr>
+          <p:nvPr>
+            <p:ph type="sldNum" sz="quarter" idx="4"/>
+          </p:nvPr>
+        </p:nvSpPr>
+        <p:spPr>
+          <a:xfrm>
+            <a:off x="6553200" y="6356350"/>
+            <a:ext cx="2133600" cy="365125"/>
+          </a:xfrm>
+          <a:prstGeom prst="rect">
+            <a:avLst/>
+          </a:prstGeom>
+        </p:spPr>
+        <p:txBody>
+          <a:bodyPr vert="horz" lIns="91440" tIns="45720" rIns="91440" bIns="45720" rtlCol="0" anchor="ctr"/>
+          <a:lstStyle>
+            <a:lvl1pPr algn="r">
+              <a:defRPr sz="1200">
+                <a:solidFill>
+                  <a:schemeClr val="tx1">
+                    <a:tint val="75000"/>
+                  </a:schemeClr>
+                </a:solidFill>
+                <a:cs typeface="+mn-cs"/>
+              </a:defRPr>
+            </a:lvl1pPr>
+          </a:lstStyle>
+          <a:p>
+            <a:pPr>
+              <a:defRPr/>
+            </a:pPr>
+            <a:fld id="{969633A8-2F4F-44E9-A908-21DB263E2C77}" type="slidenum">
+              <a:rPr lang="en-US"/>
+              <a:pPr>
+                <a:defRPr/>
+              </a:pPr>
+              <a:t>‹#›</a:t>
+            </a:fld>
+            <a:endParaRPr lang="en-US" dirty="0"/>
+          </a:p>
+        </p:txBody>
+      </p:sp>
+    </p:spTree>
+    <p:extLst>
+      <p:ext uri="{BB962C8B-B14F-4D97-AF65-F5344CB8AC3E}">
+        <p14:creationId xmlns:p14="http://schemas.microsoft.com/office/powerpoint/2010/main" val="2586610398"/>
+      </p:ext>
+    </p:extLst>
+  </p:cSld>
+  <p:clrMap bg1="lt1" tx1="dk1" bg2="lt2" tx2="dk2" accent1="accent1" accent2="accent2" accent3="accent3" accent4="accent4" accent5="accent5" accent6="accent6" hlink="hlink" folHlink="folHlink"/>
+  <p:sldLayoutIdLst>
+    <p:sldLayoutId id="2147483708" r:id="rId1"/>
+    <p:sldLayoutId id="2147483709" r:id="rId2"/>
+    <p:sldLayoutId id="2147483710" r:id="rId3"/>
+    <p:sldLayoutId id="2147483711" r:id="rId4"/>
+    <p:sldLayoutId id="2147483712" r:id="rId5"/>
+    <p:sldLayoutId id="2147483713" r:id="rId6"/>
+    <p:sldLayoutId id="2147483714" r:id="rId7"/>
+    <p:sldLayoutId id="2147483715" r:id="rId8"/>
+    <p:sldLayoutId id="2147483716" r:id="rId9"/>
+    <p:sldLayoutId id="2147483717" r:id="rId10"/>
+    <p:sldLayoutId id="2147483718" r:id="rId11"/>
+  </p:sldLayoutIdLst>
+  <p:hf hdr="0" dt="0"/>
   <p:txStyles>
     <p:titleStyle>
       <a:lvl1pPr algn="ctr" rtl="0" eaLnBrk="0" fontAlgn="base" hangingPunct="0">
@@ -4341,7 +7717,7 @@
       </p:grpSpPr>
       <p:sp>
         <p:nvSpPr>
-          <p:cNvPr id="7170" name="Rectangle 2"/>
+          <p:cNvPr id="6146" name="Rectangle 2"/>
           <p:cNvSpPr>
             <a:spLocks noGrp="1" noChangeArrowheads="1"/>
           </p:cNvSpPr>
@@ -4374,77 +7750,161 @@
         </p:nvSpPr>
         <p:spPr/>
         <p:txBody>
-          <a:bodyPr/>
+          <a:bodyPr rtlCol="0">
+            <a:normAutofit fontScale="92500" lnSpcReduction="10000"/>
+          </a:bodyPr>
           <a:lstStyle/>
           <a:p>
-            <a:pPr eaLnBrk="1" hangingPunct="1"/>
-            <a:r>
-              <a:rPr lang="en-US"/>
-              <a:t>Three categories of class members</a:t>
-            </a:r>
-          </a:p>
-          <a:p>
-            <a:pPr lvl="1" eaLnBrk="1" hangingPunct="1"/>
-            <a:r>
-              <a:rPr lang="en-US">
-                <a:latin typeface="Courier New" pitchFamily="49" charset="0"/>
-              </a:rPr>
-              <a:t>private</a:t>
-            </a:r>
-            <a:r>
-              <a:rPr lang="en-US"/>
-              <a:t> (default)</a:t>
-            </a:r>
-            <a:endParaRPr lang="en-US">
-              <a:latin typeface="Courier New" pitchFamily="49" charset="0"/>
-            </a:endParaRPr>
-          </a:p>
-          <a:p>
-            <a:pPr lvl="2" eaLnBrk="1" hangingPunct="1"/>
-            <a:r>
-              <a:rPr lang="en-US"/>
-              <a:t>Member cannot be accessed outside the </a:t>
-            </a:r>
-            <a:r>
-              <a:rPr lang="en-US">
+            <a:pPr eaLnBrk="1" fontAlgn="auto" hangingPunct="1">
+              <a:spcAft>
+                <a:spcPts val="0"/>
+              </a:spcAft>
+              <a:buFont typeface="Arial" pitchFamily="34" charset="0"/>
+              <a:buChar char="•"/>
+              <a:defRPr/>
+            </a:pPr>
+            <a:r>
+              <a:rPr lang="en-US" dirty="0"/>
+              <a:t>Class member can be a variable or a function</a:t>
+            </a:r>
+          </a:p>
+          <a:p>
+            <a:pPr eaLnBrk="1" fontAlgn="auto" hangingPunct="1">
+              <a:spcAft>
+                <a:spcPts val="0"/>
+              </a:spcAft>
+              <a:buFont typeface="Arial" pitchFamily="34" charset="0"/>
+              <a:buChar char="•"/>
+              <a:defRPr/>
+            </a:pPr>
+            <a:r>
+              <a:rPr lang="en-US" dirty="0"/>
+              <a:t>If a member of a </a:t>
+            </a:r>
+            <a:r>
+              <a:rPr lang="en-US" dirty="0">
                 <a:latin typeface="Courier New" pitchFamily="49" charset="0"/>
               </a:rPr>
               <a:t>class</a:t>
             </a:r>
-          </a:p>
-          <a:p>
-            <a:pPr lvl="1" eaLnBrk="1" hangingPunct="1"/>
-            <a:r>
-              <a:rPr lang="en-US">
+            <a:r>
+              <a:rPr lang="en-US" dirty="0"/>
+              <a:t> is a variable</a:t>
+            </a:r>
+          </a:p>
+          <a:p>
+            <a:pPr lvl="1" eaLnBrk="1" fontAlgn="auto" hangingPunct="1">
+              <a:spcAft>
+                <a:spcPts val="0"/>
+              </a:spcAft>
+              <a:buFont typeface="Arial" pitchFamily="34" charset="0"/>
+              <a:buChar char="–"/>
+              <a:defRPr/>
+            </a:pPr>
+            <a:r>
+              <a:rPr lang="en-US" dirty="0"/>
+              <a:t>It is declared like any other variable</a:t>
+            </a:r>
+          </a:p>
+          <a:p>
+            <a:pPr eaLnBrk="1" fontAlgn="auto" hangingPunct="1">
+              <a:spcAft>
+                <a:spcPts val="0"/>
+              </a:spcAft>
+              <a:buFont typeface="Arial" pitchFamily="34" charset="0"/>
+              <a:buChar char="•"/>
+              <a:defRPr/>
+            </a:pPr>
+            <a:r>
+              <a:rPr lang="en-US" dirty="0"/>
+              <a:t>In the definition of the </a:t>
+            </a:r>
+            <a:r>
+              <a:rPr lang="en-US" dirty="0">
                 <a:latin typeface="Courier New" pitchFamily="49" charset="0"/>
               </a:rPr>
-              <a:t>public</a:t>
-            </a:r>
-          </a:p>
-          <a:p>
-            <a:pPr lvl="2" eaLnBrk="1" hangingPunct="1"/>
-            <a:r>
-              <a:rPr lang="en-US"/>
-              <a:t>Member is accessible outside the class</a:t>
-            </a:r>
-            <a:endParaRPr lang="en-US">
-              <a:latin typeface="Courier New" pitchFamily="49" charset="0"/>
-            </a:endParaRPr>
-          </a:p>
-          <a:p>
-            <a:pPr lvl="1" eaLnBrk="1" hangingPunct="1"/>
-            <a:r>
-              <a:rPr lang="en-US">
+              <a:t>class</a:t>
+            </a:r>
+            <a:endParaRPr lang="en-US" dirty="0"/>
+          </a:p>
+          <a:p>
+            <a:pPr lvl="1" eaLnBrk="1" fontAlgn="auto" hangingPunct="1">
+              <a:spcAft>
+                <a:spcPts val="0"/>
+              </a:spcAft>
+              <a:buFont typeface="Arial" pitchFamily="34" charset="0"/>
+              <a:buChar char="–"/>
+              <a:defRPr/>
+            </a:pPr>
+            <a:r>
+              <a:rPr lang="en-US" dirty="0"/>
+              <a:t>You cannot initialize a variable when you declare it</a:t>
+            </a:r>
+          </a:p>
+          <a:p>
+            <a:pPr eaLnBrk="1" fontAlgn="auto" hangingPunct="1">
+              <a:spcAft>
+                <a:spcPts val="0"/>
+              </a:spcAft>
+              <a:buFont typeface="Arial" pitchFamily="34" charset="0"/>
+              <a:buChar char="•"/>
+              <a:defRPr/>
+            </a:pPr>
+            <a:r>
+              <a:rPr lang="en-US" dirty="0"/>
+              <a:t>If a member of a </a:t>
+            </a:r>
+            <a:r>
+              <a:rPr lang="en-US" dirty="0">
                 <a:latin typeface="Courier New" pitchFamily="49" charset="0"/>
               </a:rPr>
-              <a:t>protected</a:t>
-            </a:r>
-          </a:p>
-        </p:txBody>
-      </p:sp>
-      <p:sp>
-        <p:nvSpPr>
-          <p:cNvPr id="8194" name="Footer Placeholder 4"/>
+              <a:t>class</a:t>
+            </a:r>
+            <a:r>
+              <a:rPr lang="en-US" dirty="0"/>
+              <a:t> is a function</a:t>
+            </a:r>
+          </a:p>
+          <a:p>
+            <a:pPr lvl="1" eaLnBrk="1" fontAlgn="auto" hangingPunct="1">
+              <a:spcAft>
+                <a:spcPts val="0"/>
+              </a:spcAft>
+              <a:buFont typeface="Arial" pitchFamily="34" charset="0"/>
+              <a:buChar char="–"/>
+              <a:defRPr/>
+            </a:pPr>
+            <a:r>
+              <a:rPr lang="en-US" dirty="0"/>
+              <a:t>Function prototype is listed</a:t>
+            </a:r>
+          </a:p>
+          <a:p>
+            <a:pPr lvl="1" eaLnBrk="1" fontAlgn="auto" hangingPunct="1">
+              <a:spcAft>
+                <a:spcPts val="0"/>
+              </a:spcAft>
+              <a:buFont typeface="Arial" pitchFamily="34" charset="0"/>
+              <a:buChar char="–"/>
+              <a:defRPr/>
+            </a:pPr>
+            <a:r>
+              <a:rPr lang="en-US" dirty="0"/>
+              <a:t>Function members can (directly) access any member of the </a:t>
+            </a:r>
+            <a:r>
+              <a:rPr lang="en-US" dirty="0">
+                <a:latin typeface="Courier New" pitchFamily="49" charset="0"/>
+              </a:rPr>
+              <a:t>class</a:t>
+            </a:r>
+            <a:endParaRPr lang="en-US" dirty="0"/>
+          </a:p>
+        </p:txBody>
+      </p:sp>
+      <p:sp>
+        <p:nvSpPr>
+          <p:cNvPr id="7172" name="Footer Placeholder 4"/>
           <p:cNvSpPr>
             <a:spLocks noGrp="1"/>
           </p:cNvSpPr>
@@ -4466,7 +7926,7 @@
       </p:sp>
       <p:sp>
         <p:nvSpPr>
-          <p:cNvPr id="8195" name="Slide Number Placeholder 5"/>
+          <p:cNvPr id="7173" name="Slide Number Placeholder 5"/>
           <p:cNvSpPr>
             <a:spLocks noGrp="1"/>
           </p:cNvSpPr>
@@ -4482,7 +7942,7 @@
             <a:pPr>
               <a:defRPr/>
             </a:pPr>
-            <a:fld id="{6D269F54-95B4-4664-AF27-BFE54B636854}" type="slidenum">
+            <a:fld id="{EFAAED31-8629-45A4-9E2A-AD39BCF28166}" type="slidenum">
               <a:rPr lang="en-US"/>
               <a:pPr>
                 <a:defRPr/>
@@ -4520,7 +7980,7 @@
       </p:grpSpPr>
       <p:sp>
         <p:nvSpPr>
-          <p:cNvPr id="8194" name="Rectangle 7"/>
+          <p:cNvPr id="7170" name="Rectangle 2"/>
           <p:cNvSpPr>
             <a:spLocks noGrp="1" noChangeArrowheads="1"/>
           </p:cNvSpPr>
@@ -4543,7 +8003,87 @@
       </p:sp>
       <p:sp>
         <p:nvSpPr>
-          <p:cNvPr id="9218" name="Footer Placeholder 3"/>
+          <p:cNvPr id="7171" name="Rectangle 3"/>
+          <p:cNvSpPr>
+            <a:spLocks noGrp="1" noChangeArrowheads="1"/>
+          </p:cNvSpPr>
+          <p:nvPr>
+            <p:ph idx="1"/>
+          </p:nvPr>
+        </p:nvSpPr>
+        <p:spPr/>
+        <p:txBody>
+          <a:bodyPr/>
+          <a:lstStyle/>
+          <a:p>
+            <a:pPr eaLnBrk="1" hangingPunct="1"/>
+            <a:r>
+              <a:rPr lang="en-US"/>
+              <a:t>Three categories of class members</a:t>
+            </a:r>
+          </a:p>
+          <a:p>
+            <a:pPr lvl="1" eaLnBrk="1" hangingPunct="1"/>
+            <a:r>
+              <a:rPr lang="en-US">
+                <a:latin typeface="Courier New" pitchFamily="49" charset="0"/>
+              </a:rPr>
+              <a:t>private</a:t>
+            </a:r>
+            <a:r>
+              <a:rPr lang="en-US"/>
+              <a:t> (default)</a:t>
+            </a:r>
+            <a:endParaRPr lang="en-US">
+              <a:latin typeface="Courier New" pitchFamily="49" charset="0"/>
+            </a:endParaRPr>
+          </a:p>
+          <a:p>
+            <a:pPr lvl="2" eaLnBrk="1" hangingPunct="1"/>
+            <a:r>
+              <a:rPr lang="en-US"/>
+              <a:t>Member cannot be accessed outside the </a:t>
+            </a:r>
+            <a:r>
+              <a:rPr lang="en-US">
+                <a:latin typeface="Courier New" pitchFamily="49" charset="0"/>
+              </a:rPr>
+              <a:t>class</a:t>
+            </a:r>
+          </a:p>
+          <a:p>
+            <a:pPr lvl="1" eaLnBrk="1" hangingPunct="1"/>
+            <a:r>
+              <a:rPr lang="en-US">
+                <a:latin typeface="Courier New" pitchFamily="49" charset="0"/>
+              </a:rPr>
+              <a:t>public</a:t>
+            </a:r>
+          </a:p>
+          <a:p>
+            <a:pPr lvl="2" eaLnBrk="1" hangingPunct="1"/>
+            <a:r>
+              <a:rPr lang="en-US"/>
+              <a:t>Member is accessible outside the class</a:t>
+            </a:r>
+            <a:endParaRPr lang="en-US">
+              <a:latin typeface="Courier New" pitchFamily="49" charset="0"/>
+            </a:endParaRPr>
+          </a:p>
+          <a:p>
+            <a:pPr lvl="1" eaLnBrk="1" hangingPunct="1"/>
+            <a:r>
+              <a:rPr lang="en-US">
+                <a:latin typeface="Courier New" pitchFamily="49" charset="0"/>
+              </a:rPr>
+              <a:t>protected</a:t>
+            </a:r>
+          </a:p>
+        </p:txBody>
+      </p:sp>
+      <p:sp>
+        <p:nvSpPr>
+          <p:cNvPr id="8194" name="Footer Placeholder 4"/>
           <p:cNvSpPr>
             <a:spLocks noGrp="1"/>
           </p:cNvSpPr>
@@ -4565,7 +8105,7 @@
       </p:sp>
       <p:sp>
         <p:nvSpPr>
-          <p:cNvPr id="9219" name="Slide Number Placeholder 4"/>
+          <p:cNvPr id="8195" name="Slide Number Placeholder 5"/>
           <p:cNvSpPr>
             <a:spLocks noGrp="1"/>
           </p:cNvSpPr>
@@ -4581,12 +8121,111 @@
             <a:pPr>
               <a:defRPr/>
             </a:pPr>
-            <a:fld id="{79BC355A-28D4-47A1-B102-B99376F16C80}" type="slidenum">
+            <a:fld id="{6D269F54-95B4-4664-AF27-BFE54B636854}" type="slidenum">
               <a:rPr lang="en-US"/>
               <a:pPr>
                 <a:defRPr/>
               </a:pPr>
               <a:t>11</a:t>
+            </a:fld>
+            <a:endParaRPr lang="en-US"/>
+          </a:p>
+        </p:txBody>
+      </p:sp>
+    </p:spTree>
+  </p:cSld>
+  <p:clrMapOvr>
+    <a:masterClrMapping/>
+  </p:clrMapOvr>
+</p:sld>
+</file>
+
+<file path=ppt/slides/slide12.xml><?xml version="1.0" encoding="utf-8"?>
+<p:sld xmlns:a="http://schemas.openxmlformats.org/drawingml/2006/main" xmlns:r="http://schemas.openxmlformats.org/officeDocument/2006/relationships" xmlns:p="http://schemas.openxmlformats.org/presentationml/2006/main">
+  <p:cSld>
+    <p:spTree>
+      <p:nvGrpSpPr>
+        <p:cNvPr id="1" name=""/>
+        <p:cNvGrpSpPr/>
+        <p:nvPr/>
+      </p:nvGrpSpPr>
+      <p:grpSpPr>
+        <a:xfrm>
+          <a:off x="0" y="0"/>
+          <a:ext cx="0" cy="0"/>
+          <a:chOff x="0" y="0"/>
+          <a:chExt cx="0" cy="0"/>
+        </a:xfrm>
+      </p:grpSpPr>
+      <p:sp>
+        <p:nvSpPr>
+          <p:cNvPr id="8194" name="Rectangle 7"/>
+          <p:cNvSpPr>
+            <a:spLocks noGrp="1" noChangeArrowheads="1"/>
+          </p:cNvSpPr>
+          <p:nvPr>
+            <p:ph type="title"/>
+          </p:nvPr>
+        </p:nvSpPr>
+        <p:spPr/>
+        <p:txBody>
+          <a:bodyPr/>
+          <a:lstStyle/>
+          <a:p>
+            <a:pPr eaLnBrk="1" hangingPunct="1"/>
+            <a:r>
+              <a:rPr lang="en-US"/>
+              <a:t>Classes (cont'd.)</a:t>
+            </a:r>
+          </a:p>
+        </p:txBody>
+      </p:sp>
+      <p:sp>
+        <p:nvSpPr>
+          <p:cNvPr id="9218" name="Footer Placeholder 3"/>
+          <p:cNvSpPr>
+            <a:spLocks noGrp="1"/>
+          </p:cNvSpPr>
+          <p:nvPr>
+            <p:ph type="ftr" sz="quarter" idx="11"/>
+          </p:nvPr>
+        </p:nvSpPr>
+        <p:spPr/>
+        <p:txBody>
+          <a:bodyPr/>
+          <a:lstStyle/>
+          <a:p>
+            <a:r>
+              <a:rPr lang="en-US"/>
+              <a:t>C++ Programming: From Problem Analysis to Program Design, Fifth Edition</a:t>
+            </a:r>
+          </a:p>
+        </p:txBody>
+      </p:sp>
+      <p:sp>
+        <p:nvSpPr>
+          <p:cNvPr id="9219" name="Slide Number Placeholder 4"/>
+          <p:cNvSpPr>
+            <a:spLocks noGrp="1"/>
+          </p:cNvSpPr>
+          <p:nvPr>
+            <p:ph type="sldNum" sz="quarter" idx="12"/>
+          </p:nvPr>
+        </p:nvSpPr>
+        <p:spPr/>
+        <p:txBody>
+          <a:bodyPr/>
+          <a:lstStyle/>
+          <a:p>
+            <a:pPr>
+              <a:defRPr/>
+            </a:pPr>
+            <a:fld id="{79BC355A-28D4-47A1-B102-B99376F16C80}" type="slidenum">
+              <a:rPr lang="en-US"/>
+              <a:pPr>
+                <a:defRPr/>
+              </a:pPr>
+              <a:t>12</a:t>
             </a:fld>
             <a:endParaRPr lang="en-US"/>
           </a:p>
@@ -4632,7 +8271,7 @@
 </p:sld>
 </file>
 
-<file path=ppt/slides/slide12.xml><?xml version="1.0" encoding="utf-8"?>
+<file path=ppt/slides/slide13.xml><?xml version="1.0" encoding="utf-8"?>
 <p:sld xmlns:a="http://schemas.openxmlformats.org/drawingml/2006/main" xmlns:r="http://schemas.openxmlformats.org/officeDocument/2006/relationships" xmlns:p="http://schemas.openxmlformats.org/presentationml/2006/main">
   <p:cSld>
     <p:spTree>
@@ -4859,7 +8498,7 @@
               <a:pPr>
                 <a:defRPr/>
               </a:pPr>
-              <a:t>12</a:t>
+              <a:t>13</a:t>
             </a:fld>
             <a:endParaRPr lang="en-US"/>
           </a:p>
@@ -4905,7 +8544,7 @@
 </p:sld>
 </file>
 
-<file path=ppt/slides/slide13.xml><?xml version="1.0" encoding="utf-8"?>
+<file path=ppt/slides/slide14.xml><?xml version="1.0" encoding="utf-8"?>
 <p:sld xmlns:a="http://schemas.openxmlformats.org/drawingml/2006/main" xmlns:r="http://schemas.openxmlformats.org/officeDocument/2006/relationships" xmlns:p="http://schemas.openxmlformats.org/presentationml/2006/main">
   <p:cSld>
     <p:spTree>
@@ -5156,7 +8795,7 @@
               <a:pPr>
                 <a:defRPr/>
               </a:pPr>
-              <a:t>13</a:t>
+              <a:t>14</a:t>
             </a:fld>
             <a:endParaRPr lang="en-US"/>
           </a:p>
@@ -5202,97 +8841,6 @@
 </p:sld>
 </file>
 
-<file path=ppt/slides/slide14.xml><?xml version="1.0" encoding="utf-8"?>
-<p:sld xmlns:a="http://schemas.openxmlformats.org/drawingml/2006/main" xmlns:r="http://schemas.openxmlformats.org/officeDocument/2006/relationships" xmlns:p="http://schemas.openxmlformats.org/presentationml/2006/main">
-  <p:cSld>
-    <p:spTree>
-      <p:nvGrpSpPr>
-        <p:cNvPr id="1" name=""/>
-        <p:cNvGrpSpPr/>
-        <p:nvPr/>
-      </p:nvGrpSpPr>
-      <p:grpSpPr>
-        <a:xfrm>
-          <a:off x="0" y="0"/>
-          <a:ext cx="0" cy="0"/>
-          <a:chOff x="0" y="0"/>
-          <a:chExt cx="0" cy="0"/>
-        </a:xfrm>
-      </p:grpSpPr>
-      <p:sp>
-        <p:nvSpPr>
-          <p:cNvPr id="2" name="Title 1"/>
-          <p:cNvSpPr>
-            <a:spLocks noGrp="1"/>
-          </p:cNvSpPr>
-          <p:nvPr>
-            <p:ph type="title"/>
-          </p:nvPr>
-        </p:nvSpPr>
-        <p:spPr>
-          <a:xfrm>
-            <a:off x="457200" y="2057400"/>
-            <a:ext cx="8229600" cy="2438400"/>
-          </a:xfrm>
-        </p:spPr>
-        <p:txBody>
-          <a:bodyPr/>
-          <a:lstStyle/>
-          <a:p>
-            <a:r>
-              <a:rPr lang="en-US" dirty="0">
-                <a:solidFill>
-                  <a:srgbClr val="FF0000"/>
-                </a:solidFill>
-              </a:rPr>
-              <a:t>Back to the </a:t>
-            </a:r>
-            <a:r>
-              <a:rPr lang="en-US" i="1" dirty="0">
-                <a:solidFill>
-                  <a:srgbClr val="3333FF"/>
-                </a:solidFill>
-              </a:rPr>
-              <a:t>String Class</a:t>
-            </a:r>
-            <a:br>
-              <a:rPr lang="en-US" dirty="0">
-                <a:solidFill>
-                  <a:srgbClr val="FF0000"/>
-                </a:solidFill>
-              </a:rPr>
-            </a:br>
-            <a:r>
-              <a:rPr lang="en-US" dirty="0">
-                <a:solidFill>
-                  <a:srgbClr val="00B050"/>
-                </a:solidFill>
-              </a:rPr>
-              <a:t>A pre-defined Class in C++</a:t>
-            </a:r>
-            <a:br>
-              <a:rPr lang="en-US" dirty="0">
-                <a:solidFill>
-                  <a:srgbClr val="FF0000"/>
-                </a:solidFill>
-              </a:rPr>
-            </a:br>
-            <a:endParaRPr lang="en-US" dirty="0">
-              <a:solidFill>
-                <a:srgbClr val="FF0000"/>
-              </a:solidFill>
-            </a:endParaRPr>
-          </a:p>
-        </p:txBody>
-      </p:sp>
-    </p:spTree>
-  </p:cSld>
-  <p:clrMapOvr>
-    <a:masterClrMapping/>
-  </p:clrMapOvr>
-</p:sld>
-</file>
-
 <file path=ppt/slides/slide15.xml><?xml version="1.0" encoding="utf-8"?>
 <p:sld xmlns:a="http://schemas.openxmlformats.org/drawingml/2006/main" xmlns:r="http://schemas.openxmlformats.org/officeDocument/2006/relationships" xmlns:p="http://schemas.openxmlformats.org/presentationml/2006/main">
   <p:cSld>
@@ -5312,6 +8860,97 @@
       </p:grpSpPr>
       <p:sp>
         <p:nvSpPr>
+          <p:cNvPr id="2" name="Title 1"/>
+          <p:cNvSpPr>
+            <a:spLocks noGrp="1"/>
+          </p:cNvSpPr>
+          <p:nvPr>
+            <p:ph type="title"/>
+          </p:nvPr>
+        </p:nvSpPr>
+        <p:spPr>
+          <a:xfrm>
+            <a:off x="457200" y="2057400"/>
+            <a:ext cx="8229600" cy="2438400"/>
+          </a:xfrm>
+        </p:spPr>
+        <p:txBody>
+          <a:bodyPr/>
+          <a:lstStyle/>
+          <a:p>
+            <a:r>
+              <a:rPr lang="en-US" dirty="0">
+                <a:solidFill>
+                  <a:srgbClr val="FF0000"/>
+                </a:solidFill>
+              </a:rPr>
+              <a:t>Back to the </a:t>
+            </a:r>
+            <a:r>
+              <a:rPr lang="en-US" i="1" dirty="0">
+                <a:solidFill>
+                  <a:srgbClr val="3333FF"/>
+                </a:solidFill>
+              </a:rPr>
+              <a:t>String Class</a:t>
+            </a:r>
+            <a:br>
+              <a:rPr lang="en-US" dirty="0">
+                <a:solidFill>
+                  <a:srgbClr val="FF0000"/>
+                </a:solidFill>
+              </a:rPr>
+            </a:br>
+            <a:r>
+              <a:rPr lang="en-US" dirty="0">
+                <a:solidFill>
+                  <a:srgbClr val="00B050"/>
+                </a:solidFill>
+              </a:rPr>
+              <a:t>A pre-defined Class in C++</a:t>
+            </a:r>
+            <a:br>
+              <a:rPr lang="en-US" dirty="0">
+                <a:solidFill>
+                  <a:srgbClr val="FF0000"/>
+                </a:solidFill>
+              </a:rPr>
+            </a:br>
+            <a:endParaRPr lang="en-US" dirty="0">
+              <a:solidFill>
+                <a:srgbClr val="FF0000"/>
+              </a:solidFill>
+            </a:endParaRPr>
+          </a:p>
+        </p:txBody>
+      </p:sp>
+    </p:spTree>
+  </p:cSld>
+  <p:clrMapOvr>
+    <a:masterClrMapping/>
+  </p:clrMapOvr>
+</p:sld>
+</file>
+
+<file path=ppt/slides/slide16.xml><?xml version="1.0" encoding="utf-8"?>
+<p:sld xmlns:a="http://schemas.openxmlformats.org/drawingml/2006/main" xmlns:r="http://schemas.openxmlformats.org/officeDocument/2006/relationships" xmlns:p="http://schemas.openxmlformats.org/presentationml/2006/main">
+  <p:cSld>
+    <p:spTree>
+      <p:nvGrpSpPr>
+        <p:cNvPr id="1" name=""/>
+        <p:cNvGrpSpPr/>
+        <p:nvPr/>
+      </p:nvGrpSpPr>
+      <p:grpSpPr>
+        <a:xfrm>
+          <a:off x="0" y="0"/>
+          <a:ext cx="0" cy="0"/>
+          <a:chOff x="0" y="0"/>
+          <a:chExt cx="0" cy="0"/>
+        </a:xfrm>
+      </p:grpSpPr>
+      <p:sp>
+        <p:nvSpPr>
           <p:cNvPr id="28674" name="Rectangle 2"/>
           <p:cNvSpPr>
             <a:spLocks noGrp="1" noChangeArrowheads="1"/>
@@ -5511,7 +9150,7 @@
               <a:pPr>
                 <a:defRPr/>
               </a:pPr>
-              <a:t>15</a:t>
+              <a:t>16</a:t>
             </a:fld>
             <a:endParaRPr lang="en-US"/>
           </a:p>
@@ -5606,7 +9245,7 @@
 </p:sld>
 </file>
 
-<file path=ppt/slides/slide16.xml><?xml version="1.0" encoding="utf-8"?>
+<file path=ppt/slides/slide17.xml><?xml version="1.0" encoding="utf-8"?>
 <p:sld xmlns:a="http://schemas.openxmlformats.org/drawingml/2006/main" xmlns:r="http://schemas.openxmlformats.org/officeDocument/2006/relationships" xmlns:p="http://schemas.openxmlformats.org/presentationml/2006/main">
   <p:cSld>
     <p:spTree>
@@ -5746,7 +9385,7 @@
               <a:pPr>
                 <a:defRPr/>
               </a:pPr>
-              <a:t>16</a:t>
+              <a:t>17</a:t>
             </a:fld>
             <a:endParaRPr lang="en-US"/>
           </a:p>
@@ -5841,7 +9480,7 @@
 </p:sld>
 </file>
 
-<file path=ppt/slides/slide17.xml><?xml version="1.0" encoding="utf-8"?>
+<file path=ppt/slides/slide18.xml><?xml version="1.0" encoding="utf-8"?>
 <p:sld xmlns:a="http://schemas.openxmlformats.org/drawingml/2006/main" xmlns:r="http://schemas.openxmlformats.org/officeDocument/2006/relationships" xmlns:p="http://schemas.openxmlformats.org/presentationml/2006/main">
   <p:cSld>
     <p:spTree>
@@ -6001,7 +9640,7 @@
               <a:pPr>
                 <a:defRPr/>
               </a:pPr>
-              <a:t>17</a:t>
+              <a:t>18</a:t>
             </a:fld>
             <a:endParaRPr lang="en-US"/>
           </a:p>
@@ -6096,7 +9735,7 @@
 </p:sld>
 </file>
 
-<file path=ppt/slides/slide18.xml><?xml version="1.0" encoding="utf-8"?>
+<file path=ppt/slides/slide19.xml><?xml version="1.0" encoding="utf-8"?>
 <p:sld xmlns:a="http://schemas.openxmlformats.org/drawingml/2006/main" xmlns:r="http://schemas.openxmlformats.org/officeDocument/2006/relationships" xmlns:p="http://schemas.openxmlformats.org/presentationml/2006/main">
   <p:cSld>
     <p:spTree>
@@ -6235,7 +9874,7 @@
               <a:pPr>
                 <a:defRPr/>
               </a:pPr>
-              <a:t>18</a:t>
+              <a:t>19</a:t>
             </a:fld>
             <a:endParaRPr lang="en-US"/>
           </a:p>
@@ -6362,112 +10001,6 @@
 </p:sld>
 </file>
 
-<file path=ppt/slides/slide19.xml><?xml version="1.0" encoding="utf-8"?>
-<p:sld xmlns:a="http://schemas.openxmlformats.org/drawingml/2006/main" xmlns:r="http://schemas.openxmlformats.org/officeDocument/2006/relationships" xmlns:p="http://schemas.openxmlformats.org/presentationml/2006/main">
-  <p:cSld>
-    <p:spTree>
-      <p:nvGrpSpPr>
-        <p:cNvPr id="1" name=""/>
-        <p:cNvGrpSpPr/>
-        <p:nvPr/>
-      </p:nvGrpSpPr>
-      <p:grpSpPr>
-        <a:xfrm>
-          <a:off x="0" y="0"/>
-          <a:ext cx="0" cy="0"/>
-          <a:chOff x="0" y="0"/>
-          <a:chExt cx="0" cy="0"/>
-        </a:xfrm>
-      </p:grpSpPr>
-      <p:sp>
-        <p:nvSpPr>
-          <p:cNvPr id="2" name="Title 1"/>
-          <p:cNvSpPr>
-            <a:spLocks noGrp="1"/>
-          </p:cNvSpPr>
-          <p:nvPr>
-            <p:ph type="title"/>
-          </p:nvPr>
-        </p:nvSpPr>
-        <p:spPr/>
-        <p:txBody>
-          <a:bodyPr/>
-          <a:lstStyle/>
-          <a:p>
-            <a:r>
-              <a:rPr lang="en-US" dirty="0"/>
-              <a:t>Programming Challenge</a:t>
-            </a:r>
-            <a:endParaRPr lang="en-CA" dirty="0"/>
-          </a:p>
-        </p:txBody>
-      </p:sp>
-      <p:sp>
-        <p:nvSpPr>
-          <p:cNvPr id="3" name="Content Placeholder 2"/>
-          <p:cNvSpPr>
-            <a:spLocks noGrp="1"/>
-          </p:cNvSpPr>
-          <p:nvPr>
-            <p:ph idx="1"/>
-          </p:nvPr>
-        </p:nvSpPr>
-        <p:spPr/>
-        <p:txBody>
-          <a:bodyPr/>
-          <a:lstStyle/>
-          <a:p>
-            <a:pPr algn="ctr">
-              <a:buNone/>
-            </a:pPr>
-            <a:r>
-              <a:rPr lang="en-US" dirty="0">
-                <a:solidFill>
-                  <a:srgbClr val="FF0000"/>
-                </a:solidFill>
-              </a:rPr>
-              <a:t>Write a program that read your full name (first and last) in one string using </a:t>
-            </a:r>
-            <a:r>
-              <a:rPr lang="en-US" i="1" dirty="0" err="1">
-                <a:solidFill>
-                  <a:srgbClr val="FF0000"/>
-                </a:solidFill>
-              </a:rPr>
-              <a:t>getline</a:t>
-            </a:r>
-            <a:r>
-              <a:rPr lang="en-US" i="1" dirty="0">
-                <a:solidFill>
-                  <a:srgbClr val="FF0000"/>
-                </a:solidFill>
-              </a:rPr>
-              <a:t>() </a:t>
-            </a:r>
-            <a:r>
-              <a:rPr lang="en-US" dirty="0">
-                <a:solidFill>
-                  <a:srgbClr val="FF0000"/>
-                </a:solidFill>
-              </a:rPr>
-              <a:t>function, and then prints back your last name.</a:t>
-            </a:r>
-            <a:endParaRPr lang="en-CA" dirty="0">
-              <a:solidFill>
-                <a:srgbClr val="FF0000"/>
-              </a:solidFill>
-            </a:endParaRPr>
-          </a:p>
-        </p:txBody>
-      </p:sp>
-    </p:spTree>
-  </p:cSld>
-  <p:clrMapOvr>
-    <a:masterClrMapping/>
-  </p:clrMapOvr>
-</p:sld>
-</file>
-
 <file path=ppt/slides/slide2.xml><?xml version="1.0" encoding="utf-8"?>
 <p:sld xmlns:a="http://schemas.openxmlformats.org/drawingml/2006/main" xmlns:r="http://schemas.openxmlformats.org/officeDocument/2006/relationships" xmlns:p="http://schemas.openxmlformats.org/presentationml/2006/main">
   <p:cSld>
@@ -6487,179 +10020,7 @@
       </p:grpSpPr>
       <p:sp>
         <p:nvSpPr>
-          <p:cNvPr id="25602" name="Rectangle 2"/>
-          <p:cNvSpPr>
-            <a:spLocks noGrp="1" noChangeArrowheads="1"/>
-          </p:cNvSpPr>
-          <p:nvPr>
-            <p:ph type="title"/>
-          </p:nvPr>
-        </p:nvSpPr>
-        <p:spPr/>
-        <p:txBody>
-          <a:bodyPr/>
-          <a:lstStyle/>
-          <a:p>
-            <a:pPr eaLnBrk="1" hangingPunct="1"/>
-            <a:r>
-              <a:rPr lang="en-US">
-                <a:latin typeface="Courier New" pitchFamily="49" charset="0"/>
-              </a:rPr>
-              <a:t>string</a:t>
-            </a:r>
-            <a:r>
-              <a:rPr lang="en-US"/>
-              <a:t> Type</a:t>
-            </a:r>
-          </a:p>
-        </p:txBody>
-      </p:sp>
-      <p:sp>
-        <p:nvSpPr>
-          <p:cNvPr id="25603" name="Rectangle 3"/>
-          <p:cNvSpPr>
-            <a:spLocks noGrp="1" noChangeArrowheads="1"/>
-          </p:cNvSpPr>
-          <p:nvPr>
-            <p:ph idx="1"/>
-          </p:nvPr>
-        </p:nvSpPr>
-        <p:spPr>
-          <a:xfrm>
-            <a:off x="914400" y="1676400"/>
-            <a:ext cx="7772400" cy="4454525"/>
-          </a:xfrm>
-        </p:spPr>
-        <p:txBody>
-          <a:bodyPr/>
-          <a:lstStyle/>
-          <a:p>
-            <a:pPr eaLnBrk="1" hangingPunct="1"/>
-            <a:r>
-              <a:rPr lang="en-US" sz="2800" dirty="0"/>
-              <a:t>To use the data type </a:t>
-            </a:r>
-            <a:r>
-              <a:rPr lang="en-US" sz="2800" dirty="0">
-                <a:latin typeface="Courier New" pitchFamily="49" charset="0"/>
-              </a:rPr>
-              <a:t>string</a:t>
-            </a:r>
-            <a:r>
-              <a:rPr lang="en-US" sz="2800" dirty="0"/>
-              <a:t>, the program must include the header file </a:t>
-            </a:r>
-            <a:r>
-              <a:rPr lang="en-US" sz="2800" dirty="0">
-                <a:latin typeface="Courier New" pitchFamily="49" charset="0"/>
-              </a:rPr>
-              <a:t>string</a:t>
-            </a:r>
-          </a:p>
-          <a:p>
-            <a:pPr eaLnBrk="1" hangingPunct="1"/>
-            <a:r>
-              <a:rPr lang="en-US" sz="2800" dirty="0"/>
-              <a:t>The statement: </a:t>
-            </a:r>
-          </a:p>
-          <a:p>
-            <a:pPr eaLnBrk="1" hangingPunct="1">
-              <a:buFontTx/>
-              <a:buNone/>
-            </a:pPr>
-            <a:r>
-              <a:rPr lang="en-US" sz="2000" dirty="0"/>
-              <a:t>		</a:t>
-            </a:r>
-            <a:r>
-              <a:rPr lang="en-US" sz="2000" dirty="0">
-                <a:latin typeface="Courier New" pitchFamily="49" charset="0"/>
-              </a:rPr>
-              <a:t>string name = "William Jacob";</a:t>
-            </a:r>
-          </a:p>
-          <a:p>
-            <a:pPr eaLnBrk="1" hangingPunct="1">
-              <a:buFontTx/>
-              <a:buNone/>
-            </a:pPr>
-            <a:r>
-              <a:rPr lang="en-US" sz="2800" dirty="0"/>
-              <a:t>	declares name to be a string variable and also initializes name to </a:t>
-            </a:r>
-            <a:r>
-              <a:rPr lang="en-US" sz="2000" dirty="0">
-                <a:latin typeface="Courier New" pitchFamily="49" charset="0"/>
-              </a:rPr>
-              <a:t>"William Jacob"</a:t>
-            </a:r>
-            <a:endParaRPr lang="en-US" sz="2800" dirty="0"/>
-          </a:p>
-          <a:p>
-            <a:pPr lvl="1" eaLnBrk="1" hangingPunct="1"/>
-            <a:r>
-              <a:rPr lang="en-US" sz="2400" dirty="0"/>
-              <a:t>The first character, </a:t>
-            </a:r>
-            <a:r>
-              <a:rPr lang="en-US" sz="2400" dirty="0">
-                <a:latin typeface="Courier New" pitchFamily="49" charset="0"/>
-              </a:rPr>
-              <a:t>'W'</a:t>
-            </a:r>
-            <a:r>
-              <a:rPr lang="en-US" sz="2400" dirty="0"/>
-              <a:t>, is in position 0</a:t>
-            </a:r>
-          </a:p>
-          <a:p>
-            <a:pPr lvl="1" eaLnBrk="1" hangingPunct="1"/>
-            <a:r>
-              <a:rPr lang="en-US" sz="2400" dirty="0"/>
-              <a:t>The second character, </a:t>
-            </a:r>
-            <a:r>
-              <a:rPr lang="en-US" sz="2400" dirty="0">
-                <a:latin typeface="Courier New" pitchFamily="49" charset="0"/>
-              </a:rPr>
-              <a:t>'</a:t>
-            </a:r>
-            <a:r>
-              <a:rPr lang="en-US" sz="2400" dirty="0" err="1">
-                <a:latin typeface="Courier New" pitchFamily="49" charset="0"/>
-              </a:rPr>
-              <a:t>i</a:t>
-            </a:r>
-            <a:r>
-              <a:rPr lang="en-US" sz="2400" dirty="0">
-                <a:latin typeface="Courier New" pitchFamily="49" charset="0"/>
-              </a:rPr>
-              <a:t>'</a:t>
-            </a:r>
-            <a:r>
-              <a:rPr lang="en-US" sz="2400" dirty="0"/>
-              <a:t>, is in position 1 </a:t>
-            </a:r>
-          </a:p>
-          <a:p>
-            <a:pPr lvl="1" eaLnBrk="1" hangingPunct="1"/>
-            <a:r>
-              <a:rPr lang="en-US" sz="2400" dirty="0">
-                <a:latin typeface="Courier New" pitchFamily="49" charset="0"/>
-              </a:rPr>
-              <a:t>name</a:t>
-            </a:r>
-            <a:r>
-              <a:rPr lang="en-US" sz="2400" dirty="0"/>
-              <a:t> is capable of storing any size string</a:t>
-            </a:r>
-          </a:p>
-        </p:txBody>
-      </p:sp>
-      <p:sp>
-        <p:nvSpPr>
-          <p:cNvPr id="25604" name="Footer Placeholder 4"/>
+          <p:cNvPr id="3074" name="Footer Placeholder 3"/>
           <p:cNvSpPr>
             <a:spLocks noGrp="1"/>
           </p:cNvSpPr>
@@ -6668,7 +10029,6 @@
           </p:nvPr>
         </p:nvSpPr>
         <p:spPr bwMode="auto">
-          <a:noFill/>
           <a:ln>
             <a:miter lim="800000"/>
             <a:headEnd/>
@@ -6676,18 +10036,40 @@
           </a:ln>
         </p:spPr>
         <p:txBody>
-          <a:bodyPr wrap="square" numCol="1" anchorCtr="0" compatLnSpc="1">
-            <a:prstTxWarp prst="textNoShape">
-              <a:avLst/>
-            </a:prstTxWarp>
-          </a:bodyPr>
+          <a:bodyPr/>
           <a:lstStyle/>
           <a:p>
-            <a:r>
-              <a:rPr lang="en-US">
+            <a:pPr marL="0" marR="0" lvl="0" indent="0" algn="l" defTabSz="914400" rtl="0" eaLnBrk="1" fontAlgn="base" latinLnBrk="0" hangingPunct="1">
+              <a:lnSpc>
+                <a:spcPct val="100000"/>
+              </a:lnSpc>
+              <a:spcBef>
+                <a:spcPct val="0"/>
+              </a:spcBef>
+              <a:spcAft>
+                <a:spcPct val="0"/>
+              </a:spcAft>
+              <a:buClrTx/>
+              <a:buSzTx/>
+              <a:buFontTx/>
+              <a:buNone/>
+              <a:tabLst/>
+              <a:defRPr/>
+            </a:pPr>
+            <a:r>
+              <a:rPr kumimoji="0" lang="en-US" sz="1200" b="0" i="0" u="none" strike="noStrike" kern="1200" cap="none" spc="0" normalizeH="0" baseline="0" noProof="0">
+                <a:ln>
+                  <a:noFill/>
+                </a:ln>
                 <a:solidFill>
                   <a:srgbClr val="898989"/>
                 </a:solidFill>
+                <a:effectLst/>
+                <a:uLnTx/>
+                <a:uFillTx/>
+                <a:latin typeface="Arial" charset="0"/>
+                <a:ea typeface="+mn-ea"/>
+                <a:cs typeface="+mn-cs"/>
               </a:rPr>
               <a:t>C++ Programming: From Problem Analysis to Program Design, Fifth Edition</a:t>
             </a:r>
@@ -6696,7 +10078,7 @@
       </p:sp>
       <p:sp>
         <p:nvSpPr>
-          <p:cNvPr id="26627" name="Slide Number Placeholder 5"/>
+          <p:cNvPr id="5" name="Slide Number Placeholder 4"/>
           <p:cNvSpPr>
             <a:spLocks noGrp="1"/>
           </p:cNvSpPr>
@@ -6709,17 +10091,381 @@
           <a:bodyPr/>
           <a:lstStyle/>
           <a:p>
-            <a:pPr>
-              <a:defRPr/>
-            </a:pPr>
-            <a:fld id="{1F2A81C1-B7BA-42FD-B40B-22E4C369B68C}" type="slidenum">
-              <a:rPr lang="en-US" smtClean="0"/>
-              <a:pPr>
+            <a:pPr marL="0" marR="0" lvl="0" indent="0" algn="r" defTabSz="914400" rtl="0" eaLnBrk="1" fontAlgn="base" latinLnBrk="0" hangingPunct="1">
+              <a:lnSpc>
+                <a:spcPct val="100000"/>
+              </a:lnSpc>
+              <a:spcBef>
+                <a:spcPct val="0"/>
+              </a:spcBef>
+              <a:spcAft>
+                <a:spcPct val="0"/>
+              </a:spcAft>
+              <a:buClrTx/>
+              <a:buSzTx/>
+              <a:buFontTx/>
+              <a:buNone/>
+              <a:tabLst/>
+              <a:defRPr/>
+            </a:pPr>
+            <a:fld id="{2D3B09E4-BC09-489E-A815-63470821D1B6}" type="slidenum">
+              <a:rPr kumimoji="0" lang="en-US" sz="1200" b="0" i="0" u="none" strike="noStrike" kern="1200" cap="none" spc="0" normalizeH="0" baseline="0" noProof="0" smtClean="0">
+                <a:ln>
+                  <a:noFill/>
+                </a:ln>
+                <a:solidFill>
+                  <a:prstClr val="black">
+                    <a:tint val="75000"/>
+                  </a:prstClr>
+                </a:solidFill>
+                <a:effectLst/>
+                <a:uLnTx/>
+                <a:uFillTx/>
+                <a:latin typeface="Arial" charset="0"/>
+                <a:ea typeface="+mn-ea"/>
+                <a:cs typeface="+mn-cs"/>
+              </a:rPr>
+              <a:pPr marL="0" marR="0" lvl="0" indent="0" algn="r" defTabSz="914400" rtl="0" eaLnBrk="1" fontAlgn="base" latinLnBrk="0" hangingPunct="1">
+                <a:lnSpc>
+                  <a:spcPct val="100000"/>
+                </a:lnSpc>
+                <a:spcBef>
+                  <a:spcPct val="0"/>
+                </a:spcBef>
+                <a:spcAft>
+                  <a:spcPct val="0"/>
+                </a:spcAft>
+                <a:buClrTx/>
+                <a:buSzTx/>
+                <a:buFontTx/>
+                <a:buNone/>
+                <a:tabLst/>
                 <a:defRPr/>
               </a:pPr>
               <a:t>2</a:t>
             </a:fld>
-            <a:endParaRPr lang="en-US"/>
+            <a:endParaRPr kumimoji="0" lang="en-US" sz="1200" b="0" i="0" u="none" strike="noStrike" kern="1200" cap="none" spc="0" normalizeH="0" baseline="0" noProof="0" dirty="0">
+              <a:ln>
+                <a:noFill/>
+              </a:ln>
+              <a:solidFill>
+                <a:prstClr val="black">
+                  <a:tint val="75000"/>
+                </a:prstClr>
+              </a:solidFill>
+              <a:effectLst/>
+              <a:uLnTx/>
+              <a:uFillTx/>
+              <a:latin typeface="Arial" charset="0"/>
+              <a:ea typeface="+mn-ea"/>
+              <a:cs typeface="+mn-cs"/>
+            </a:endParaRPr>
+          </a:p>
+        </p:txBody>
+      </p:sp>
+      <p:sp>
+        <p:nvSpPr>
+          <p:cNvPr id="3076" name="Picture 2" descr="http://shmector.com/_ph/6/432545951.png"/>
+          <p:cNvSpPr>
+            <a:spLocks noChangeAspect="1" noChangeArrowheads="1"/>
+          </p:cNvSpPr>
+          <p:nvPr/>
+        </p:nvSpPr>
+        <p:spPr bwMode="auto">
+          <a:xfrm>
+            <a:off x="1676400" y="609600"/>
+            <a:ext cx="5638800" cy="5638800"/>
+          </a:xfrm>
+          <a:prstGeom prst="rect">
+            <a:avLst/>
+          </a:prstGeom>
+          <a:noFill/>
+          <a:ln w="9525">
+            <a:noFill/>
+            <a:miter lim="800000"/>
+            <a:headEnd/>
+            <a:tailEnd/>
+          </a:ln>
+        </p:spPr>
+        <p:txBody>
+          <a:bodyPr/>
+          <a:lstStyle/>
+          <a:p>
+            <a:pPr marL="0" marR="0" lvl="0" indent="0" algn="l" defTabSz="914400" rtl="0" eaLnBrk="1" fontAlgn="base" latinLnBrk="0" hangingPunct="1">
+              <a:lnSpc>
+                <a:spcPct val="100000"/>
+              </a:lnSpc>
+              <a:spcBef>
+                <a:spcPct val="0"/>
+              </a:spcBef>
+              <a:spcAft>
+                <a:spcPct val="0"/>
+              </a:spcAft>
+              <a:buClrTx/>
+              <a:buSzTx/>
+              <a:buFontTx/>
+              <a:buNone/>
+              <a:tabLst/>
+              <a:defRPr/>
+            </a:pPr>
+            <a:endParaRPr kumimoji="0" lang="en-CA" sz="1800" b="0" i="0" u="none" strike="noStrike" kern="1200" cap="none" spc="0" normalizeH="0" baseline="0" noProof="0">
+              <a:ln>
+                <a:noFill/>
+              </a:ln>
+              <a:solidFill>
+                <a:srgbClr val="3333FF"/>
+              </a:solidFill>
+              <a:effectLst/>
+              <a:uLnTx/>
+              <a:uFillTx/>
+              <a:latin typeface="Arial" charset="0"/>
+              <a:ea typeface="+mn-ea"/>
+              <a:cs typeface="Arial" charset="0"/>
+            </a:endParaRPr>
+          </a:p>
+        </p:txBody>
+      </p:sp>
+      <p:sp>
+        <p:nvSpPr>
+          <p:cNvPr id="3077" name="TextBox 6"/>
+          <p:cNvSpPr txBox="1">
+            <a:spLocks noChangeArrowheads="1"/>
+          </p:cNvSpPr>
+          <p:nvPr/>
+        </p:nvSpPr>
+        <p:spPr bwMode="auto">
+          <a:xfrm>
+            <a:off x="2286000" y="2209800"/>
+            <a:ext cx="4267200" cy="2062163"/>
+          </a:xfrm>
+          <a:prstGeom prst="rect">
+            <a:avLst/>
+          </a:prstGeom>
+          <a:noFill/>
+          <a:ln w="9525">
+            <a:noFill/>
+            <a:miter lim="800000"/>
+            <a:headEnd/>
+            <a:tailEnd/>
+          </a:ln>
+        </p:spPr>
+        <p:txBody>
+          <a:bodyPr>
+            <a:spAutoFit/>
+          </a:bodyPr>
+          <a:lstStyle/>
+          <a:p>
+            <a:pPr marL="0" marR="0" lvl="0" indent="0" algn="l" defTabSz="914400" rtl="0" eaLnBrk="1" fontAlgn="base" latinLnBrk="0" hangingPunct="1">
+              <a:lnSpc>
+                <a:spcPct val="100000"/>
+              </a:lnSpc>
+              <a:spcBef>
+                <a:spcPct val="0"/>
+              </a:spcBef>
+              <a:spcAft>
+                <a:spcPct val="0"/>
+              </a:spcAft>
+              <a:buClrTx/>
+              <a:buSzTx/>
+              <a:buFont typeface="Wingdings" pitchFamily="2" charset="2"/>
+              <a:buChar char="ü"/>
+              <a:tabLst/>
+              <a:defRPr/>
+            </a:pPr>
+            <a:r>
+              <a:rPr kumimoji="0" lang="en-CA" sz="2200" b="0" i="0" u="none" strike="noStrike" kern="1200" cap="none" spc="0" normalizeH="0" baseline="0" noProof="0">
+                <a:ln>
+                  <a:noFill/>
+                </a:ln>
+                <a:solidFill>
+                  <a:srgbClr val="3333FF"/>
+                </a:solidFill>
+                <a:effectLst/>
+                <a:uLnTx/>
+                <a:uFillTx/>
+                <a:latin typeface="Arial" charset="0"/>
+                <a:ea typeface="+mn-ea"/>
+                <a:cs typeface="Arial" charset="0"/>
+              </a:rPr>
+              <a:t>Download textbook</a:t>
+            </a:r>
+          </a:p>
+          <a:p>
+            <a:pPr marL="0" marR="0" lvl="0" indent="0" algn="l" defTabSz="914400" rtl="0" eaLnBrk="1" fontAlgn="base" latinLnBrk="0" hangingPunct="1">
+              <a:lnSpc>
+                <a:spcPct val="100000"/>
+              </a:lnSpc>
+              <a:spcBef>
+                <a:spcPct val="0"/>
+              </a:spcBef>
+              <a:spcAft>
+                <a:spcPct val="0"/>
+              </a:spcAft>
+              <a:buClrTx/>
+              <a:buSzTx/>
+              <a:buFont typeface="Wingdings" pitchFamily="2" charset="2"/>
+              <a:buChar char="ü"/>
+              <a:tabLst/>
+              <a:defRPr/>
+            </a:pPr>
+            <a:r>
+              <a:rPr kumimoji="0" lang="en-CA" sz="2200" b="0" i="0" u="none" strike="noStrike" kern="1200" cap="none" spc="0" normalizeH="0" baseline="0" noProof="0">
+                <a:ln>
+                  <a:noFill/>
+                </a:ln>
+                <a:solidFill>
+                  <a:srgbClr val="3333FF"/>
+                </a:solidFill>
+                <a:effectLst/>
+                <a:uLnTx/>
+                <a:uFillTx/>
+                <a:latin typeface="Arial" charset="0"/>
+                <a:ea typeface="+mn-ea"/>
+                <a:cs typeface="Arial" charset="0"/>
+              </a:rPr>
+              <a:t>Read through</a:t>
+            </a:r>
+          </a:p>
+          <a:p>
+            <a:pPr marL="0" marR="0" lvl="0" indent="0" algn="l" defTabSz="914400" rtl="0" eaLnBrk="1" fontAlgn="base" latinLnBrk="0" hangingPunct="1">
+              <a:lnSpc>
+                <a:spcPct val="100000"/>
+              </a:lnSpc>
+              <a:spcBef>
+                <a:spcPct val="0"/>
+              </a:spcBef>
+              <a:spcAft>
+                <a:spcPct val="0"/>
+              </a:spcAft>
+              <a:buClrTx/>
+              <a:buSzTx/>
+              <a:buFont typeface="Wingdings" pitchFamily="2" charset="2"/>
+              <a:buChar char="ü"/>
+              <a:tabLst/>
+              <a:defRPr/>
+            </a:pPr>
+            <a:r>
+              <a:rPr kumimoji="0" lang="en-CA" sz="2200" b="0" i="0" u="none" strike="noStrike" kern="1200" cap="none" spc="0" normalizeH="0" baseline="0" noProof="0">
+                <a:ln>
+                  <a:noFill/>
+                </a:ln>
+                <a:solidFill>
+                  <a:srgbClr val="3333FF"/>
+                </a:solidFill>
+                <a:effectLst/>
+                <a:uLnTx/>
+                <a:uFillTx/>
+                <a:latin typeface="Arial" charset="0"/>
+                <a:ea typeface="+mn-ea"/>
+                <a:cs typeface="Arial" charset="0"/>
+              </a:rPr>
+              <a:t>Try examples using Dev C++</a:t>
+            </a:r>
+          </a:p>
+          <a:p>
+            <a:pPr marL="0" marR="0" lvl="0" indent="0" algn="l" defTabSz="914400" rtl="0" eaLnBrk="1" fontAlgn="base" latinLnBrk="0" hangingPunct="1">
+              <a:lnSpc>
+                <a:spcPct val="100000"/>
+              </a:lnSpc>
+              <a:spcBef>
+                <a:spcPct val="0"/>
+              </a:spcBef>
+              <a:spcAft>
+                <a:spcPct val="0"/>
+              </a:spcAft>
+              <a:buClrTx/>
+              <a:buSzTx/>
+              <a:buFont typeface="Wingdings" pitchFamily="2" charset="2"/>
+              <a:buChar char="ü"/>
+              <a:tabLst/>
+              <a:defRPr/>
+            </a:pPr>
+            <a:r>
+              <a:rPr kumimoji="0" lang="en-CA" sz="2200" b="0" i="0" u="none" strike="noStrike" kern="1200" cap="none" spc="0" normalizeH="0" baseline="0" noProof="0">
+                <a:ln>
+                  <a:noFill/>
+                </a:ln>
+                <a:solidFill>
+                  <a:srgbClr val="3333FF"/>
+                </a:solidFill>
+                <a:effectLst/>
+                <a:uLnTx/>
+                <a:uFillTx/>
+                <a:latin typeface="Arial" charset="0"/>
+                <a:ea typeface="+mn-ea"/>
+                <a:cs typeface="Arial" charset="0"/>
+              </a:rPr>
+              <a:t>Try End of chapter problems</a:t>
+            </a:r>
+          </a:p>
+          <a:p>
+            <a:pPr marL="0" marR="0" lvl="0" indent="0" algn="l" defTabSz="914400" rtl="0" eaLnBrk="1" fontAlgn="base" latinLnBrk="0" hangingPunct="1">
+              <a:lnSpc>
+                <a:spcPct val="100000"/>
+              </a:lnSpc>
+              <a:spcBef>
+                <a:spcPct val="0"/>
+              </a:spcBef>
+              <a:spcAft>
+                <a:spcPct val="0"/>
+              </a:spcAft>
+              <a:buClrTx/>
+              <a:buSzTx/>
+              <a:buFont typeface="Wingdings" pitchFamily="2" charset="2"/>
+              <a:buChar char="ü"/>
+              <a:tabLst/>
+              <a:defRPr/>
+            </a:pPr>
+            <a:r>
+              <a:rPr kumimoji="0" lang="en-CA" sz="2200" b="0" i="0" u="none" strike="noStrike" kern="1200" cap="none" spc="0" normalizeH="0" baseline="0" noProof="0">
+                <a:ln>
+                  <a:noFill/>
+                </a:ln>
+                <a:solidFill>
+                  <a:srgbClr val="3333FF"/>
+                </a:solidFill>
+                <a:effectLst/>
+                <a:uLnTx/>
+                <a:uFillTx/>
+                <a:latin typeface="Arial" charset="0"/>
+                <a:ea typeface="+mn-ea"/>
+                <a:cs typeface="Arial" charset="0"/>
+              </a:rPr>
+              <a:t>Do that in groups </a:t>
+            </a:r>
+          </a:p>
+          <a:p>
+            <a:pPr marL="0" marR="0" lvl="0" indent="0" algn="l" defTabSz="914400" rtl="0" eaLnBrk="1" fontAlgn="base" latinLnBrk="0" hangingPunct="1">
+              <a:lnSpc>
+                <a:spcPct val="100000"/>
+              </a:lnSpc>
+              <a:spcBef>
+                <a:spcPct val="0"/>
+              </a:spcBef>
+              <a:spcAft>
+                <a:spcPct val="0"/>
+              </a:spcAft>
+              <a:buClrTx/>
+              <a:buSzTx/>
+              <a:buFont typeface="Wingdings" pitchFamily="2" charset="2"/>
+              <a:buChar char="ü"/>
+              <a:tabLst/>
+              <a:defRPr/>
+            </a:pPr>
+            <a:endParaRPr kumimoji="0" lang="en-CA" sz="1800" b="0" i="0" u="none" strike="noStrike" kern="1200" cap="none" spc="0" normalizeH="0" baseline="0" noProof="0">
+              <a:ln>
+                <a:noFill/>
+              </a:ln>
+              <a:solidFill>
+                <a:srgbClr val="3333FF"/>
+              </a:solidFill>
+              <a:effectLst/>
+              <a:uLnTx/>
+              <a:uFillTx/>
+              <a:latin typeface="Arial" charset="0"/>
+              <a:ea typeface="+mn-ea"/>
+              <a:cs typeface="Arial" charset="0"/>
+            </a:endParaRPr>
           </a:p>
         </p:txBody>
       </p:sp>
@@ -6763,7 +10509,11 @@
           <a:bodyPr/>
           <a:lstStyle/>
           <a:p>
-            <a:endParaRPr lang="en-CA"/>
+            <a:r>
+              <a:rPr lang="en-US" dirty="0"/>
+              <a:t>Programming Challenge</a:t>
+            </a:r>
+            <a:endParaRPr lang="en-CA" dirty="0"/>
           </a:p>
         </p:txBody>
       </p:sp>
@@ -6777,193 +10527,51 @@
             <p:ph idx="1"/>
           </p:nvPr>
         </p:nvSpPr>
-        <p:spPr>
-          <a:xfrm>
-            <a:off x="1295400" y="1600200"/>
-            <a:ext cx="6400800" cy="4525963"/>
-          </a:xfrm>
-        </p:spPr>
+        <p:spPr/>
         <p:txBody>
           <a:bodyPr/>
           <a:lstStyle/>
           <a:p>
-            <a:pPr>
-              <a:buNone/>
-            </a:pPr>
-            <a:r>
-              <a:rPr lang="en-US" sz="1800" dirty="0"/>
-              <a:t>#include &lt;</a:t>
-            </a:r>
-            <a:r>
-              <a:rPr lang="en-US" sz="1800" dirty="0" err="1"/>
-              <a:t>iostream</a:t>
-            </a:r>
-            <a:r>
-              <a:rPr lang="en-US" sz="1800" dirty="0"/>
-              <a:t>&gt;</a:t>
-            </a:r>
-            <a:endParaRPr lang="en-CA" sz="1800" dirty="0"/>
-          </a:p>
-          <a:p>
-            <a:pPr>
-              <a:buNone/>
-            </a:pPr>
-            <a:r>
-              <a:rPr lang="en-US" sz="1800" dirty="0"/>
-              <a:t>#include&lt;string&gt;</a:t>
-            </a:r>
-            <a:endParaRPr lang="en-CA" sz="1800" dirty="0"/>
-          </a:p>
-          <a:p>
-            <a:pPr>
-              <a:buNone/>
-            </a:pPr>
-            <a:r>
-              <a:rPr lang="en-US" sz="1800" dirty="0"/>
-              <a:t>using namespace std;</a:t>
-            </a:r>
-            <a:endParaRPr lang="en-CA" sz="1800" dirty="0"/>
-          </a:p>
-          <a:p>
-            <a:pPr>
-              <a:buNone/>
-            </a:pPr>
-            <a:r>
-              <a:rPr lang="en-US" sz="1800" dirty="0"/>
-              <a:t> </a:t>
-            </a:r>
-            <a:endParaRPr lang="en-CA" sz="1800" dirty="0"/>
-          </a:p>
-          <a:p>
-            <a:pPr>
-              <a:buNone/>
-            </a:pPr>
-            <a:r>
-              <a:rPr lang="en-US" sz="1800" dirty="0" err="1"/>
-              <a:t>int</a:t>
-            </a:r>
-            <a:r>
-              <a:rPr lang="en-US" sz="1800" dirty="0"/>
-              <a:t> main()</a:t>
-            </a:r>
-            <a:endParaRPr lang="en-CA" sz="1800" dirty="0"/>
-          </a:p>
-          <a:p>
-            <a:pPr>
-              <a:buNone/>
-            </a:pPr>
-            <a:r>
-              <a:rPr lang="en-US" sz="1800" dirty="0"/>
-              <a:t>{</a:t>
-            </a:r>
-            <a:endParaRPr lang="en-CA" sz="1800" dirty="0"/>
-          </a:p>
-          <a:p>
-            <a:pPr>
-              <a:buNone/>
-            </a:pPr>
-            <a:r>
-              <a:rPr lang="en-US" sz="1800" dirty="0" err="1"/>
-              <a:t>int</a:t>
-            </a:r>
-            <a:r>
-              <a:rPr lang="en-US" sz="1800" dirty="0"/>
-              <a:t> Pos, </a:t>
-            </a:r>
-            <a:r>
-              <a:rPr lang="en-US" sz="1800" dirty="0" err="1"/>
-              <a:t>lnamePos</a:t>
-            </a:r>
-            <a:r>
-              <a:rPr lang="en-US" sz="1800" dirty="0"/>
-              <a:t>, </a:t>
-            </a:r>
-            <a:r>
-              <a:rPr lang="en-US" sz="1800" dirty="0" err="1"/>
-              <a:t>lnameLength</a:t>
-            </a:r>
-            <a:r>
-              <a:rPr lang="en-US" sz="1800" dirty="0"/>
-              <a:t>;</a:t>
-            </a:r>
-            <a:endParaRPr lang="en-CA" sz="1800" dirty="0"/>
-          </a:p>
-          <a:p>
-            <a:pPr>
-              <a:buNone/>
-            </a:pPr>
-            <a:r>
-              <a:rPr lang="en-US" sz="1800" dirty="0"/>
-              <a:t>string name;</a:t>
-            </a:r>
-            <a:endParaRPr lang="en-CA" sz="1800" dirty="0"/>
-          </a:p>
-          <a:p>
-            <a:pPr>
-              <a:buNone/>
-            </a:pPr>
-            <a:r>
-              <a:rPr lang="en-US" sz="1800" dirty="0"/>
-              <a:t>string </a:t>
-            </a:r>
-            <a:r>
-              <a:rPr lang="en-US" sz="1800" dirty="0" err="1"/>
-              <a:t>lname</a:t>
-            </a:r>
-            <a:r>
-              <a:rPr lang="en-US" sz="1800" dirty="0"/>
-              <a:t>;</a:t>
-            </a:r>
-            <a:endParaRPr lang="en-CA" sz="1800" dirty="0"/>
-          </a:p>
-          <a:p>
-            <a:pPr>
-              <a:buNone/>
-            </a:pPr>
-            <a:r>
-              <a:rPr lang="en-US" sz="1800" dirty="0"/>
-              <a:t> </a:t>
-            </a:r>
-            <a:endParaRPr lang="en-CA" sz="1800" dirty="0"/>
-          </a:p>
-          <a:p>
-            <a:pPr>
-              <a:buNone/>
-            </a:pPr>
-            <a:r>
-              <a:rPr lang="en-US" sz="1800" dirty="0" err="1"/>
-              <a:t>cout</a:t>
-            </a:r>
-            <a:r>
-              <a:rPr lang="en-US" sz="1800" dirty="0"/>
-              <a:t>&lt;&lt;"Enter you first name and last name: ";</a:t>
-            </a:r>
-            <a:endParaRPr lang="en-CA" sz="1800" dirty="0"/>
-          </a:p>
-          <a:p>
-            <a:pPr>
-              <a:buNone/>
-            </a:pPr>
-            <a:r>
-              <a:rPr lang="en-US" sz="1800" dirty="0" err="1"/>
+            <a:pPr algn="ctr">
+              <a:buNone/>
+            </a:pPr>
+            <a:r>
+              <a:rPr lang="en-US" dirty="0">
+                <a:solidFill>
+                  <a:srgbClr val="FF0000"/>
+                </a:solidFill>
+              </a:rPr>
+              <a:t>Write a program that read your full name (first and last) in one string using </a:t>
+            </a:r>
+            <a:r>
+              <a:rPr lang="en-US" i="1" dirty="0" err="1">
+                <a:solidFill>
+                  <a:srgbClr val="FF0000"/>
+                </a:solidFill>
+              </a:rPr>
               <a:t>getline</a:t>
             </a:r>
             <a:r>
-              <a:rPr lang="en-US" sz="1800" dirty="0"/>
-              <a:t>(</a:t>
-            </a:r>
-            <a:r>
-              <a:rPr lang="en-US" sz="1800" dirty="0" err="1"/>
-              <a:t>cin</a:t>
-            </a:r>
-            <a:r>
-              <a:rPr lang="en-US" sz="1800" dirty="0"/>
-              <a:t>, name);</a:t>
-            </a:r>
-            <a:endParaRPr lang="en-CA" sz="1800" dirty="0"/>
-          </a:p>
-          <a:p>
-            <a:endParaRPr lang="en-CA" dirty="0"/>
+              <a:rPr lang="en-US" i="1" dirty="0">
+                <a:solidFill>
+                  <a:srgbClr val="FF0000"/>
+                </a:solidFill>
+              </a:rPr>
+              <a:t>() </a:t>
+            </a:r>
+            <a:r>
+              <a:rPr lang="en-US" dirty="0">
+                <a:solidFill>
+                  <a:srgbClr val="FF0000"/>
+                </a:solidFill>
+              </a:rPr>
+              <a:t>function, and then prints back your last name.</a:t>
+            </a:r>
+            <a:endParaRPr lang="en-CA" dirty="0">
+              <a:solidFill>
+                <a:srgbClr val="FF0000"/>
+              </a:solidFill>
+            </a:endParaRPr>
           </a:p>
         </p:txBody>
       </p:sp>
@@ -7023,14 +10631,29 @@
         </p:nvSpPr>
         <p:spPr>
           <a:xfrm>
-            <a:off x="1219200" y="1600200"/>
-            <a:ext cx="6629400" cy="4525963"/>
+            <a:off x="1295400" y="1600200"/>
+            <a:ext cx="6400800" cy="4525963"/>
           </a:xfrm>
         </p:spPr>
         <p:txBody>
           <a:bodyPr/>
           <a:lstStyle/>
           <a:p>
+            <a:pPr>
+              <a:buNone/>
+            </a:pPr>
+            <a:r>
+              <a:rPr lang="en-US" sz="1800" dirty="0"/>
+              <a:t>#include &lt;</a:t>
+            </a:r>
+            <a:r>
+              <a:rPr lang="en-US" sz="1800" dirty="0" err="1"/>
+              <a:t>iostream</a:t>
+            </a:r>
+            <a:r>
+              <a:rPr lang="en-US" sz="1800" dirty="0"/>
+              <a:t>&gt;</a:t>
+            </a:r>
             <a:endParaRPr lang="en-CA" sz="1800" dirty="0"/>
           </a:p>
           <a:p>
@@ -7039,15 +10662,41 @@
             </a:pPr>
             <a:r>
               <a:rPr lang="en-US" sz="1800" dirty="0"/>
-              <a:t>Pos=</a:t>
-            </a:r>
+              <a:t>#include&lt;string&gt;</a:t>
+            </a:r>
+            <a:endParaRPr lang="en-CA" sz="1800" dirty="0"/>
+          </a:p>
+          <a:p>
+            <a:pPr>
+              <a:buNone/>
+            </a:pPr>
+            <a:r>
+              <a:rPr lang="en-US" sz="1800" dirty="0"/>
+              <a:t>using namespace std;</a:t>
+            </a:r>
+            <a:endParaRPr lang="en-CA" sz="1800" dirty="0"/>
+          </a:p>
+          <a:p>
+            <a:pPr>
+              <a:buNone/>
+            </a:pPr>
+            <a:r>
+              <a:rPr lang="en-US" sz="1800" dirty="0"/>
+              <a:t> </a:t>
+            </a:r>
+            <a:endParaRPr lang="en-CA" sz="1800" dirty="0"/>
+          </a:p>
+          <a:p>
+            <a:pPr>
+              <a:buNone/>
+            </a:pPr>
             <a:r>
               <a:rPr lang="en-US" sz="1800" dirty="0" err="1"/>
-              <a:t>name.find</a:t>
+              <a:t>int</a:t>
             </a:r>
             <a:r>
               <a:rPr lang="en-US" sz="1800" dirty="0"/>
-              <a:t>(' ');</a:t>
+              <a:t> main()</a:t>
             </a:r>
             <a:endParaRPr lang="en-CA" sz="1800" dirty="0"/>
           </a:p>
@@ -7055,39 +10704,63 @@
             <a:pPr>
               <a:buNone/>
             </a:pPr>
+            <a:r>
+              <a:rPr lang="en-US" sz="1800" dirty="0"/>
+              <a:t>{</a:t>
+            </a:r>
+            <a:endParaRPr lang="en-CA" sz="1800" dirty="0"/>
+          </a:p>
+          <a:p>
+            <a:pPr>
+              <a:buNone/>
+            </a:pPr>
+            <a:r>
+              <a:rPr lang="en-US" sz="1800" dirty="0" err="1"/>
+              <a:t>int</a:t>
+            </a:r>
+            <a:r>
+              <a:rPr lang="en-US" sz="1800" dirty="0"/>
+              <a:t> Pos, </a:t>
+            </a:r>
             <a:r>
               <a:rPr lang="en-US" sz="1800" dirty="0" err="1"/>
               <a:t>lnamePos</a:t>
             </a:r>
             <a:r>
               <a:rPr lang="en-US" sz="1800" dirty="0"/>
-              <a:t>= Pos+1;</a:t>
-            </a:r>
-            <a:endParaRPr lang="en-CA" sz="1800" dirty="0"/>
-          </a:p>
-          <a:p>
-            <a:pPr>
-              <a:buNone/>
-            </a:pPr>
+              <a:t>, </a:t>
+            </a:r>
             <a:r>
               <a:rPr lang="en-US" sz="1800" dirty="0" err="1"/>
               <a:t>lnameLength</a:t>
             </a:r>
             <a:r>
               <a:rPr lang="en-US" sz="1800" dirty="0"/>
-              <a:t>=</a:t>
+              <a:t>;</a:t>
+            </a:r>
+            <a:endParaRPr lang="en-CA" sz="1800" dirty="0"/>
+          </a:p>
+          <a:p>
+            <a:pPr>
+              <a:buNone/>
+            </a:pPr>
+            <a:r>
+              <a:rPr lang="en-US" sz="1800" dirty="0"/>
+              <a:t>string name;</a:t>
+            </a:r>
+            <a:endParaRPr lang="en-CA" sz="1800" dirty="0"/>
+          </a:p>
+          <a:p>
+            <a:pPr>
+              <a:buNone/>
+            </a:pPr>
+            <a:r>
+              <a:rPr lang="en-US" sz="1800" dirty="0"/>
+              <a:t>string </a:t>
             </a:r>
             <a:r>
               <a:rPr lang="en-US" sz="1800" dirty="0" err="1"/>
-              <a:t>name.length</a:t>
-            </a:r>
-            <a:r>
-              <a:rPr lang="en-US" sz="1800" dirty="0"/>
-              <a:t>()-</a:t>
-            </a:r>
-            <a:r>
-              <a:rPr lang="en-US" sz="1800" dirty="0" err="1"/>
-              <a:t>lnamePos</a:t>
+              <a:t>lname</a:t>
             </a:r>
             <a:r>
               <a:rPr lang="en-US" sz="1800" dirty="0"/>
@@ -7111,15 +10784,21 @@
             </a:pPr>
             <a:r>
               <a:rPr lang="en-US" sz="1800" dirty="0" err="1"/>
-              <a:t>lname</a:t>
+              <a:t>cout</a:t>
             </a:r>
             <a:r>
               <a:rPr lang="en-US" sz="1800" dirty="0"/>
-              <a:t>=</a:t>
-            </a:r>
+              <a:t>&lt;&lt;"Enter you first name and last name: ";</a:t>
+            </a:r>
+            <a:endParaRPr lang="en-CA" sz="1800" dirty="0"/>
+          </a:p>
+          <a:p>
+            <a:pPr>
+              <a:buNone/>
+            </a:pPr>
             <a:r>
               <a:rPr lang="en-US" sz="1800" dirty="0" err="1"/>
-              <a:t>name.substr</a:t>
+              <a:t>getline</a:t>
             </a:r>
             <a:r>
               <a:rPr lang="en-US" sz="1800" dirty="0"/>
@@ -7127,137 +10806,13 @@
             </a:r>
             <a:r>
               <a:rPr lang="en-US" sz="1800" dirty="0" err="1"/>
-              <a:t>lnamePos</a:t>
+              <a:t>cin</a:t>
             </a:r>
             <a:r>
               <a:rPr lang="en-US" sz="1800" dirty="0"/>
-              <a:t>, </a:t>
-            </a:r>
-            <a:r>
-              <a:rPr lang="en-US" sz="1800" dirty="0" err="1"/>
-              <a:t>lnameLength</a:t>
-            </a:r>
-            <a:r>
-              <a:rPr lang="en-US" sz="1800" dirty="0"/>
-              <a:t>);</a:t>
+              <a:t>, name);</a:t>
             </a:r>
             <a:endParaRPr lang="en-CA" sz="1800" dirty="0"/>
-          </a:p>
-          <a:p>
-            <a:pPr>
-              <a:buNone/>
-            </a:pPr>
-            <a:r>
-              <a:rPr lang="en-US" sz="1800" dirty="0"/>
-              <a:t> </a:t>
-            </a:r>
-            <a:endParaRPr lang="en-CA" sz="1800" dirty="0"/>
-          </a:p>
-          <a:p>
-            <a:pPr>
-              <a:buNone/>
-            </a:pPr>
-            <a:r>
-              <a:rPr lang="en-US" sz="1800" dirty="0" err="1"/>
-              <a:t>cout</a:t>
-            </a:r>
-            <a:r>
-              <a:rPr lang="en-US" sz="1800" dirty="0"/>
-              <a:t>&lt;&lt;"\n Your last name is: "&lt;&lt;</a:t>
-            </a:r>
-            <a:r>
-              <a:rPr lang="en-US" sz="1800" dirty="0" err="1"/>
-              <a:t>lname</a:t>
-            </a:r>
-            <a:r>
-              <a:rPr lang="en-US" sz="1800" dirty="0"/>
-              <a:t>&lt;&lt;</a:t>
-            </a:r>
-            <a:r>
-              <a:rPr lang="en-US" sz="1800" dirty="0" err="1"/>
-              <a:t>endl</a:t>
-            </a:r>
-            <a:r>
-              <a:rPr lang="en-US" sz="1800" dirty="0"/>
-              <a:t>&lt;&lt;</a:t>
-            </a:r>
-            <a:r>
-              <a:rPr lang="en-US" sz="1800" dirty="0" err="1"/>
-              <a:t>endl</a:t>
-            </a:r>
-            <a:r>
-              <a:rPr lang="en-US" sz="1800" dirty="0"/>
-              <a:t>&lt;&lt;</a:t>
-            </a:r>
-            <a:r>
-              <a:rPr lang="en-US" sz="1800" dirty="0" err="1"/>
-              <a:t>endl</a:t>
-            </a:r>
-            <a:r>
-              <a:rPr lang="en-US" sz="1800" dirty="0"/>
-              <a:t>;</a:t>
-            </a:r>
-            <a:endParaRPr lang="en-CA" sz="1800" dirty="0"/>
-          </a:p>
-          <a:p>
-            <a:pPr>
-              <a:buNone/>
-            </a:pPr>
-            <a:r>
-              <a:rPr lang="en-US" sz="1800" dirty="0"/>
-              <a:t> </a:t>
-            </a:r>
-            <a:endParaRPr lang="en-CA" sz="1800" dirty="0"/>
-          </a:p>
-          <a:p>
-            <a:pPr>
-              <a:buNone/>
-            </a:pPr>
-            <a:r>
-              <a:rPr lang="en-US" sz="1800" dirty="0"/>
-              <a:t>system("PAUSE");</a:t>
-            </a:r>
-            <a:endParaRPr lang="en-CA" sz="1800" dirty="0"/>
-          </a:p>
-          <a:p>
-            <a:pPr>
-              <a:buNone/>
-            </a:pPr>
-            <a:r>
-              <a:rPr lang="en-US" sz="1800" dirty="0"/>
-              <a:t> </a:t>
-            </a:r>
-            <a:endParaRPr lang="en-CA" sz="1800" dirty="0"/>
-          </a:p>
-          <a:p>
-            <a:pPr>
-              <a:buNone/>
-            </a:pPr>
-            <a:r>
-              <a:rPr lang="en-US" sz="1800" dirty="0"/>
-              <a:t>return 0;</a:t>
-            </a:r>
-            <a:endParaRPr lang="en-CA" sz="1800" dirty="0"/>
-          </a:p>
-          <a:p>
-            <a:pPr>
-              <a:buNone/>
-            </a:pPr>
-            <a:r>
-              <a:rPr lang="en-US" sz="1800" dirty="0"/>
-              <a:t>}</a:t>
-            </a:r>
-            <a:endParaRPr lang="en-CA" sz="1800" dirty="0"/>
-          </a:p>
-          <a:p>
-            <a:pPr>
-              <a:buNone/>
-            </a:pPr>
-            <a:r>
-              <a:rPr lang="en-US" dirty="0"/>
-              <a:t> </a:t>
-            </a:r>
-            <a:endParaRPr lang="en-CA" dirty="0"/>
           </a:p>
           <a:p>
             <a:endParaRPr lang="en-CA" dirty="0"/>
@@ -7304,413 +10859,260 @@
           <a:bodyPr/>
           <a:lstStyle/>
           <a:p>
-            <a:r>
-              <a:rPr lang="en-US" dirty="0"/>
-              <a:t>File input output handling</a:t>
-            </a:r>
-            <a:br>
-              <a:rPr lang="en-US" dirty="0"/>
-            </a:br>
-            <a:r>
-              <a:rPr lang="en-US" sz="3200" dirty="0"/>
-              <a:t>A quick Overview</a:t>
-            </a:r>
-            <a:endParaRPr lang="en-US" dirty="0"/>
-          </a:p>
-        </p:txBody>
-      </p:sp>
-      <p:sp>
-        <p:nvSpPr>
-          <p:cNvPr id="3" name="Rectangle 3"/>
-          <p:cNvSpPr txBox="1">
-            <a:spLocks noChangeArrowheads="1"/>
-          </p:cNvSpPr>
-          <p:nvPr/>
+            <a:endParaRPr lang="en-CA"/>
+          </a:p>
+        </p:txBody>
+      </p:sp>
+      <p:sp>
+        <p:nvSpPr>
+          <p:cNvPr id="3" name="Content Placeholder 2"/>
+          <p:cNvSpPr>
+            <a:spLocks noGrp="1"/>
+          </p:cNvSpPr>
+          <p:nvPr>
+            <p:ph idx="1"/>
+          </p:nvPr>
         </p:nvSpPr>
         <p:spPr>
           <a:xfrm>
-            <a:off x="457200" y="1600200"/>
-            <a:ext cx="8229600" cy="4525963"/>
+            <a:off x="1219200" y="1600200"/>
+            <a:ext cx="6629400" cy="4525963"/>
           </a:xfrm>
-          <a:prstGeom prst="rect">
-            <a:avLst/>
-          </a:prstGeom>
         </p:spPr>
         <p:txBody>
-          <a:bodyPr rtlCol="0">
-            <a:normAutofit lnSpcReduction="10000"/>
-          </a:bodyPr>
+          <a:bodyPr/>
           <a:lstStyle/>
           <a:p>
-            <a:pPr marL="347663" marR="0" lvl="0" indent="-347663" algn="l" defTabSz="914400" rtl="0" eaLnBrk="1" fontAlgn="auto" latinLnBrk="0" hangingPunct="1">
-              <a:lnSpc>
-                <a:spcPct val="100000"/>
-              </a:lnSpc>
-              <a:spcBef>
-                <a:spcPct val="20000"/>
-              </a:spcBef>
-              <a:spcAft>
-                <a:spcPts val="0"/>
-              </a:spcAft>
-              <a:buClrTx/>
-              <a:buSzTx/>
-              <a:buFont typeface="Arial" pitchFamily="34" charset="0"/>
-              <a:buChar char="•"/>
-              <a:tabLst/>
-              <a:defRPr/>
-            </a:pPr>
-            <a:r>
-              <a:rPr kumimoji="0" lang="en-US" sz="3200" b="0" i="0" u="sng" strike="noStrike" kern="1200" cap="none" spc="0" normalizeH="0" baseline="0" noProof="0" dirty="0">
-                <a:ln>
-                  <a:noFill/>
-                </a:ln>
-                <a:solidFill>
-                  <a:schemeClr val="tx1"/>
-                </a:solidFill>
-                <a:effectLst/>
-                <a:uLnTx/>
-                <a:uFillTx/>
-                <a:latin typeface="+mn-lt"/>
-                <a:ea typeface="+mn-ea"/>
-                <a:cs typeface="+mn-cs"/>
-              </a:rPr>
-              <a:t>File</a:t>
-            </a:r>
-            <a:r>
-              <a:rPr kumimoji="0" lang="en-US" sz="3200" b="0" i="0" u="none" strike="noStrike" kern="1200" cap="none" spc="0" normalizeH="0" baseline="0" noProof="0" dirty="0">
-                <a:ln>
-                  <a:noFill/>
-                </a:ln>
-                <a:solidFill>
-                  <a:schemeClr val="tx1"/>
-                </a:solidFill>
-                <a:effectLst/>
-                <a:uLnTx/>
-                <a:uFillTx/>
-                <a:latin typeface="+mn-lt"/>
-                <a:ea typeface="+mn-ea"/>
-                <a:cs typeface="+mn-cs"/>
-              </a:rPr>
-              <a:t>: area in secondary storage to hold info</a:t>
-            </a:r>
-          </a:p>
-          <a:p>
-            <a:pPr marL="347663" marR="0" lvl="0" indent="-347663" algn="l" defTabSz="914400" rtl="0" eaLnBrk="1" fontAlgn="auto" latinLnBrk="0" hangingPunct="1">
-              <a:lnSpc>
-                <a:spcPct val="100000"/>
-              </a:lnSpc>
-              <a:spcBef>
-                <a:spcPct val="20000"/>
-              </a:spcBef>
-              <a:spcAft>
-                <a:spcPts val="0"/>
-              </a:spcAft>
-              <a:buClrTx/>
-              <a:buSzTx/>
-              <a:buFont typeface="Arial" pitchFamily="34" charset="0"/>
-              <a:buChar char="•"/>
-              <a:tabLst/>
-              <a:defRPr/>
-            </a:pPr>
-            <a:r>
-              <a:rPr kumimoji="0" lang="en-US" sz="3200" b="0" i="0" u="none" strike="noStrike" kern="1200" cap="none" spc="0" normalizeH="0" baseline="0" noProof="0" dirty="0">
-                <a:ln>
-                  <a:noFill/>
-                </a:ln>
-                <a:solidFill>
-                  <a:schemeClr val="tx1"/>
-                </a:solidFill>
-                <a:effectLst/>
-                <a:uLnTx/>
-                <a:uFillTx/>
-                <a:latin typeface="+mn-lt"/>
-                <a:ea typeface="+mn-ea"/>
-                <a:cs typeface="+mn-cs"/>
-              </a:rPr>
-              <a:t>File I/O is a five-step process </a:t>
-            </a:r>
-          </a:p>
-          <a:p>
-            <a:pPr marL="858838" marR="0" lvl="1" indent="-401638" algn="l" defTabSz="914400" rtl="0" eaLnBrk="1" fontAlgn="auto" latinLnBrk="0" hangingPunct="1">
-              <a:lnSpc>
-                <a:spcPct val="100000"/>
-              </a:lnSpc>
-              <a:spcBef>
-                <a:spcPct val="20000"/>
-              </a:spcBef>
-              <a:spcAft>
-                <a:spcPts val="0"/>
-              </a:spcAft>
-              <a:buClrTx/>
-              <a:buSzTx/>
-              <a:buFont typeface="Arial" charset="0"/>
-              <a:buAutoNum type="arabicPeriod"/>
-              <a:tabLst/>
-              <a:defRPr/>
-            </a:pPr>
-            <a:r>
-              <a:rPr kumimoji="0" lang="en-US" sz="2800" b="0" i="0" u="none" strike="noStrike" kern="1200" cap="none" spc="0" normalizeH="0" baseline="0" noProof="0" dirty="0">
-                <a:ln>
-                  <a:noFill/>
-                </a:ln>
-                <a:solidFill>
-                  <a:schemeClr val="tx1"/>
-                </a:solidFill>
-                <a:effectLst/>
-                <a:uLnTx/>
-                <a:uFillTx/>
-                <a:latin typeface="+mn-lt"/>
-                <a:ea typeface="+mn-ea"/>
-                <a:cs typeface="+mn-cs"/>
-              </a:rPr>
-              <a:t>Include </a:t>
-            </a:r>
-            <a:r>
-              <a:rPr kumimoji="0" lang="en-US" sz="2800" b="0" i="0" u="none" strike="noStrike" kern="1200" cap="none" spc="0" normalizeH="0" baseline="0" noProof="0" dirty="0" err="1">
-                <a:ln>
-                  <a:noFill/>
-                </a:ln>
-                <a:solidFill>
-                  <a:schemeClr val="tx1"/>
-                </a:solidFill>
-                <a:effectLst/>
-                <a:uLnTx/>
-                <a:uFillTx/>
-                <a:latin typeface="Courier New" pitchFamily="49" charset="0"/>
-                <a:ea typeface="+mn-ea"/>
-                <a:cs typeface="+mn-cs"/>
-              </a:rPr>
-              <a:t>fstream</a:t>
-            </a:r>
-            <a:r>
-              <a:rPr kumimoji="0" lang="en-US" sz="2800" b="0" i="0" u="none" strike="noStrike" kern="1200" cap="none" spc="0" normalizeH="0" baseline="0" noProof="0" dirty="0">
-                <a:ln>
-                  <a:noFill/>
-                </a:ln>
-                <a:solidFill>
-                  <a:schemeClr val="tx1"/>
-                </a:solidFill>
-                <a:effectLst/>
-                <a:uLnTx/>
-                <a:uFillTx/>
-                <a:latin typeface="+mn-lt"/>
-                <a:ea typeface="+mn-ea"/>
-                <a:cs typeface="+mn-cs"/>
-              </a:rPr>
-              <a:t> header</a:t>
-            </a:r>
-          </a:p>
-          <a:p>
-            <a:pPr marL="858838" marR="0" lvl="1" indent="-401638" algn="l" defTabSz="914400" rtl="0" eaLnBrk="1" fontAlgn="auto" latinLnBrk="0" hangingPunct="1">
-              <a:lnSpc>
-                <a:spcPct val="100000"/>
-              </a:lnSpc>
-              <a:spcBef>
-                <a:spcPct val="20000"/>
-              </a:spcBef>
-              <a:spcAft>
-                <a:spcPts val="0"/>
-              </a:spcAft>
-              <a:buClrTx/>
-              <a:buSzTx/>
-              <a:buFont typeface="Arial" charset="0"/>
-              <a:buAutoNum type="arabicPeriod"/>
-              <a:tabLst/>
-              <a:defRPr/>
-            </a:pPr>
-            <a:r>
-              <a:rPr kumimoji="0" lang="en-US" sz="2800" b="0" i="0" u="none" strike="noStrike" kern="1200" cap="none" spc="0" normalizeH="0" baseline="0" noProof="0" dirty="0">
-                <a:ln>
-                  <a:noFill/>
-                </a:ln>
-                <a:solidFill>
-                  <a:schemeClr val="tx1"/>
-                </a:solidFill>
-                <a:effectLst/>
-                <a:uLnTx/>
-                <a:uFillTx/>
-                <a:latin typeface="+mn-lt"/>
-                <a:ea typeface="+mn-ea"/>
-                <a:cs typeface="+mn-cs"/>
-              </a:rPr>
-              <a:t>Declare file stream variables</a:t>
-            </a:r>
-          </a:p>
-          <a:p>
-            <a:pPr marL="858838" marR="0" lvl="1" indent="-401638" algn="l" defTabSz="914400" rtl="0" eaLnBrk="1" fontAlgn="auto" latinLnBrk="0" hangingPunct="1">
-              <a:lnSpc>
-                <a:spcPct val="100000"/>
-              </a:lnSpc>
-              <a:spcBef>
-                <a:spcPct val="20000"/>
-              </a:spcBef>
-              <a:spcAft>
-                <a:spcPts val="0"/>
-              </a:spcAft>
-              <a:buClrTx/>
-              <a:buSzTx/>
-              <a:buFont typeface="Arial" charset="0"/>
-              <a:buAutoNum type="arabicPeriod"/>
-              <a:tabLst/>
-              <a:defRPr/>
-            </a:pPr>
-            <a:r>
-              <a:rPr kumimoji="0" lang="en-US" sz="2800" b="0" i="0" u="none" strike="noStrike" kern="1200" cap="none" spc="0" normalizeH="0" baseline="0" noProof="0" dirty="0">
-                <a:ln>
-                  <a:noFill/>
-                </a:ln>
-                <a:solidFill>
-                  <a:schemeClr val="tx1"/>
-                </a:solidFill>
-                <a:effectLst/>
-                <a:uLnTx/>
-                <a:uFillTx/>
-                <a:latin typeface="+mn-lt"/>
-                <a:ea typeface="+mn-ea"/>
-                <a:cs typeface="+mn-cs"/>
-              </a:rPr>
-              <a:t>Associate the file stream variables with the input/output sources</a:t>
-            </a:r>
-          </a:p>
-          <a:p>
-            <a:pPr marL="858838" marR="0" lvl="1" indent="-401638" algn="l" defTabSz="914400" rtl="0" eaLnBrk="1" fontAlgn="auto" latinLnBrk="0" hangingPunct="1">
-              <a:lnSpc>
-                <a:spcPct val="100000"/>
-              </a:lnSpc>
-              <a:spcBef>
-                <a:spcPct val="20000"/>
-              </a:spcBef>
-              <a:spcAft>
-                <a:spcPts val="0"/>
-              </a:spcAft>
-              <a:buClrTx/>
-              <a:buSzTx/>
-              <a:buFont typeface="Arial" charset="0"/>
-              <a:buAutoNum type="arabicPeriod"/>
-              <a:tabLst/>
-              <a:defRPr/>
-            </a:pPr>
-            <a:r>
-              <a:rPr kumimoji="0" lang="en-US" sz="2800" b="0" i="0" u="none" strike="noStrike" kern="1200" cap="none" spc="0" normalizeH="0" baseline="0" noProof="0" dirty="0">
-                <a:ln>
-                  <a:noFill/>
-                </a:ln>
-                <a:solidFill>
-                  <a:schemeClr val="tx1"/>
-                </a:solidFill>
-                <a:effectLst/>
-                <a:uLnTx/>
-                <a:uFillTx/>
-                <a:latin typeface="+mn-lt"/>
-                <a:ea typeface="+mn-ea"/>
-                <a:cs typeface="+mn-cs"/>
-              </a:rPr>
-              <a:t>Use the file stream variables with </a:t>
-            </a:r>
-            <a:r>
-              <a:rPr kumimoji="0" lang="en-US" sz="2800" b="0" i="0" u="none" strike="noStrike" kern="1200" cap="none" spc="0" normalizeH="0" baseline="0" noProof="0" dirty="0">
-                <a:ln>
-                  <a:noFill/>
-                </a:ln>
-                <a:solidFill>
-                  <a:schemeClr val="tx1"/>
-                </a:solidFill>
-                <a:effectLst/>
-                <a:uLnTx/>
-                <a:uFillTx/>
-                <a:latin typeface="Courier New" pitchFamily="49" charset="0"/>
-                <a:ea typeface="+mn-ea"/>
-                <a:cs typeface="+mn-cs"/>
-              </a:rPr>
-              <a:t>&gt;&gt;</a:t>
-            </a:r>
-            <a:r>
-              <a:rPr kumimoji="0" lang="en-US" sz="2800" b="0" i="0" u="none" strike="noStrike" kern="1200" cap="none" spc="0" normalizeH="0" baseline="0" noProof="0" dirty="0">
-                <a:ln>
-                  <a:noFill/>
-                </a:ln>
-                <a:solidFill>
-                  <a:schemeClr val="tx1"/>
-                </a:solidFill>
-                <a:effectLst/>
-                <a:uLnTx/>
-                <a:uFillTx/>
-                <a:latin typeface="+mn-lt"/>
-                <a:ea typeface="+mn-ea"/>
-                <a:cs typeface="+mn-cs"/>
-              </a:rPr>
+            <a:endParaRPr lang="en-CA" sz="1800" dirty="0"/>
+          </a:p>
+          <a:p>
+            <a:pPr>
+              <a:buNone/>
+            </a:pPr>
+            <a:r>
+              <a:rPr lang="en-US" sz="1800" dirty="0"/>
+              <a:t>Pos=</a:t>
+            </a:r>
+            <a:r>
+              <a:rPr lang="en-US" sz="1800" dirty="0" err="1"/>
+              <a:t>name.find</a:t>
+            </a:r>
+            <a:r>
+              <a:rPr lang="en-US" sz="1800" dirty="0"/>
+              <a:t>(' ');</a:t>
+            </a:r>
+            <a:endParaRPr lang="en-CA" sz="1800" dirty="0"/>
+          </a:p>
+          <a:p>
+            <a:pPr>
+              <a:buNone/>
+            </a:pPr>
+            <a:r>
+              <a:rPr lang="en-US" sz="1800" dirty="0" err="1"/>
+              <a:t>lnamePos</a:t>
+            </a:r>
+            <a:r>
+              <a:rPr lang="en-US" sz="1800" dirty="0"/>
+              <a:t>= Pos+1;</a:t>
+            </a:r>
+            <a:endParaRPr lang="en-CA" sz="1800" dirty="0"/>
+          </a:p>
+          <a:p>
+            <a:pPr>
+              <a:buNone/>
+            </a:pPr>
+            <a:r>
+              <a:rPr lang="en-US" sz="1800" dirty="0" err="1"/>
+              <a:t>lnameLength</a:t>
+            </a:r>
+            <a:r>
+              <a:rPr lang="en-US" sz="1800" dirty="0"/>
+              <a:t>=</a:t>
+            </a:r>
+            <a:r>
+              <a:rPr lang="en-US" sz="1800" dirty="0" err="1"/>
+              <a:t>name.length</a:t>
+            </a:r>
+            <a:r>
+              <a:rPr lang="en-US" sz="1800" dirty="0"/>
+              <a:t>()-</a:t>
+            </a:r>
+            <a:r>
+              <a:rPr lang="en-US" sz="1800" dirty="0" err="1"/>
+              <a:t>lnamePos</a:t>
+            </a:r>
+            <a:r>
+              <a:rPr lang="en-US" sz="1800" dirty="0"/>
+              <a:t>;</a:t>
+            </a:r>
+            <a:endParaRPr lang="en-CA" sz="1800" dirty="0"/>
+          </a:p>
+          <a:p>
+            <a:pPr>
+              <a:buNone/>
+            </a:pPr>
+            <a:r>
+              <a:rPr lang="en-US" sz="1800" dirty="0"/>
+              <a:t> </a:t>
+            </a:r>
+            <a:endParaRPr lang="en-CA" sz="1800" dirty="0"/>
+          </a:p>
+          <a:p>
+            <a:pPr>
+              <a:buNone/>
+            </a:pPr>
+            <a:r>
+              <a:rPr lang="en-US" sz="1800" dirty="0" err="1"/>
+              <a:t>lname</a:t>
+            </a:r>
+            <a:r>
+              <a:rPr lang="en-US" sz="1800" dirty="0"/>
+              <a:t>=</a:t>
+            </a:r>
+            <a:r>
+              <a:rPr lang="en-US" sz="1800" dirty="0" err="1"/>
+              <a:t>name.substr</a:t>
+            </a:r>
+            <a:r>
+              <a:rPr lang="en-US" sz="1800" dirty="0"/>
+              <a:t>(</a:t>
+            </a:r>
+            <a:r>
+              <a:rPr lang="en-US" sz="1800" dirty="0" err="1"/>
+              <a:t>lnamePos</a:t>
+            </a:r>
+            <a:r>
+              <a:rPr lang="en-US" sz="1800" dirty="0"/>
               <a:t>, </a:t>
             </a:r>
             <a:r>
-              <a:rPr kumimoji="0" lang="en-US" sz="2800" b="0" i="0" u="none" strike="noStrike" kern="1200" cap="none" spc="0" normalizeH="0" baseline="0" noProof="0" dirty="0">
-                <a:ln>
-                  <a:noFill/>
-                </a:ln>
-                <a:solidFill>
-                  <a:schemeClr val="tx1"/>
-                </a:solidFill>
-                <a:effectLst/>
-                <a:uLnTx/>
-                <a:uFillTx/>
-                <a:latin typeface="Courier New" pitchFamily="49" charset="0"/>
-                <a:ea typeface="+mn-ea"/>
-                <a:cs typeface="+mn-cs"/>
-              </a:rPr>
+              <a:rPr lang="en-US" sz="1800" dirty="0" err="1"/>
+              <a:t>lnameLength</a:t>
+            </a:r>
+            <a:r>
+              <a:rPr lang="en-US" sz="1800" dirty="0"/>
+              <a:t>);</a:t>
+            </a:r>
+            <a:endParaRPr lang="en-CA" sz="1800" dirty="0"/>
+          </a:p>
+          <a:p>
+            <a:pPr>
+              <a:buNone/>
+            </a:pPr>
+            <a:r>
+              <a:rPr lang="en-US" sz="1800" dirty="0"/>
+              <a:t> </a:t>
+            </a:r>
+            <a:endParaRPr lang="en-CA" sz="1800" dirty="0"/>
+          </a:p>
+          <a:p>
+            <a:pPr>
+              <a:buNone/>
+            </a:pPr>
+            <a:r>
+              <a:rPr lang="en-US" sz="1800" dirty="0" err="1"/>
+              <a:t>cout</a:t>
+            </a:r>
+            <a:r>
+              <a:rPr lang="en-US" sz="1800" dirty="0"/>
+              <a:t>&lt;&lt;"\n Your last name is: "&lt;&lt;</a:t>
+            </a:r>
+            <a:r>
+              <a:rPr lang="en-US" sz="1800" dirty="0" err="1"/>
+              <a:t>lname</a:t>
+            </a:r>
+            <a:r>
+              <a:rPr lang="en-US" sz="1800" dirty="0"/>
               <a:t>&lt;&lt;</a:t>
             </a:r>
             <a:r>
-              <a:rPr kumimoji="0" lang="en-US" sz="2800" b="0" i="0" u="none" strike="noStrike" kern="1200" cap="none" spc="0" normalizeH="0" baseline="0" noProof="0" dirty="0">
-                <a:ln>
-                  <a:noFill/>
-                </a:ln>
-                <a:solidFill>
-                  <a:schemeClr val="tx1"/>
-                </a:solidFill>
-                <a:effectLst/>
-                <a:uLnTx/>
-                <a:uFillTx/>
-                <a:latin typeface="+mn-lt"/>
-                <a:ea typeface="+mn-ea"/>
-                <a:cs typeface="+mn-cs"/>
-              </a:rPr>
-              <a:t>, or other input/output functions</a:t>
-            </a:r>
-          </a:p>
-          <a:p>
-            <a:pPr marL="858838" marR="0" lvl="1" indent="-401638" algn="l" defTabSz="914400" rtl="0" eaLnBrk="1" fontAlgn="auto" latinLnBrk="0" hangingPunct="1">
-              <a:lnSpc>
-                <a:spcPct val="100000"/>
-              </a:lnSpc>
-              <a:spcBef>
-                <a:spcPct val="20000"/>
-              </a:spcBef>
-              <a:spcAft>
-                <a:spcPts val="0"/>
-              </a:spcAft>
-              <a:buClrTx/>
-              <a:buSzTx/>
-              <a:buFont typeface="Arial" charset="0"/>
-              <a:buAutoNum type="arabicPeriod"/>
-              <a:tabLst/>
-              <a:defRPr/>
-            </a:pPr>
-            <a:r>
-              <a:rPr kumimoji="0" lang="en-US" sz="2800" b="0" i="0" u="none" strike="noStrike" kern="1200" cap="none" spc="0" normalizeH="0" baseline="0" noProof="0" dirty="0">
-                <a:ln>
-                  <a:noFill/>
-                </a:ln>
-                <a:solidFill>
-                  <a:schemeClr val="tx1"/>
-                </a:solidFill>
-                <a:effectLst/>
-                <a:uLnTx/>
-                <a:uFillTx/>
-                <a:latin typeface="+mn-lt"/>
-                <a:ea typeface="+mn-ea"/>
-                <a:cs typeface="+mn-cs"/>
-              </a:rPr>
-              <a:t>Close the files</a:t>
-            </a:r>
+              <a:rPr lang="en-US" sz="1800" dirty="0" err="1"/>
+              <a:t>endl</a:t>
+            </a:r>
+            <a:r>
+              <a:rPr lang="en-US" sz="1800" dirty="0"/>
+              <a:t>&lt;&lt;</a:t>
+            </a:r>
+            <a:r>
+              <a:rPr lang="en-US" sz="1800" dirty="0" err="1"/>
+              <a:t>endl</a:t>
+            </a:r>
+            <a:r>
+              <a:rPr lang="en-US" sz="1800" dirty="0"/>
+              <a:t>&lt;&lt;</a:t>
+            </a:r>
+            <a:r>
+              <a:rPr lang="en-US" sz="1800" dirty="0" err="1"/>
+              <a:t>endl</a:t>
+            </a:r>
+            <a:r>
+              <a:rPr lang="en-US" sz="1800" dirty="0"/>
+              <a:t>;</a:t>
+            </a:r>
+            <a:endParaRPr lang="en-CA" sz="1800" dirty="0"/>
+          </a:p>
+          <a:p>
+            <a:pPr>
+              <a:buNone/>
+            </a:pPr>
+            <a:r>
+              <a:rPr lang="en-US" sz="1800" dirty="0"/>
+              <a:t> </a:t>
+            </a:r>
+            <a:endParaRPr lang="en-CA" sz="1800" dirty="0"/>
+          </a:p>
+          <a:p>
+            <a:pPr>
+              <a:buNone/>
+            </a:pPr>
+            <a:r>
+              <a:rPr lang="en-US" sz="1800" dirty="0"/>
+              <a:t>system("PAUSE");</a:t>
+            </a:r>
+            <a:endParaRPr lang="en-CA" sz="1800" dirty="0"/>
+          </a:p>
+          <a:p>
+            <a:pPr>
+              <a:buNone/>
+            </a:pPr>
+            <a:r>
+              <a:rPr lang="en-US" sz="1800" dirty="0"/>
+              <a:t> </a:t>
+            </a:r>
+            <a:endParaRPr lang="en-CA" sz="1800" dirty="0"/>
+          </a:p>
+          <a:p>
+            <a:pPr>
+              <a:buNone/>
+            </a:pPr>
+            <a:r>
+              <a:rPr lang="en-US" sz="1800" dirty="0"/>
+              <a:t>return 0;</a:t>
+            </a:r>
+            <a:endParaRPr lang="en-CA" sz="1800" dirty="0"/>
+          </a:p>
+          <a:p>
+            <a:pPr>
+              <a:buNone/>
+            </a:pPr>
+            <a:r>
+              <a:rPr lang="en-US" sz="1800" dirty="0"/>
+              <a:t>}</a:t>
+            </a:r>
+            <a:endParaRPr lang="en-CA" sz="1800" dirty="0"/>
+          </a:p>
+          <a:p>
+            <a:pPr>
+              <a:buNone/>
+            </a:pPr>
+            <a:r>
+              <a:rPr lang="en-US" dirty="0"/>
+              <a:t> </a:t>
+            </a:r>
+            <a:endParaRPr lang="en-CA" dirty="0"/>
+          </a:p>
+          <a:p>
+            <a:endParaRPr lang="en-CA" dirty="0"/>
           </a:p>
         </p:txBody>
       </p:sp>
@@ -7756,6 +11158,456 @@
           <a:p>
             <a:r>
               <a:rPr lang="en-US" dirty="0"/>
+              <a:t>File input output handling</a:t>
+            </a:r>
+            <a:br>
+              <a:rPr lang="en-US" dirty="0"/>
+            </a:br>
+            <a:r>
+              <a:rPr lang="en-US" sz="3200" dirty="0"/>
+              <a:t>A quick Overview</a:t>
+            </a:r>
+            <a:endParaRPr lang="en-US" dirty="0"/>
+          </a:p>
+        </p:txBody>
+      </p:sp>
+      <p:sp>
+        <p:nvSpPr>
+          <p:cNvPr id="3" name="Rectangle 3"/>
+          <p:cNvSpPr txBox="1">
+            <a:spLocks noChangeArrowheads="1"/>
+          </p:cNvSpPr>
+          <p:nvPr/>
+        </p:nvSpPr>
+        <p:spPr>
+          <a:xfrm>
+            <a:off x="457200" y="1600200"/>
+            <a:ext cx="8229600" cy="4525963"/>
+          </a:xfrm>
+          <a:prstGeom prst="rect">
+            <a:avLst/>
+          </a:prstGeom>
+        </p:spPr>
+        <p:txBody>
+          <a:bodyPr rtlCol="0">
+            <a:normAutofit lnSpcReduction="10000"/>
+          </a:bodyPr>
+          <a:lstStyle/>
+          <a:p>
+            <a:pPr marL="347663" marR="0" lvl="0" indent="-347663" algn="l" defTabSz="914400" rtl="0" eaLnBrk="1" fontAlgn="auto" latinLnBrk="0" hangingPunct="1">
+              <a:lnSpc>
+                <a:spcPct val="100000"/>
+              </a:lnSpc>
+              <a:spcBef>
+                <a:spcPct val="20000"/>
+              </a:spcBef>
+              <a:spcAft>
+                <a:spcPts val="0"/>
+              </a:spcAft>
+              <a:buClrTx/>
+              <a:buSzTx/>
+              <a:buFont typeface="Arial" pitchFamily="34" charset="0"/>
+              <a:buChar char="•"/>
+              <a:tabLst/>
+              <a:defRPr/>
+            </a:pPr>
+            <a:r>
+              <a:rPr kumimoji="0" lang="en-US" sz="3200" b="0" i="0" u="sng" strike="noStrike" kern="1200" cap="none" spc="0" normalizeH="0" baseline="0" noProof="0" dirty="0">
+                <a:ln>
+                  <a:noFill/>
+                </a:ln>
+                <a:solidFill>
+                  <a:schemeClr val="tx1"/>
+                </a:solidFill>
+                <a:effectLst/>
+                <a:uLnTx/>
+                <a:uFillTx/>
+                <a:latin typeface="+mn-lt"/>
+                <a:ea typeface="+mn-ea"/>
+                <a:cs typeface="+mn-cs"/>
+              </a:rPr>
+              <a:t>File</a:t>
+            </a:r>
+            <a:r>
+              <a:rPr kumimoji="0" lang="en-US" sz="3200" b="0" i="0" u="none" strike="noStrike" kern="1200" cap="none" spc="0" normalizeH="0" baseline="0" noProof="0" dirty="0">
+                <a:ln>
+                  <a:noFill/>
+                </a:ln>
+                <a:solidFill>
+                  <a:schemeClr val="tx1"/>
+                </a:solidFill>
+                <a:effectLst/>
+                <a:uLnTx/>
+                <a:uFillTx/>
+                <a:latin typeface="+mn-lt"/>
+                <a:ea typeface="+mn-ea"/>
+                <a:cs typeface="+mn-cs"/>
+              </a:rPr>
+              <a:t>: area in secondary storage to hold info</a:t>
+            </a:r>
+          </a:p>
+          <a:p>
+            <a:pPr marL="347663" marR="0" lvl="0" indent="-347663" algn="l" defTabSz="914400" rtl="0" eaLnBrk="1" fontAlgn="auto" latinLnBrk="0" hangingPunct="1">
+              <a:lnSpc>
+                <a:spcPct val="100000"/>
+              </a:lnSpc>
+              <a:spcBef>
+                <a:spcPct val="20000"/>
+              </a:spcBef>
+              <a:spcAft>
+                <a:spcPts val="0"/>
+              </a:spcAft>
+              <a:buClrTx/>
+              <a:buSzTx/>
+              <a:buFont typeface="Arial" pitchFamily="34" charset="0"/>
+              <a:buChar char="•"/>
+              <a:tabLst/>
+              <a:defRPr/>
+            </a:pPr>
+            <a:r>
+              <a:rPr kumimoji="0" lang="en-US" sz="3200" b="0" i="0" u="none" strike="noStrike" kern="1200" cap="none" spc="0" normalizeH="0" baseline="0" noProof="0" dirty="0">
+                <a:ln>
+                  <a:noFill/>
+                </a:ln>
+                <a:solidFill>
+                  <a:schemeClr val="tx1"/>
+                </a:solidFill>
+                <a:effectLst/>
+                <a:uLnTx/>
+                <a:uFillTx/>
+                <a:latin typeface="+mn-lt"/>
+                <a:ea typeface="+mn-ea"/>
+                <a:cs typeface="+mn-cs"/>
+              </a:rPr>
+              <a:t>File I/O is a five-step process </a:t>
+            </a:r>
+          </a:p>
+          <a:p>
+            <a:pPr marL="858838" marR="0" lvl="1" indent="-401638" algn="l" defTabSz="914400" rtl="0" eaLnBrk="1" fontAlgn="auto" latinLnBrk="0" hangingPunct="1">
+              <a:lnSpc>
+                <a:spcPct val="100000"/>
+              </a:lnSpc>
+              <a:spcBef>
+                <a:spcPct val="20000"/>
+              </a:spcBef>
+              <a:spcAft>
+                <a:spcPts val="0"/>
+              </a:spcAft>
+              <a:buClrTx/>
+              <a:buSzTx/>
+              <a:buFont typeface="Arial" charset="0"/>
+              <a:buAutoNum type="arabicPeriod"/>
+              <a:tabLst/>
+              <a:defRPr/>
+            </a:pPr>
+            <a:r>
+              <a:rPr kumimoji="0" lang="en-US" sz="2800" b="0" i="0" u="none" strike="noStrike" kern="1200" cap="none" spc="0" normalizeH="0" baseline="0" noProof="0" dirty="0">
+                <a:ln>
+                  <a:noFill/>
+                </a:ln>
+                <a:solidFill>
+                  <a:schemeClr val="tx1"/>
+                </a:solidFill>
+                <a:effectLst/>
+                <a:uLnTx/>
+                <a:uFillTx/>
+                <a:latin typeface="+mn-lt"/>
+                <a:ea typeface="+mn-ea"/>
+                <a:cs typeface="+mn-cs"/>
+              </a:rPr>
+              <a:t>Include </a:t>
+            </a:r>
+            <a:r>
+              <a:rPr kumimoji="0" lang="en-US" sz="2800" b="0" i="0" u="none" strike="noStrike" kern="1200" cap="none" spc="0" normalizeH="0" baseline="0" noProof="0" dirty="0" err="1">
+                <a:ln>
+                  <a:noFill/>
+                </a:ln>
+                <a:solidFill>
+                  <a:schemeClr val="tx1"/>
+                </a:solidFill>
+                <a:effectLst/>
+                <a:uLnTx/>
+                <a:uFillTx/>
+                <a:latin typeface="Courier New" pitchFamily="49" charset="0"/>
+                <a:ea typeface="+mn-ea"/>
+                <a:cs typeface="+mn-cs"/>
+              </a:rPr>
+              <a:t>fstream</a:t>
+            </a:r>
+            <a:r>
+              <a:rPr kumimoji="0" lang="en-US" sz="2800" b="0" i="0" u="none" strike="noStrike" kern="1200" cap="none" spc="0" normalizeH="0" baseline="0" noProof="0" dirty="0">
+                <a:ln>
+                  <a:noFill/>
+                </a:ln>
+                <a:solidFill>
+                  <a:schemeClr val="tx1"/>
+                </a:solidFill>
+                <a:effectLst/>
+                <a:uLnTx/>
+                <a:uFillTx/>
+                <a:latin typeface="+mn-lt"/>
+                <a:ea typeface="+mn-ea"/>
+                <a:cs typeface="+mn-cs"/>
+              </a:rPr>
+              <a:t> header</a:t>
+            </a:r>
+          </a:p>
+          <a:p>
+            <a:pPr marL="858838" marR="0" lvl="1" indent="-401638" algn="l" defTabSz="914400" rtl="0" eaLnBrk="1" fontAlgn="auto" latinLnBrk="0" hangingPunct="1">
+              <a:lnSpc>
+                <a:spcPct val="100000"/>
+              </a:lnSpc>
+              <a:spcBef>
+                <a:spcPct val="20000"/>
+              </a:spcBef>
+              <a:spcAft>
+                <a:spcPts val="0"/>
+              </a:spcAft>
+              <a:buClrTx/>
+              <a:buSzTx/>
+              <a:buFont typeface="Arial" charset="0"/>
+              <a:buAutoNum type="arabicPeriod"/>
+              <a:tabLst/>
+              <a:defRPr/>
+            </a:pPr>
+            <a:r>
+              <a:rPr kumimoji="0" lang="en-US" sz="2800" b="0" i="0" u="none" strike="noStrike" kern="1200" cap="none" spc="0" normalizeH="0" baseline="0" noProof="0" dirty="0">
+                <a:ln>
+                  <a:noFill/>
+                </a:ln>
+                <a:solidFill>
+                  <a:schemeClr val="tx1"/>
+                </a:solidFill>
+                <a:effectLst/>
+                <a:uLnTx/>
+                <a:uFillTx/>
+                <a:latin typeface="+mn-lt"/>
+                <a:ea typeface="+mn-ea"/>
+                <a:cs typeface="+mn-cs"/>
+              </a:rPr>
+              <a:t>Declare file stream variables</a:t>
+            </a:r>
+          </a:p>
+          <a:p>
+            <a:pPr marL="858838" marR="0" lvl="1" indent="-401638" algn="l" defTabSz="914400" rtl="0" eaLnBrk="1" fontAlgn="auto" latinLnBrk="0" hangingPunct="1">
+              <a:lnSpc>
+                <a:spcPct val="100000"/>
+              </a:lnSpc>
+              <a:spcBef>
+                <a:spcPct val="20000"/>
+              </a:spcBef>
+              <a:spcAft>
+                <a:spcPts val="0"/>
+              </a:spcAft>
+              <a:buClrTx/>
+              <a:buSzTx/>
+              <a:buFont typeface="Arial" charset="0"/>
+              <a:buAutoNum type="arabicPeriod"/>
+              <a:tabLst/>
+              <a:defRPr/>
+            </a:pPr>
+            <a:r>
+              <a:rPr kumimoji="0" lang="en-US" sz="2800" b="0" i="0" u="none" strike="noStrike" kern="1200" cap="none" spc="0" normalizeH="0" baseline="0" noProof="0" dirty="0">
+                <a:ln>
+                  <a:noFill/>
+                </a:ln>
+                <a:solidFill>
+                  <a:schemeClr val="tx1"/>
+                </a:solidFill>
+                <a:effectLst/>
+                <a:uLnTx/>
+                <a:uFillTx/>
+                <a:latin typeface="+mn-lt"/>
+                <a:ea typeface="+mn-ea"/>
+                <a:cs typeface="+mn-cs"/>
+              </a:rPr>
+              <a:t>Associate the file stream variables with the input/output sources</a:t>
+            </a:r>
+          </a:p>
+          <a:p>
+            <a:pPr marL="858838" marR="0" lvl="1" indent="-401638" algn="l" defTabSz="914400" rtl="0" eaLnBrk="1" fontAlgn="auto" latinLnBrk="0" hangingPunct="1">
+              <a:lnSpc>
+                <a:spcPct val="100000"/>
+              </a:lnSpc>
+              <a:spcBef>
+                <a:spcPct val="20000"/>
+              </a:spcBef>
+              <a:spcAft>
+                <a:spcPts val="0"/>
+              </a:spcAft>
+              <a:buClrTx/>
+              <a:buSzTx/>
+              <a:buFont typeface="Arial" charset="0"/>
+              <a:buAutoNum type="arabicPeriod"/>
+              <a:tabLst/>
+              <a:defRPr/>
+            </a:pPr>
+            <a:r>
+              <a:rPr kumimoji="0" lang="en-US" sz="2800" b="0" i="0" u="none" strike="noStrike" kern="1200" cap="none" spc="0" normalizeH="0" baseline="0" noProof="0" dirty="0">
+                <a:ln>
+                  <a:noFill/>
+                </a:ln>
+                <a:solidFill>
+                  <a:schemeClr val="tx1"/>
+                </a:solidFill>
+                <a:effectLst/>
+                <a:uLnTx/>
+                <a:uFillTx/>
+                <a:latin typeface="+mn-lt"/>
+                <a:ea typeface="+mn-ea"/>
+                <a:cs typeface="+mn-cs"/>
+              </a:rPr>
+              <a:t>Use the file stream variables with </a:t>
+            </a:r>
+            <a:r>
+              <a:rPr kumimoji="0" lang="en-US" sz="2800" b="0" i="0" u="none" strike="noStrike" kern="1200" cap="none" spc="0" normalizeH="0" baseline="0" noProof="0" dirty="0">
+                <a:ln>
+                  <a:noFill/>
+                </a:ln>
+                <a:solidFill>
+                  <a:schemeClr val="tx1"/>
+                </a:solidFill>
+                <a:effectLst/>
+                <a:uLnTx/>
+                <a:uFillTx/>
+                <a:latin typeface="Courier New" pitchFamily="49" charset="0"/>
+                <a:ea typeface="+mn-ea"/>
+                <a:cs typeface="+mn-cs"/>
+              </a:rPr>
+              <a:t>&gt;&gt;</a:t>
+            </a:r>
+            <a:r>
+              <a:rPr kumimoji="0" lang="en-US" sz="2800" b="0" i="0" u="none" strike="noStrike" kern="1200" cap="none" spc="0" normalizeH="0" baseline="0" noProof="0" dirty="0">
+                <a:ln>
+                  <a:noFill/>
+                </a:ln>
+                <a:solidFill>
+                  <a:schemeClr val="tx1"/>
+                </a:solidFill>
+                <a:effectLst/>
+                <a:uLnTx/>
+                <a:uFillTx/>
+                <a:latin typeface="+mn-lt"/>
+                <a:ea typeface="+mn-ea"/>
+                <a:cs typeface="+mn-cs"/>
+              </a:rPr>
+              <a:t>, </a:t>
+            </a:r>
+            <a:r>
+              <a:rPr kumimoji="0" lang="en-US" sz="2800" b="0" i="0" u="none" strike="noStrike" kern="1200" cap="none" spc="0" normalizeH="0" baseline="0" noProof="0" dirty="0">
+                <a:ln>
+                  <a:noFill/>
+                </a:ln>
+                <a:solidFill>
+                  <a:schemeClr val="tx1"/>
+                </a:solidFill>
+                <a:effectLst/>
+                <a:uLnTx/>
+                <a:uFillTx/>
+                <a:latin typeface="Courier New" pitchFamily="49" charset="0"/>
+                <a:ea typeface="+mn-ea"/>
+                <a:cs typeface="+mn-cs"/>
+              </a:rPr>
+              <a:t>&lt;&lt;</a:t>
+            </a:r>
+            <a:r>
+              <a:rPr kumimoji="0" lang="en-US" sz="2800" b="0" i="0" u="none" strike="noStrike" kern="1200" cap="none" spc="0" normalizeH="0" baseline="0" noProof="0" dirty="0">
+                <a:ln>
+                  <a:noFill/>
+                </a:ln>
+                <a:solidFill>
+                  <a:schemeClr val="tx1"/>
+                </a:solidFill>
+                <a:effectLst/>
+                <a:uLnTx/>
+                <a:uFillTx/>
+                <a:latin typeface="+mn-lt"/>
+                <a:ea typeface="+mn-ea"/>
+                <a:cs typeface="+mn-cs"/>
+              </a:rPr>
+              <a:t>, or other input/output functions</a:t>
+            </a:r>
+          </a:p>
+          <a:p>
+            <a:pPr marL="858838" marR="0" lvl="1" indent="-401638" algn="l" defTabSz="914400" rtl="0" eaLnBrk="1" fontAlgn="auto" latinLnBrk="0" hangingPunct="1">
+              <a:lnSpc>
+                <a:spcPct val="100000"/>
+              </a:lnSpc>
+              <a:spcBef>
+                <a:spcPct val="20000"/>
+              </a:spcBef>
+              <a:spcAft>
+                <a:spcPts val="0"/>
+              </a:spcAft>
+              <a:buClrTx/>
+              <a:buSzTx/>
+              <a:buFont typeface="Arial" charset="0"/>
+              <a:buAutoNum type="arabicPeriod"/>
+              <a:tabLst/>
+              <a:defRPr/>
+            </a:pPr>
+            <a:r>
+              <a:rPr kumimoji="0" lang="en-US" sz="2800" b="0" i="0" u="none" strike="noStrike" kern="1200" cap="none" spc="0" normalizeH="0" baseline="0" noProof="0" dirty="0">
+                <a:ln>
+                  <a:noFill/>
+                </a:ln>
+                <a:solidFill>
+                  <a:schemeClr val="tx1"/>
+                </a:solidFill>
+                <a:effectLst/>
+                <a:uLnTx/>
+                <a:uFillTx/>
+                <a:latin typeface="+mn-lt"/>
+                <a:ea typeface="+mn-ea"/>
+                <a:cs typeface="+mn-cs"/>
+              </a:rPr>
+              <a:t>Close the files</a:t>
+            </a:r>
+          </a:p>
+        </p:txBody>
+      </p:sp>
+    </p:spTree>
+  </p:cSld>
+  <p:clrMapOvr>
+    <a:masterClrMapping/>
+  </p:clrMapOvr>
+</p:sld>
+</file>
+
+<file path=ppt/slides/slide24.xml><?xml version="1.0" encoding="utf-8"?>
+<p:sld xmlns:a="http://schemas.openxmlformats.org/drawingml/2006/main" xmlns:r="http://schemas.openxmlformats.org/officeDocument/2006/relationships" xmlns:p="http://schemas.openxmlformats.org/presentationml/2006/main">
+  <p:cSld>
+    <p:spTree>
+      <p:nvGrpSpPr>
+        <p:cNvPr id="1" name=""/>
+        <p:cNvGrpSpPr/>
+        <p:nvPr/>
+      </p:nvGrpSpPr>
+      <p:grpSpPr>
+        <a:xfrm>
+          <a:off x="0" y="0"/>
+          <a:ext cx="0" cy="0"/>
+          <a:chOff x="0" y="0"/>
+          <a:chExt cx="0" cy="0"/>
+        </a:xfrm>
+      </p:grpSpPr>
+      <p:sp>
+        <p:nvSpPr>
+          <p:cNvPr id="2" name="Title 1"/>
+          <p:cNvSpPr>
+            <a:spLocks noGrp="1"/>
+          </p:cNvSpPr>
+          <p:nvPr>
+            <p:ph type="title"/>
+          </p:nvPr>
+        </p:nvSpPr>
+        <p:spPr/>
+        <p:txBody>
+          <a:bodyPr/>
+          <a:lstStyle/>
+          <a:p>
+            <a:r>
+              <a:rPr lang="en-US" dirty="0"/>
               <a:t>Programming Example</a:t>
             </a:r>
             <a:br>
@@ -7938,7 +11790,7 @@
 </p:sld>
 </file>
 
-<file path=ppt/slides/slide24.xml><?xml version="1.0" encoding="utf-8"?>
+<file path=ppt/slides/slide25.xml><?xml version="1.0" encoding="utf-8"?>
 <p:sld xmlns:a="http://schemas.openxmlformats.org/drawingml/2006/main" xmlns:r="http://schemas.openxmlformats.org/officeDocument/2006/relationships" xmlns:p="http://schemas.openxmlformats.org/presentationml/2006/main">
   <p:cSld>
     <p:spTree>
@@ -7996,7 +11848,7 @@
 </p:sld>
 </file>
 
-<file path=ppt/slides/slide25.xml><?xml version="1.0" encoding="utf-8"?>
+<file path=ppt/slides/slide26.xml><?xml version="1.0" encoding="utf-8"?>
 <p:sld xmlns:a="http://schemas.openxmlformats.org/drawingml/2006/main" xmlns:r="http://schemas.openxmlformats.org/officeDocument/2006/relationships" xmlns:p="http://schemas.openxmlformats.org/presentationml/2006/main">
   <p:cSld>
     <p:spTree>
@@ -8148,7 +12000,7 @@
       </p:grpSpPr>
       <p:sp>
         <p:nvSpPr>
-          <p:cNvPr id="26626" name="Rectangle 2"/>
+          <p:cNvPr id="25602" name="Rectangle 2"/>
           <p:cNvSpPr>
             <a:spLocks noGrp="1" noChangeArrowheads="1"/>
           </p:cNvSpPr>
@@ -8170,14 +12022,14 @@
             </a:r>
             <a:r>
               <a:rPr lang="en-US"/>
-              <a:t> Type (cont'd.)</a:t>
-            </a:r>
-          </a:p>
-        </p:txBody>
-      </p:sp>
-      <p:sp>
-        <p:nvSpPr>
-          <p:cNvPr id="26627" name="Rectangle 3"/>
+              <a:t> Type</a:t>
+            </a:r>
+          </a:p>
+        </p:txBody>
+      </p:sp>
+      <p:sp>
+        <p:nvSpPr>
+          <p:cNvPr id="25603" name="Rectangle 3"/>
           <p:cNvSpPr>
             <a:spLocks noGrp="1" noChangeArrowheads="1"/>
           </p:cNvSpPr>
@@ -8187,8 +12039,8 @@
         </p:nvSpPr>
         <p:spPr>
           <a:xfrm>
-            <a:off x="914400" y="1752600"/>
-            <a:ext cx="7772400" cy="4572000"/>
+            <a:off x="914400" y="1676400"/>
+            <a:ext cx="7772400" cy="4454525"/>
           </a:xfrm>
         </p:spPr>
         <p:txBody>
@@ -8197,57 +12049,31 @@
           <a:p>
             <a:pPr eaLnBrk="1" hangingPunct="1"/>
             <a:r>
-              <a:rPr lang="en-US" sz="2800"/>
-              <a:t>Binary operator </a:t>
-            </a:r>
-            <a:r>
-              <a:rPr lang="en-US" sz="2800">
-                <a:latin typeface="Courier New" pitchFamily="49" charset="0"/>
-              </a:rPr>
-              <a:t>+</a:t>
-            </a:r>
-            <a:r>
-              <a:rPr lang="en-US" sz="2800"/>
-              <a:t> and the array subscript operator </a:t>
-            </a:r>
-            <a:r>
-              <a:rPr lang="en-US" sz="2800">
-                <a:latin typeface="Courier New" pitchFamily="49" charset="0"/>
-              </a:rPr>
-              <a:t>[]</a:t>
-            </a:r>
-            <a:r>
-              <a:rPr lang="en-US" sz="2800"/>
-              <a:t>, have been defined for the data type </a:t>
-            </a:r>
-            <a:r>
-              <a:rPr lang="en-US" sz="2800">
+              <a:rPr lang="en-US" sz="2800" dirty="0"/>
+              <a:t>To use the data type </a:t>
+            </a:r>
+            <a:r>
+              <a:rPr lang="en-US" sz="2800" dirty="0">
                 <a:latin typeface="Courier New" pitchFamily="49" charset="0"/>
               </a:rPr>
               <a:t>string</a:t>
             </a:r>
-          </a:p>
-          <a:p>
-            <a:pPr lvl="1" eaLnBrk="1" hangingPunct="1"/>
-            <a:r>
-              <a:rPr lang="en-US" sz="2400">
+            <a:r>
+              <a:rPr lang="en-US" sz="2800" dirty="0"/>
+              <a:t>, the program must include the header file </a:t>
+            </a:r>
+            <a:r>
+              <a:rPr lang="en-US" sz="2800" dirty="0">
                 <a:latin typeface="Courier New" pitchFamily="49" charset="0"/>
               </a:rPr>
-              <a:t>+</a:t>
-            </a:r>
-            <a:r>
-              <a:rPr lang="en-US" sz="2400"/>
-              <a:t> performs the string concatenation operation</a:t>
-            </a:r>
-            <a:endParaRPr lang="en-US" sz="2400">
-              <a:latin typeface="Courier New" pitchFamily="49" charset="0"/>
-            </a:endParaRPr>
+              <a:t>string</a:t>
+            </a:r>
           </a:p>
           <a:p>
             <a:pPr eaLnBrk="1" hangingPunct="1"/>
             <a:r>
-              <a:rPr lang="en-US" sz="2800"/>
-              <a:t>Example: </a:t>
+              <a:rPr lang="en-US" sz="2800" dirty="0"/>
+              <a:t>The statement: </a:t>
             </a:r>
           </a:p>
           <a:p>
@@ -8256,26 +12082,15 @@
               <a:buNone/>
             </a:pPr>
             <a:r>
-              <a:rPr lang="en-US" sz="2800"/>
+              <a:rPr lang="en-US" sz="2000" dirty="0"/>
               <a:t>		</a:t>
             </a:r>
             <a:r>
-              <a:rPr lang="en-US" sz="2000">
-                <a:latin typeface="Courier New" pitchFamily="49" charset="0"/>
-                <a:cs typeface="Courier New" pitchFamily="49" charset="0"/>
-              </a:rPr>
-              <a:t> str1 = "Sunny</a:t>
-            </a:r>
-            <a:r>
-              <a:rPr lang="en-US" sz="2000">
+              <a:rPr lang="en-US" sz="2000" dirty="0">
                 <a:latin typeface="Courier New" pitchFamily="49" charset="0"/>
               </a:rPr>
-              <a:t>";</a:t>
-            </a:r>
-            <a:endParaRPr lang="en-US" sz="2000">
-              <a:latin typeface="Courier New" pitchFamily="49" charset="0"/>
-              <a:cs typeface="Courier New" pitchFamily="49" charset="0"/>
-            </a:endParaRPr>
+              <a:t>string name = "William Jacob";</a:t>
+            </a:r>
           </a:p>
           <a:p>
             <a:pPr eaLnBrk="1" hangingPunct="1">
@@ -8283,47 +12098,81 @@
               <a:buNone/>
             </a:pPr>
             <a:r>
-              <a:rPr lang="en-US" sz="2800"/>
-              <a:t>		  </a:t>
-            </a:r>
-            <a:r>
-              <a:rPr lang="en-US" sz="2000">
+              <a:rPr lang="en-US" sz="2800" dirty="0"/>
+              <a:t>	declares name to be a string variable and also initializes name to </a:t>
+            </a:r>
+            <a:r>
+              <a:rPr lang="en-US" sz="2000" dirty="0">
                 <a:latin typeface="Courier New" pitchFamily="49" charset="0"/>
               </a:rPr>
-              <a:t>str2 =  str1 + " Day";</a:t>
-            </a:r>
-          </a:p>
-          <a:p>
-            <a:pPr eaLnBrk="1" hangingPunct="1">
-              <a:buFontTx/>
-              <a:buNone/>
-            </a:pPr>
-            <a:r>
-              <a:rPr lang="en-US" sz="2800"/>
-              <a:t>	stores </a:t>
-            </a:r>
-            <a:r>
-              <a:rPr lang="en-US" sz="2800">
+              <a:t>"William Jacob"</a:t>
+            </a:r>
+            <a:endParaRPr lang="en-US" sz="2800" dirty="0"/>
+          </a:p>
+          <a:p>
+            <a:pPr lvl="1" eaLnBrk="1" hangingPunct="1"/>
+            <a:r>
+              <a:rPr lang="en-US" sz="2400" dirty="0"/>
+              <a:t>The first character, </a:t>
+            </a:r>
+            <a:r>
+              <a:rPr lang="en-US" sz="2400" dirty="0">
                 <a:latin typeface="Courier New" pitchFamily="49" charset="0"/>
               </a:rPr>
-              <a:t>"Sunny Day"</a:t>
-            </a:r>
-            <a:r>
-              <a:rPr lang="en-US" sz="2800"/>
-              <a:t> into </a:t>
-            </a:r>
-            <a:r>
-              <a:rPr lang="en-US" sz="2800">
+              <a:t>'W'</a:t>
+            </a:r>
+            <a:r>
+              <a:rPr lang="en-US" sz="2400" dirty="0"/>
+              <a:t>, is in position 0</a:t>
+            </a:r>
+          </a:p>
+          <a:p>
+            <a:pPr lvl="1" eaLnBrk="1" hangingPunct="1"/>
+            <a:r>
+              <a:rPr lang="en-US" sz="2400" dirty="0"/>
+              <a:t>The second character, </a:t>
+            </a:r>
+            <a:r>
+              <a:rPr lang="en-US" sz="2400" dirty="0">
                 <a:latin typeface="Courier New" pitchFamily="49" charset="0"/>
               </a:rPr>
-              <a:t>str2</a:t>
-            </a:r>
-          </a:p>
-        </p:txBody>
-      </p:sp>
-      <p:sp>
-        <p:nvSpPr>
-          <p:cNvPr id="26628" name="Footer Placeholder 4"/>
+              <a:t>'</a:t>
+            </a:r>
+            <a:r>
+              <a:rPr lang="en-US" sz="2400" dirty="0" err="1">
+                <a:latin typeface="Courier New" pitchFamily="49" charset="0"/>
+              </a:rPr>
+              <a:t>i</a:t>
+            </a:r>
+            <a:r>
+              <a:rPr lang="en-US" sz="2400" dirty="0">
+                <a:latin typeface="Courier New" pitchFamily="49" charset="0"/>
+              </a:rPr>
+              <a:t>'</a:t>
+            </a:r>
+            <a:r>
+              <a:rPr lang="en-US" sz="2400" dirty="0"/>
+              <a:t>, is in position 1 </a:t>
+            </a:r>
+          </a:p>
+          <a:p>
+            <a:pPr lvl="1" eaLnBrk="1" hangingPunct="1"/>
+            <a:r>
+              <a:rPr lang="en-US" sz="2400" dirty="0">
+                <a:latin typeface="Courier New" pitchFamily="49" charset="0"/>
+              </a:rPr>
+              <a:t>name</a:t>
+            </a:r>
+            <a:r>
+              <a:rPr lang="en-US" sz="2400" dirty="0"/>
+              <a:t> is capable of storing any size string</a:t>
+            </a:r>
+          </a:p>
+        </p:txBody>
+      </p:sp>
+      <p:sp>
+        <p:nvSpPr>
+          <p:cNvPr id="25604" name="Footer Placeholder 4"/>
           <p:cNvSpPr>
             <a:spLocks noGrp="1"/>
           </p:cNvSpPr>
@@ -8360,7 +12209,7 @@
       </p:sp>
       <p:sp>
         <p:nvSpPr>
-          <p:cNvPr id="27651" name="Slide Number Placeholder 5"/>
+          <p:cNvPr id="26627" name="Slide Number Placeholder 5"/>
           <p:cNvSpPr>
             <a:spLocks noGrp="1"/>
           </p:cNvSpPr>
@@ -8376,7 +12225,7 @@
             <a:pPr>
               <a:defRPr/>
             </a:pPr>
-            <a:fld id="{20FB2722-DC64-4AEA-BDE0-92419689A8BA}" type="slidenum">
+            <a:fld id="{1F2A81C1-B7BA-42FD-B40B-22E4C369B68C}" type="slidenum">
               <a:rPr lang="en-US" smtClean="0"/>
               <a:pPr>
                 <a:defRPr/>
@@ -8396,6 +12245,272 @@
 </file>
 
 <file path=ppt/slides/slide4.xml><?xml version="1.0" encoding="utf-8"?>
+<p:sld xmlns:a="http://schemas.openxmlformats.org/drawingml/2006/main" xmlns:r="http://schemas.openxmlformats.org/officeDocument/2006/relationships" xmlns:p="http://schemas.openxmlformats.org/presentationml/2006/main">
+  <p:cSld>
+    <p:spTree>
+      <p:nvGrpSpPr>
+        <p:cNvPr id="1" name=""/>
+        <p:cNvGrpSpPr/>
+        <p:nvPr/>
+      </p:nvGrpSpPr>
+      <p:grpSpPr>
+        <a:xfrm>
+          <a:off x="0" y="0"/>
+          <a:ext cx="0" cy="0"/>
+          <a:chOff x="0" y="0"/>
+          <a:chExt cx="0" cy="0"/>
+        </a:xfrm>
+      </p:grpSpPr>
+      <p:sp>
+        <p:nvSpPr>
+          <p:cNvPr id="26626" name="Rectangle 2"/>
+          <p:cNvSpPr>
+            <a:spLocks noGrp="1" noChangeArrowheads="1"/>
+          </p:cNvSpPr>
+          <p:nvPr>
+            <p:ph type="title"/>
+          </p:nvPr>
+        </p:nvSpPr>
+        <p:spPr/>
+        <p:txBody>
+          <a:bodyPr/>
+          <a:lstStyle/>
+          <a:p>
+            <a:pPr eaLnBrk="1" hangingPunct="1"/>
+            <a:r>
+              <a:rPr lang="en-US">
+                <a:latin typeface="Courier New" pitchFamily="49" charset="0"/>
+              </a:rPr>
+              <a:t>string</a:t>
+            </a:r>
+            <a:r>
+              <a:rPr lang="en-US"/>
+              <a:t> Type (cont'd.)</a:t>
+            </a:r>
+          </a:p>
+        </p:txBody>
+      </p:sp>
+      <p:sp>
+        <p:nvSpPr>
+          <p:cNvPr id="26627" name="Rectangle 3"/>
+          <p:cNvSpPr>
+            <a:spLocks noGrp="1" noChangeArrowheads="1"/>
+          </p:cNvSpPr>
+          <p:nvPr>
+            <p:ph idx="1"/>
+          </p:nvPr>
+        </p:nvSpPr>
+        <p:spPr>
+          <a:xfrm>
+            <a:off x="914400" y="1752600"/>
+            <a:ext cx="7772400" cy="4572000"/>
+          </a:xfrm>
+        </p:spPr>
+        <p:txBody>
+          <a:bodyPr/>
+          <a:lstStyle/>
+          <a:p>
+            <a:pPr eaLnBrk="1" hangingPunct="1"/>
+            <a:r>
+              <a:rPr lang="en-US" sz="2800"/>
+              <a:t>Binary operator </a:t>
+            </a:r>
+            <a:r>
+              <a:rPr lang="en-US" sz="2800">
+                <a:latin typeface="Courier New" pitchFamily="49" charset="0"/>
+              </a:rPr>
+              <a:t>+</a:t>
+            </a:r>
+            <a:r>
+              <a:rPr lang="en-US" sz="2800"/>
+              <a:t> and the array subscript operator </a:t>
+            </a:r>
+            <a:r>
+              <a:rPr lang="en-US" sz="2800">
+                <a:latin typeface="Courier New" pitchFamily="49" charset="0"/>
+              </a:rPr>
+              <a:t>[]</a:t>
+            </a:r>
+            <a:r>
+              <a:rPr lang="en-US" sz="2800"/>
+              <a:t>, have been defined for the data type </a:t>
+            </a:r>
+            <a:r>
+              <a:rPr lang="en-US" sz="2800">
+                <a:latin typeface="Courier New" pitchFamily="49" charset="0"/>
+              </a:rPr>
+              <a:t>string</a:t>
+            </a:r>
+          </a:p>
+          <a:p>
+            <a:pPr lvl="1" eaLnBrk="1" hangingPunct="1"/>
+            <a:r>
+              <a:rPr lang="en-US" sz="2400">
+                <a:latin typeface="Courier New" pitchFamily="49" charset="0"/>
+              </a:rPr>
+              <a:t>+</a:t>
+            </a:r>
+            <a:r>
+              <a:rPr lang="en-US" sz="2400"/>
+              <a:t> performs the string concatenation operation</a:t>
+            </a:r>
+            <a:endParaRPr lang="en-US" sz="2400">
+              <a:latin typeface="Courier New" pitchFamily="49" charset="0"/>
+            </a:endParaRPr>
+          </a:p>
+          <a:p>
+            <a:pPr eaLnBrk="1" hangingPunct="1"/>
+            <a:r>
+              <a:rPr lang="en-US" sz="2800"/>
+              <a:t>Example: </a:t>
+            </a:r>
+          </a:p>
+          <a:p>
+            <a:pPr eaLnBrk="1" hangingPunct="1">
+              <a:buFontTx/>
+              <a:buNone/>
+            </a:pPr>
+            <a:r>
+              <a:rPr lang="en-US" sz="2800"/>
+              <a:t>		</a:t>
+            </a:r>
+            <a:r>
+              <a:rPr lang="en-US" sz="2000">
+                <a:latin typeface="Courier New" pitchFamily="49" charset="0"/>
+                <a:cs typeface="Courier New" pitchFamily="49" charset="0"/>
+              </a:rPr>
+              <a:t> str1 = "Sunny</a:t>
+            </a:r>
+            <a:r>
+              <a:rPr lang="en-US" sz="2000">
+                <a:latin typeface="Courier New" pitchFamily="49" charset="0"/>
+              </a:rPr>
+              <a:t>";</a:t>
+            </a:r>
+            <a:endParaRPr lang="en-US" sz="2000">
+              <a:latin typeface="Courier New" pitchFamily="49" charset="0"/>
+              <a:cs typeface="Courier New" pitchFamily="49" charset="0"/>
+            </a:endParaRPr>
+          </a:p>
+          <a:p>
+            <a:pPr eaLnBrk="1" hangingPunct="1">
+              <a:buFontTx/>
+              <a:buNone/>
+            </a:pPr>
+            <a:r>
+              <a:rPr lang="en-US" sz="2800"/>
+              <a:t>		  </a:t>
+            </a:r>
+            <a:r>
+              <a:rPr lang="en-US" sz="2000">
+                <a:latin typeface="Courier New" pitchFamily="49" charset="0"/>
+              </a:rPr>
+              <a:t>str2 =  str1 + " Day";</a:t>
+            </a:r>
+          </a:p>
+          <a:p>
+            <a:pPr eaLnBrk="1" hangingPunct="1">
+              <a:buFontTx/>
+              <a:buNone/>
+            </a:pPr>
+            <a:r>
+              <a:rPr lang="en-US" sz="2800"/>
+              <a:t>	stores </a:t>
+            </a:r>
+            <a:r>
+              <a:rPr lang="en-US" sz="2800">
+                <a:latin typeface="Courier New" pitchFamily="49" charset="0"/>
+              </a:rPr>
+              <a:t>"Sunny Day"</a:t>
+            </a:r>
+            <a:r>
+              <a:rPr lang="en-US" sz="2800"/>
+              <a:t> into </a:t>
+            </a:r>
+            <a:r>
+              <a:rPr lang="en-US" sz="2800">
+                <a:latin typeface="Courier New" pitchFamily="49" charset="0"/>
+              </a:rPr>
+              <a:t>str2</a:t>
+            </a:r>
+          </a:p>
+        </p:txBody>
+      </p:sp>
+      <p:sp>
+        <p:nvSpPr>
+          <p:cNvPr id="26628" name="Footer Placeholder 4"/>
+          <p:cNvSpPr>
+            <a:spLocks noGrp="1"/>
+          </p:cNvSpPr>
+          <p:nvPr>
+            <p:ph type="ftr" sz="quarter" idx="11"/>
+          </p:nvPr>
+        </p:nvSpPr>
+        <p:spPr bwMode="auto">
+          <a:noFill/>
+          <a:ln>
+            <a:miter lim="800000"/>
+            <a:headEnd/>
+            <a:tailEnd/>
+          </a:ln>
+        </p:spPr>
+        <p:txBody>
+          <a:bodyPr wrap="square" numCol="1" anchorCtr="0" compatLnSpc="1">
+            <a:prstTxWarp prst="textNoShape">
+              <a:avLst/>
+            </a:prstTxWarp>
+          </a:bodyPr>
+          <a:lstStyle/>
+          <a:p>
+            <a:r>
+              <a:rPr lang="en-US">
+                <a:solidFill>
+                  <a:srgbClr val="898989"/>
+                </a:solidFill>
+              </a:rPr>
+              <a:t>C++ Programming: From Problem Analysis to Program Design, Fifth Edition</a:t>
+            </a:r>
+          </a:p>
+        </p:txBody>
+      </p:sp>
+      <p:sp>
+        <p:nvSpPr>
+          <p:cNvPr id="27651" name="Slide Number Placeholder 5"/>
+          <p:cNvSpPr>
+            <a:spLocks noGrp="1"/>
+          </p:cNvSpPr>
+          <p:nvPr>
+            <p:ph type="sldNum" sz="quarter" idx="12"/>
+          </p:nvPr>
+        </p:nvSpPr>
+        <p:spPr/>
+        <p:txBody>
+          <a:bodyPr/>
+          <a:lstStyle/>
+          <a:p>
+            <a:pPr>
+              <a:defRPr/>
+            </a:pPr>
+            <a:fld id="{20FB2722-DC64-4AEA-BDE0-92419689A8BA}" type="slidenum">
+              <a:rPr lang="en-US" smtClean="0"/>
+              <a:pPr>
+                <a:defRPr/>
+              </a:pPr>
+              <a:t>4</a:t>
+            </a:fld>
+            <a:endParaRPr lang="en-US"/>
+          </a:p>
+        </p:txBody>
+      </p:sp>
+    </p:spTree>
+  </p:cSld>
+  <p:clrMapOvr>
+    <a:masterClrMapping/>
+  </p:clrMapOvr>
+</p:sld>
+</file>
+
+<file path=ppt/slides/slide5.xml><?xml version="1.0" encoding="utf-8"?>
 <p:sld xmlns:a="http://schemas.openxmlformats.org/drawingml/2006/main" xmlns:r="http://schemas.openxmlformats.org/officeDocument/2006/relationships" xmlns:p="http://schemas.openxmlformats.org/presentationml/2006/main">
   <p:cSld>
     <p:spTree>
@@ -8452,7 +12567,7 @@
 </p:sld>
 </file>
 
-<file path=ppt/slides/slide5.xml><?xml version="1.0" encoding="utf-8"?>
+<file path=ppt/slides/slide6.xml><?xml version="1.0" encoding="utf-8"?>
 <p:sld xmlns:a="http://schemas.openxmlformats.org/drawingml/2006/main" xmlns:r="http://schemas.openxmlformats.org/officeDocument/2006/relationships" xmlns:p="http://schemas.openxmlformats.org/presentationml/2006/main">
   <p:cSld>
     <p:spTree>
@@ -8509,7 +12624,7 @@
 </p:sld>
 </file>
 
-<file path=ppt/slides/slide6.xml><?xml version="1.0" encoding="utf-8"?>
+<file path=ppt/slides/slide7.xml><?xml version="1.0" encoding="utf-8"?>
 <p:sld xmlns:a="http://schemas.openxmlformats.org/drawingml/2006/main" xmlns:r="http://schemas.openxmlformats.org/officeDocument/2006/relationships" xmlns:p="http://schemas.openxmlformats.org/presentationml/2006/main">
   <p:cSld>
     <p:spTree>
@@ -8619,7 +12734,7 @@
               <a:pPr>
                 <a:defRPr/>
               </a:pPr>
-              <a:t>6</a:t>
+              <a:t>7</a:t>
             </a:fld>
             <a:endParaRPr lang="en-US"/>
           </a:p>
@@ -8665,90 +12780,6 @@
 </p:sld>
 </file>
 
-<file path=ppt/slides/slide7.xml><?xml version="1.0" encoding="utf-8"?>
-<p:sld xmlns:a="http://schemas.openxmlformats.org/drawingml/2006/main" xmlns:r="http://schemas.openxmlformats.org/officeDocument/2006/relationships" xmlns:p="http://schemas.openxmlformats.org/presentationml/2006/main">
-  <p:cSld>
-    <p:spTree>
-      <p:nvGrpSpPr>
-        <p:cNvPr id="1" name=""/>
-        <p:cNvGrpSpPr/>
-        <p:nvPr/>
-      </p:nvGrpSpPr>
-      <p:grpSpPr>
-        <a:xfrm>
-          <a:off x="0" y="0"/>
-          <a:ext cx="0" cy="0"/>
-          <a:chOff x="0" y="0"/>
-          <a:chExt cx="0" cy="0"/>
-        </a:xfrm>
-      </p:grpSpPr>
-      <p:sp>
-        <p:nvSpPr>
-          <p:cNvPr id="2" name="Title 1"/>
-          <p:cNvSpPr>
-            <a:spLocks noGrp="1"/>
-          </p:cNvSpPr>
-          <p:nvPr>
-            <p:ph type="title"/>
-          </p:nvPr>
-        </p:nvSpPr>
-        <p:spPr>
-          <a:xfrm>
-            <a:off x="457200" y="2438400"/>
-            <a:ext cx="8229600" cy="1143000"/>
-          </a:xfrm>
-        </p:spPr>
-        <p:txBody>
-          <a:bodyPr/>
-          <a:lstStyle/>
-          <a:p>
-            <a:r>
-              <a:rPr lang="en-US" dirty="0">
-                <a:solidFill>
-                  <a:srgbClr val="FF0000"/>
-                </a:solidFill>
-              </a:rPr>
-              <a:t>A Glimpse at Classes</a:t>
-            </a:r>
-            <a:br>
-              <a:rPr lang="en-US" dirty="0">
-                <a:solidFill>
-                  <a:srgbClr val="FF0000"/>
-                </a:solidFill>
-              </a:rPr>
-            </a:br>
-            <a:r>
-              <a:rPr lang="en-US" sz="4000" i="1" dirty="0">
-                <a:solidFill>
-                  <a:srgbClr val="0070C0"/>
-                </a:solidFill>
-              </a:rPr>
-              <a:t>Strings</a:t>
-            </a:r>
-            <a:r>
-              <a:rPr lang="en-US" sz="4000" dirty="0">
-                <a:solidFill>
-                  <a:srgbClr val="0070C0"/>
-                </a:solidFill>
-              </a:rPr>
-              <a:t> as a pre-defined C++ Class</a:t>
-            </a:r>
-            <a:endParaRPr lang="en-US" dirty="0">
-              <a:solidFill>
-                <a:srgbClr val="0070C0"/>
-              </a:solidFill>
-            </a:endParaRPr>
-          </a:p>
-        </p:txBody>
-      </p:sp>
-    </p:spTree>
-  </p:cSld>
-  <p:clrMapOvr>
-    <a:masterClrMapping/>
-  </p:clrMapOvr>
-</p:sld>
-</file>
-
 <file path=ppt/slides/slide8.xml><?xml version="1.0" encoding="utf-8"?>
 <p:sld xmlns:a="http://schemas.openxmlformats.org/drawingml/2006/main" xmlns:r="http://schemas.openxmlformats.org/officeDocument/2006/relationships" xmlns:p="http://schemas.openxmlformats.org/presentationml/2006/main">
   <p:cSld>
@@ -8768,6 +12799,90 @@
       </p:grpSpPr>
       <p:sp>
         <p:nvSpPr>
+          <p:cNvPr id="2" name="Title 1"/>
+          <p:cNvSpPr>
+            <a:spLocks noGrp="1"/>
+          </p:cNvSpPr>
+          <p:nvPr>
+            <p:ph type="title"/>
+          </p:nvPr>
+        </p:nvSpPr>
+        <p:spPr>
+          <a:xfrm>
+            <a:off x="457200" y="2438400"/>
+            <a:ext cx="8229600" cy="1143000"/>
+          </a:xfrm>
+        </p:spPr>
+        <p:txBody>
+          <a:bodyPr/>
+          <a:lstStyle/>
+          <a:p>
+            <a:r>
+              <a:rPr lang="en-US" dirty="0">
+                <a:solidFill>
+                  <a:srgbClr val="FF0000"/>
+                </a:solidFill>
+              </a:rPr>
+              <a:t>A Glimpse at Classes</a:t>
+            </a:r>
+            <a:br>
+              <a:rPr lang="en-US" dirty="0">
+                <a:solidFill>
+                  <a:srgbClr val="FF0000"/>
+                </a:solidFill>
+              </a:rPr>
+            </a:br>
+            <a:r>
+              <a:rPr lang="en-US" sz="4000" i="1" dirty="0">
+                <a:solidFill>
+                  <a:srgbClr val="0070C0"/>
+                </a:solidFill>
+              </a:rPr>
+              <a:t>Strings</a:t>
+            </a:r>
+            <a:r>
+              <a:rPr lang="en-US" sz="4000" dirty="0">
+                <a:solidFill>
+                  <a:srgbClr val="0070C0"/>
+                </a:solidFill>
+              </a:rPr>
+              <a:t> as a pre-defined C++ Class</a:t>
+            </a:r>
+            <a:endParaRPr lang="en-US" dirty="0">
+              <a:solidFill>
+                <a:srgbClr val="0070C0"/>
+              </a:solidFill>
+            </a:endParaRPr>
+          </a:p>
+        </p:txBody>
+      </p:sp>
+    </p:spTree>
+  </p:cSld>
+  <p:clrMapOvr>
+    <a:masterClrMapping/>
+  </p:clrMapOvr>
+</p:sld>
+</file>
+
+<file path=ppt/slides/slide9.xml><?xml version="1.0" encoding="utf-8"?>
+<p:sld xmlns:a="http://schemas.openxmlformats.org/drawingml/2006/main" xmlns:r="http://schemas.openxmlformats.org/officeDocument/2006/relationships" xmlns:p="http://schemas.openxmlformats.org/presentationml/2006/main">
+  <p:cSld>
+    <p:spTree>
+      <p:nvGrpSpPr>
+        <p:cNvPr id="1" name=""/>
+        <p:cNvGrpSpPr/>
+        <p:nvPr/>
+      </p:nvGrpSpPr>
+      <p:grpSpPr>
+        <a:xfrm>
+          <a:off x="0" y="0"/>
+          <a:ext cx="0" cy="0"/>
+          <a:chOff x="0" y="0"/>
+          <a:chExt cx="0" cy="0"/>
+        </a:xfrm>
+      </p:grpSpPr>
+      <p:sp>
+        <p:nvSpPr>
           <p:cNvPr id="5122" name="Rectangle 2"/>
           <p:cNvSpPr>
             <a:spLocks noGrp="1" noChangeArrowheads="1"/>
@@ -8900,7 +13015,7 @@
               <a:pPr>
                 <a:defRPr/>
               </a:pPr>
-              <a:t>8</a:t>
+              <a:t>9</a:t>
             </a:fld>
             <a:endParaRPr lang="en-US"/>
           </a:p>
@@ -8938,269 +13053,6 @@
           </a:ln>
         </p:spPr>
       </p:pic>
-    </p:spTree>
-  </p:cSld>
-  <p:clrMapOvr>
-    <a:masterClrMapping/>
-  </p:clrMapOvr>
-</p:sld>
-</file>
-
-<file path=ppt/slides/slide9.xml><?xml version="1.0" encoding="utf-8"?>
-<p:sld xmlns:a="http://schemas.openxmlformats.org/drawingml/2006/main" xmlns:r="http://schemas.openxmlformats.org/officeDocument/2006/relationships" xmlns:p="http://schemas.openxmlformats.org/presentationml/2006/main">
-  <p:cSld>
-    <p:spTree>
-      <p:nvGrpSpPr>
-        <p:cNvPr id="1" name=""/>
-        <p:cNvGrpSpPr/>
-        <p:nvPr/>
-      </p:nvGrpSpPr>
-      <p:grpSpPr>
-        <a:xfrm>
-          <a:off x="0" y="0"/>
-          <a:ext cx="0" cy="0"/>
-          <a:chOff x="0" y="0"/>
-          <a:chExt cx="0" cy="0"/>
-        </a:xfrm>
-      </p:grpSpPr>
-      <p:sp>
-        <p:nvSpPr>
-          <p:cNvPr id="6146" name="Rectangle 2"/>
-          <p:cNvSpPr>
-            <a:spLocks noGrp="1" noChangeArrowheads="1"/>
-          </p:cNvSpPr>
-          <p:nvPr>
-            <p:ph type="title"/>
-          </p:nvPr>
-        </p:nvSpPr>
-        <p:spPr/>
-        <p:txBody>
-          <a:bodyPr/>
-          <a:lstStyle/>
-          <a:p>
-            <a:pPr eaLnBrk="1" hangingPunct="1"/>
-            <a:r>
-              <a:rPr lang="en-US"/>
-              <a:t>Classes (cont'd.)</a:t>
-            </a:r>
-          </a:p>
-        </p:txBody>
-      </p:sp>
-      <p:sp>
-        <p:nvSpPr>
-          <p:cNvPr id="7171" name="Rectangle 3"/>
-          <p:cNvSpPr>
-            <a:spLocks noGrp="1" noChangeArrowheads="1"/>
-          </p:cNvSpPr>
-          <p:nvPr>
-            <p:ph idx="1"/>
-          </p:nvPr>
-        </p:nvSpPr>
-        <p:spPr/>
-        <p:txBody>
-          <a:bodyPr rtlCol="0">
-            <a:normAutofit fontScale="92500" lnSpcReduction="10000"/>
-          </a:bodyPr>
-          <a:lstStyle/>
-          <a:p>
-            <a:pPr eaLnBrk="1" fontAlgn="auto" hangingPunct="1">
-              <a:spcAft>
-                <a:spcPts val="0"/>
-              </a:spcAft>
-              <a:buFont typeface="Arial" pitchFamily="34" charset="0"/>
-              <a:buChar char="•"/>
-              <a:defRPr/>
-            </a:pPr>
-            <a:r>
-              <a:rPr lang="en-US" dirty="0"/>
-              <a:t>Class member can be a variable or a function</a:t>
-            </a:r>
-          </a:p>
-          <a:p>
-            <a:pPr eaLnBrk="1" fontAlgn="auto" hangingPunct="1">
-              <a:spcAft>
-                <a:spcPts val="0"/>
-              </a:spcAft>
-              <a:buFont typeface="Arial" pitchFamily="34" charset="0"/>
-              <a:buChar char="•"/>
-              <a:defRPr/>
-            </a:pPr>
-            <a:r>
-              <a:rPr lang="en-US" dirty="0"/>
-              <a:t>If a member of a </a:t>
-            </a:r>
-            <a:r>
-              <a:rPr lang="en-US" dirty="0">
-                <a:latin typeface="Courier New" pitchFamily="49" charset="0"/>
-              </a:rPr>
-              <a:t>class</a:t>
-            </a:r>
-            <a:r>
-              <a:rPr lang="en-US" dirty="0"/>
-              <a:t> is a variable</a:t>
-            </a:r>
-          </a:p>
-          <a:p>
-            <a:pPr lvl="1" eaLnBrk="1" fontAlgn="auto" hangingPunct="1">
-              <a:spcAft>
-                <a:spcPts val="0"/>
-              </a:spcAft>
-              <a:buFont typeface="Arial" pitchFamily="34" charset="0"/>
-              <a:buChar char="–"/>
-              <a:defRPr/>
-            </a:pPr>
-            <a:r>
-              <a:rPr lang="en-US" dirty="0"/>
-              <a:t>It is declared like any other variable</a:t>
-            </a:r>
-          </a:p>
-          <a:p>
-            <a:pPr eaLnBrk="1" fontAlgn="auto" hangingPunct="1">
-              <a:spcAft>
-                <a:spcPts val="0"/>
-              </a:spcAft>
-              <a:buFont typeface="Arial" pitchFamily="34" charset="0"/>
-              <a:buChar char="•"/>
-              <a:defRPr/>
-            </a:pPr>
-            <a:r>
-              <a:rPr lang="en-US" dirty="0"/>
-              <a:t>In the definition of the </a:t>
-            </a:r>
-            <a:r>
-              <a:rPr lang="en-US" dirty="0">
-                <a:latin typeface="Courier New" pitchFamily="49" charset="0"/>
-              </a:rPr>
-              <a:t>class</a:t>
-            </a:r>
-            <a:endParaRPr lang="en-US" dirty="0"/>
-          </a:p>
-          <a:p>
-            <a:pPr lvl="1" eaLnBrk="1" fontAlgn="auto" hangingPunct="1">
-              <a:spcAft>
-                <a:spcPts val="0"/>
-              </a:spcAft>
-              <a:buFont typeface="Arial" pitchFamily="34" charset="0"/>
-              <a:buChar char="–"/>
-              <a:defRPr/>
-            </a:pPr>
-            <a:r>
-              <a:rPr lang="en-US" dirty="0"/>
-              <a:t>You cannot initialize a variable when you declare it</a:t>
-            </a:r>
-          </a:p>
-          <a:p>
-            <a:pPr eaLnBrk="1" fontAlgn="auto" hangingPunct="1">
-              <a:spcAft>
-                <a:spcPts val="0"/>
-              </a:spcAft>
-              <a:buFont typeface="Arial" pitchFamily="34" charset="0"/>
-              <a:buChar char="•"/>
-              <a:defRPr/>
-            </a:pPr>
-            <a:r>
-              <a:rPr lang="en-US" dirty="0"/>
-              <a:t>If a member of a </a:t>
-            </a:r>
-            <a:r>
-              <a:rPr lang="en-US" dirty="0">
-                <a:latin typeface="Courier New" pitchFamily="49" charset="0"/>
-              </a:rPr>
-              <a:t>class</a:t>
-            </a:r>
-            <a:r>
-              <a:rPr lang="en-US" dirty="0"/>
-              <a:t> is a function</a:t>
-            </a:r>
-          </a:p>
-          <a:p>
-            <a:pPr lvl="1" eaLnBrk="1" fontAlgn="auto" hangingPunct="1">
-              <a:spcAft>
-                <a:spcPts val="0"/>
-              </a:spcAft>
-              <a:buFont typeface="Arial" pitchFamily="34" charset="0"/>
-              <a:buChar char="–"/>
-              <a:defRPr/>
-            </a:pPr>
-            <a:r>
-              <a:rPr lang="en-US" dirty="0"/>
-              <a:t>Function prototype is listed</a:t>
-            </a:r>
-          </a:p>
-          <a:p>
-            <a:pPr lvl="1" eaLnBrk="1" fontAlgn="auto" hangingPunct="1">
-              <a:spcAft>
-                <a:spcPts val="0"/>
-              </a:spcAft>
-              <a:buFont typeface="Arial" pitchFamily="34" charset="0"/>
-              <a:buChar char="–"/>
-              <a:defRPr/>
-            </a:pPr>
-            <a:r>
-              <a:rPr lang="en-US" dirty="0"/>
-              <a:t>Function members can (directly) access any member of the </a:t>
-            </a:r>
-            <a:r>
-              <a:rPr lang="en-US" dirty="0">
-                <a:latin typeface="Courier New" pitchFamily="49" charset="0"/>
-              </a:rPr>
-              <a:t>class</a:t>
-            </a:r>
-            <a:endParaRPr lang="en-US" dirty="0"/>
-          </a:p>
-        </p:txBody>
-      </p:sp>
-      <p:sp>
-        <p:nvSpPr>
-          <p:cNvPr id="7172" name="Footer Placeholder 4"/>
-          <p:cNvSpPr>
-            <a:spLocks noGrp="1"/>
-          </p:cNvSpPr>
-          <p:nvPr>
-            <p:ph type="ftr" sz="quarter" idx="11"/>
-          </p:nvPr>
-        </p:nvSpPr>
-        <p:spPr/>
-        <p:txBody>
-          <a:bodyPr/>
-          <a:lstStyle/>
-          <a:p>
-            <a:r>
-              <a:rPr lang="en-US"/>
-              <a:t>C++ Programming: From Problem Analysis to Program Design, Fifth Edition</a:t>
-            </a:r>
-          </a:p>
-        </p:txBody>
-      </p:sp>
-      <p:sp>
-        <p:nvSpPr>
-          <p:cNvPr id="7173" name="Slide Number Placeholder 5"/>
-          <p:cNvSpPr>
-            <a:spLocks noGrp="1"/>
-          </p:cNvSpPr>
-          <p:nvPr>
-            <p:ph type="sldNum" sz="quarter" idx="12"/>
-          </p:nvPr>
-        </p:nvSpPr>
-        <p:spPr/>
-        <p:txBody>
-          <a:bodyPr/>
-          <a:lstStyle/>
-          <a:p>
-            <a:pPr>
-              <a:defRPr/>
-            </a:pPr>
-            <a:fld id="{EFAAED31-8629-45A4-9E2A-AD39BCF28166}" type="slidenum">
-              <a:rPr lang="en-US"/>
-              <a:pPr>
-                <a:defRPr/>
-              </a:pPr>
-              <a:t>9</a:t>
-            </a:fld>
-            <a:endParaRPr lang="en-US"/>
-          </a:p>
-        </p:txBody>
-      </p:sp>
     </p:spTree>
   </p:cSld>
   <p:clrMapOvr>
@@ -9495,6 +13347,289 @@
 <file path=ppt/theme/theme2.xml><?xml version="1.0" encoding="utf-8"?>
 <a:theme xmlns:a="http://schemas.openxmlformats.org/drawingml/2006/main" name="Office Theme">
   <a:themeElements>
+    <a:clrScheme name="Office">
+      <a:dk1>
+        <a:sysClr val="windowText" lastClr="000000"/>
+      </a:dk1>
+      <a:lt1>
+        <a:sysClr val="window" lastClr="FFFFFF"/>
+      </a:lt1>
+      <a:dk2>
+        <a:srgbClr val="1F497D"/>
+      </a:dk2>
+      <a:lt2>
+        <a:srgbClr val="EEECE1"/>
+      </a:lt2>
+      <a:accent1>
+        <a:srgbClr val="4F81BD"/>
+      </a:accent1>
+      <a:accent2>
+        <a:srgbClr val="C0504D"/>
+      </a:accent2>
+      <a:accent3>
+        <a:srgbClr val="9BBB59"/>
+      </a:accent3>
+      <a:accent4>
+        <a:srgbClr val="8064A2"/>
+      </a:accent4>
+      <a:accent5>
+        <a:srgbClr val="4BACC6"/>
+      </a:accent5>
+      <a:accent6>
+        <a:srgbClr val="F79646"/>
+      </a:accent6>
+      <a:hlink>
+        <a:srgbClr val="0000FF"/>
+      </a:hlink>
+      <a:folHlink>
+        <a:srgbClr val="800080"/>
+      </a:folHlink>
+    </a:clrScheme>
+    <a:fontScheme name="Office Classic 2">
+      <a:majorFont>
+        <a:latin typeface="Arial"/>
+        <a:ea typeface=""/>
+        <a:cs typeface=""/>
+        <a:font script="Jpan" typeface="ＭＳ Ｐゴシック"/>
+        <a:font script="Hang" typeface="굴림"/>
+        <a:font script="Hans" typeface="黑体"/>
+        <a:font script="Hant" typeface="微軟正黑體"/>
+        <a:font script="Arab" typeface="Arial"/>
+        <a:font script="Hebr" typeface="Arial"/>
+        <a:font script="Thai" typeface="Cordia New"/>
+        <a:font script="Ethi" typeface="Nyala"/>
+        <a:font script="Beng" typeface="Vrinda"/>
+        <a:font script="Gujr" typeface="Shruti"/>
+        <a:font script="Khmr" typeface="DaunPenh"/>
+        <a:font script="Knda" typeface="Tunga"/>
+        <a:font script="Guru" typeface="Raavi"/>
+        <a:font script="Cans" typeface="Euphemia"/>
+        <a:font script="Cher" typeface="Plantagenet Cherokee"/>
+        <a:font script="Yiii" typeface="Microsoft Yi Baiti"/>
+        <a:font script="Tibt" typeface="Microsoft Himalaya"/>
+        <a:font script="Thaa" typeface="MV Boli"/>
+        <a:font script="Deva" typeface="Mangal"/>
+        <a:font script="Telu" typeface="Gautami"/>
+        <a:font script="Taml" typeface="Latha"/>
+        <a:font script="Syrc" typeface="Estrangelo Edessa"/>
+        <a:font script="Orya" typeface="Kalinga"/>
+        <a:font script="Mlym" typeface="Kartika"/>
+        <a:font script="Laoo" typeface="DokChampa"/>
+        <a:font script="Sinh" typeface="Iskoola Pota"/>
+        <a:font script="Mong" typeface="Mongolian Baiti"/>
+        <a:font script="Viet" typeface="Arial"/>
+        <a:font script="Uigh" typeface="Microsoft Uighur"/>
+      </a:majorFont>
+      <a:minorFont>
+        <a:latin typeface="Arial"/>
+        <a:ea typeface=""/>
+        <a:cs typeface=""/>
+        <a:font script="Jpan" typeface="ＭＳ Ｐゴシック"/>
+        <a:font script="Hang" typeface="굴림"/>
+        <a:font script="Hans" typeface="黑体"/>
+        <a:font script="Hant" typeface="微軟正黑體"/>
+        <a:font script="Arab" typeface="Arial"/>
+        <a:font script="Hebr" typeface="Arial"/>
+        <a:font script="Thai" typeface="Cordia New"/>
+        <a:font script="Ethi" typeface="Nyala"/>
+        <a:font script="Beng" typeface="Vrinda"/>
+        <a:font script="Gujr" typeface="Shruti"/>
+        <a:font script="Khmr" typeface="DaunPenh"/>
+        <a:font script="Knda" typeface="Tunga"/>
+        <a:font script="Guru" typeface="Raavi"/>
+        <a:font script="Cans" typeface="Euphemia"/>
+        <a:font script="Cher" typeface="Plantagenet Cherokee"/>
+        <a:font script="Yiii" typeface="Microsoft Yi Baiti"/>
+        <a:font script="Tibt" typeface="Microsoft Himalaya"/>
+        <a:font script="Thaa" typeface="MV Boli"/>
+        <a:font script="Deva" typeface="Mangal"/>
+        <a:font script="Telu" typeface="Gautami"/>
+        <a:font script="Taml" typeface="Latha"/>
+        <a:font script="Syrc" typeface="Estrangelo Edessa"/>
+        <a:font script="Orya" typeface="Kalinga"/>
+        <a:font script="Mlym" typeface="Kartika"/>
+        <a:font script="Laoo" typeface="DokChampa"/>
+        <a:font script="Sinh" typeface="Iskoola Pota"/>
+        <a:font script="Mong" typeface="Mongolian Baiti"/>
+        <a:font script="Viet" typeface="Arial"/>
+        <a:font script="Uigh" typeface="Microsoft Uighur"/>
+      </a:minorFont>
+    </a:fontScheme>
+    <a:fmtScheme name="Office">
+      <a:fillStyleLst>
+        <a:solidFill>
+          <a:schemeClr val="phClr"/>
+        </a:solidFill>
+        <a:gradFill rotWithShape="1">
+          <a:gsLst>
+            <a:gs pos="0">
+              <a:schemeClr val="phClr">
+                <a:tint val="50000"/>
+                <a:satMod val="300000"/>
+              </a:schemeClr>
+            </a:gs>
+            <a:gs pos="35000">
+              <a:schemeClr val="phClr">
+                <a:tint val="37000"/>
+                <a:satMod val="300000"/>
+              </a:schemeClr>
+            </a:gs>
+            <a:gs pos="100000">
+              <a:schemeClr val="phClr">
+                <a:tint val="15000"/>
+                <a:satMod val="350000"/>
+              </a:schemeClr>
+            </a:gs>
+          </a:gsLst>
+          <a:lin ang="16200000" scaled="1"/>
+        </a:gradFill>
+        <a:gradFill rotWithShape="1">
+          <a:gsLst>
+            <a:gs pos="0">
+              <a:schemeClr val="phClr">
+                <a:shade val="51000"/>
+                <a:satMod val="130000"/>
+              </a:schemeClr>
+            </a:gs>
+            <a:gs pos="80000">
+              <a:schemeClr val="phClr">
+                <a:shade val="93000"/>
+                <a:satMod val="130000"/>
+              </a:schemeClr>
+            </a:gs>
+            <a:gs pos="100000">
+              <a:schemeClr val="phClr">
+                <a:shade val="94000"/>
+                <a:satMod val="135000"/>
+              </a:schemeClr>
+            </a:gs>
+          </a:gsLst>
+          <a:lin ang="16200000" scaled="0"/>
+        </a:gradFill>
+      </a:fillStyleLst>
+      <a:lnStyleLst>
+        <a:ln w="9525" cap="flat" cmpd="sng" algn="ctr">
+          <a:solidFill>
+            <a:schemeClr val="phClr">
+              <a:shade val="95000"/>
+              <a:satMod val="105000"/>
+            </a:schemeClr>
+          </a:solidFill>
+          <a:prstDash val="solid"/>
+        </a:ln>
+        <a:ln w="25400" cap="flat" cmpd="sng" algn="ctr">
+          <a:solidFill>
+            <a:schemeClr val="phClr"/>
+          </a:solidFill>
+          <a:prstDash val="solid"/>
+        </a:ln>
+        <a:ln w="38100" cap="flat" cmpd="sng" algn="ctr">
+          <a:solidFill>
+            <a:schemeClr val="phClr"/>
+          </a:solidFill>
+          <a:prstDash val="solid"/>
+        </a:ln>
+      </a:lnStyleLst>
+      <a:effectStyleLst>
+        <a:effectStyle>
+          <a:effectLst>
+            <a:outerShdw blurRad="40000" dist="20000" dir="5400000" rotWithShape="0">
+              <a:srgbClr val="000000">
+                <a:alpha val="38000"/>
+              </a:srgbClr>
+            </a:outerShdw>
+          </a:effectLst>
+        </a:effectStyle>
+        <a:effectStyle>
+          <a:effectLst>
+            <a:outerShdw blurRad="40000" dist="23000" dir="5400000" rotWithShape="0">
+              <a:srgbClr val="000000">
+                <a:alpha val="35000"/>
+              </a:srgbClr>
+            </a:outerShdw>
+          </a:effectLst>
+        </a:effectStyle>
+        <a:effectStyle>
+          <a:effectLst>
+            <a:outerShdw blurRad="40000" dist="23000" dir="5400000" rotWithShape="0">
+              <a:srgbClr val="000000">
+                <a:alpha val="35000"/>
+              </a:srgbClr>
+            </a:outerShdw>
+          </a:effectLst>
+          <a:scene3d>
+            <a:camera prst="orthographicFront">
+              <a:rot lat="0" lon="0" rev="0"/>
+            </a:camera>
+            <a:lightRig rig="threePt" dir="t">
+              <a:rot lat="0" lon="0" rev="1200000"/>
+            </a:lightRig>
+          </a:scene3d>
+          <a:sp3d>
+            <a:bevelT w="63500" h="25400"/>
+          </a:sp3d>
+        </a:effectStyle>
+      </a:effectStyleLst>
+      <a:bgFillStyleLst>
+        <a:solidFill>
+          <a:schemeClr val="phClr"/>
+        </a:solidFill>
+        <a:gradFill rotWithShape="1">
+          <a:gsLst>
+            <a:gs pos="0">
+              <a:schemeClr val="phClr">
+                <a:tint val="40000"/>
+                <a:satMod val="350000"/>
+              </a:schemeClr>
+            </a:gs>
+            <a:gs pos="40000">
+              <a:schemeClr val="phClr">
+                <a:tint val="45000"/>
+                <a:shade val="99000"/>
+                <a:satMod val="350000"/>
+              </a:schemeClr>
+            </a:gs>
+            <a:gs pos="100000">
+              <a:schemeClr val="phClr">
+                <a:shade val="20000"/>
+                <a:satMod val="255000"/>
+              </a:schemeClr>
+            </a:gs>
+          </a:gsLst>
+          <a:path path="circle">
+            <a:fillToRect l="50000" t="-80000" r="50000" b="180000"/>
+          </a:path>
+        </a:gradFill>
+        <a:gradFill rotWithShape="1">
+          <a:gsLst>
+            <a:gs pos="0">
+              <a:schemeClr val="phClr">
+                <a:tint val="80000"/>
+                <a:satMod val="300000"/>
+              </a:schemeClr>
+            </a:gs>
+            <a:gs pos="100000">
+              <a:schemeClr val="phClr">
+                <a:shade val="30000"/>
+                <a:satMod val="200000"/>
+              </a:schemeClr>
+            </a:gs>
+          </a:gsLst>
+          <a:path path="circle">
+            <a:fillToRect l="50000" t="50000" r="50000" b="50000"/>
+          </a:path>
+        </a:gradFill>
+      </a:bgFillStyleLst>
+    </a:fmtScheme>
+  </a:themeElements>
+  <a:objectDefaults/>
+  <a:extraClrSchemeLst/>
+</a:theme>
+</file>
+
+<file path=ppt/theme/theme3.xml><?xml version="1.0" encoding="utf-8"?>
+<a:theme xmlns:a="http://schemas.openxmlformats.org/drawingml/2006/main" name="Office Theme">
+  <a:themeElements>
     <a:clrScheme name="">
       <a:dk1>
         <a:srgbClr val="000000"/>
@@ -9775,7 +13910,7 @@
 </a:theme>
 </file>
 
-<file path=ppt/theme/theme3.xml><?xml version="1.0" encoding="utf-8"?>
+<file path=ppt/theme/theme4.xml><?xml version="1.0" encoding="utf-8"?>
 <a:theme xmlns:a="http://schemas.openxmlformats.org/drawingml/2006/main" name="Office Theme">
   <a:themeElements>
     <a:clrScheme name="Office">
